--- a/06. Incident Management/Incident Management.pptx
+++ b/06. Incident Management/Incident Management.pptx
@@ -5,7 +5,7 @@
     <p:sldMasterId id="2147483660" r:id="rId1"/>
   </p:sldMasterIdLst>
   <p:notesMasterIdLst>
-    <p:notesMasterId r:id="rId61"/>
+    <p:notesMasterId r:id="rId58"/>
   </p:notesMasterIdLst>
   <p:sldIdLst>
     <p:sldId id="257" r:id="rId2"/>
@@ -32,41 +32,38 @@
     <p:sldId id="278" r:id="rId23"/>
     <p:sldId id="279" r:id="rId24"/>
     <p:sldId id="280" r:id="rId25"/>
-    <p:sldId id="281" r:id="rId26"/>
-    <p:sldId id="282" r:id="rId27"/>
-    <p:sldId id="283" r:id="rId28"/>
-    <p:sldId id="284" r:id="rId29"/>
-    <p:sldId id="285" r:id="rId30"/>
-    <p:sldId id="286" r:id="rId31"/>
-    <p:sldId id="288" r:id="rId32"/>
-    <p:sldId id="289" r:id="rId33"/>
-    <p:sldId id="290" r:id="rId34"/>
-    <p:sldId id="291" r:id="rId35"/>
-    <p:sldId id="292" r:id="rId36"/>
-    <p:sldId id="293" r:id="rId37"/>
-    <p:sldId id="294" r:id="rId38"/>
-    <p:sldId id="295" r:id="rId39"/>
-    <p:sldId id="296" r:id="rId40"/>
-    <p:sldId id="297" r:id="rId41"/>
-    <p:sldId id="298" r:id="rId42"/>
-    <p:sldId id="299" r:id="rId43"/>
-    <p:sldId id="300" r:id="rId44"/>
-    <p:sldId id="301" r:id="rId45"/>
-    <p:sldId id="302" r:id="rId46"/>
-    <p:sldId id="303" r:id="rId47"/>
-    <p:sldId id="304" r:id="rId48"/>
-    <p:sldId id="305" r:id="rId49"/>
-    <p:sldId id="306" r:id="rId50"/>
-    <p:sldId id="308" r:id="rId51"/>
-    <p:sldId id="309" r:id="rId52"/>
-    <p:sldId id="310" r:id="rId53"/>
-    <p:sldId id="311" r:id="rId54"/>
-    <p:sldId id="314" r:id="rId55"/>
-    <p:sldId id="315" r:id="rId56"/>
-    <p:sldId id="312" r:id="rId57"/>
-    <p:sldId id="321" r:id="rId58"/>
-    <p:sldId id="313" r:id="rId59"/>
-    <p:sldId id="317" r:id="rId60"/>
+    <p:sldId id="284" r:id="rId26"/>
+    <p:sldId id="285" r:id="rId27"/>
+    <p:sldId id="286" r:id="rId28"/>
+    <p:sldId id="288" r:id="rId29"/>
+    <p:sldId id="289" r:id="rId30"/>
+    <p:sldId id="290" r:id="rId31"/>
+    <p:sldId id="291" r:id="rId32"/>
+    <p:sldId id="292" r:id="rId33"/>
+    <p:sldId id="293" r:id="rId34"/>
+    <p:sldId id="294" r:id="rId35"/>
+    <p:sldId id="295" r:id="rId36"/>
+    <p:sldId id="296" r:id="rId37"/>
+    <p:sldId id="297" r:id="rId38"/>
+    <p:sldId id="298" r:id="rId39"/>
+    <p:sldId id="299" r:id="rId40"/>
+    <p:sldId id="300" r:id="rId41"/>
+    <p:sldId id="301" r:id="rId42"/>
+    <p:sldId id="302" r:id="rId43"/>
+    <p:sldId id="303" r:id="rId44"/>
+    <p:sldId id="304" r:id="rId45"/>
+    <p:sldId id="305" r:id="rId46"/>
+    <p:sldId id="306" r:id="rId47"/>
+    <p:sldId id="308" r:id="rId48"/>
+    <p:sldId id="309" r:id="rId49"/>
+    <p:sldId id="310" r:id="rId50"/>
+    <p:sldId id="311" r:id="rId51"/>
+    <p:sldId id="314" r:id="rId52"/>
+    <p:sldId id="315" r:id="rId53"/>
+    <p:sldId id="312" r:id="rId54"/>
+    <p:sldId id="321" r:id="rId55"/>
+    <p:sldId id="313" r:id="rId56"/>
+    <p:sldId id="317" r:id="rId57"/>
   </p:sldIdLst>
   <p:sldSz cx="9144000" cy="6858000" type="screen4x3"/>
   <p:notesSz cx="6858000" cy="9144000"/>
@@ -274,7 +271,7 @@
           <a:p>
             <a:fld id="{6F795154-0BAF-433F-A3AE-E0634FAFB604}" type="datetimeFigureOut">
               <a:rPr lang="en-US" smtClean="0"/>
-              <a:t>11/11/2015</a:t>
+              <a:t>11/15/2015</a:t>
             </a:fld>
             <a:endParaRPr lang="en-US"/>
           </a:p>
@@ -740,7 +737,7 @@
             <a:fld id="{6FB4F6EA-423E-42DF-9292-215E7D886C4E}" type="slidenum">
               <a:rPr lang="en-US" smtClean="0"/>
               <a:pPr/>
-              <a:t>30</a:t>
+              <a:t>27</a:t>
             </a:fld>
             <a:endParaRPr lang="en-US" dirty="0"/>
           </a:p>
@@ -831,7 +828,7 @@
             <a:fld id="{6FB4F6EA-423E-42DF-9292-215E7D886C4E}" type="slidenum">
               <a:rPr lang="en-US" smtClean="0"/>
               <a:pPr/>
-              <a:t>31</a:t>
+              <a:t>28</a:t>
             </a:fld>
             <a:endParaRPr lang="en-US" dirty="0"/>
           </a:p>
@@ -950,7 +947,7 @@
             <a:fld id="{6FB4F6EA-423E-42DF-9292-215E7D886C4E}" type="slidenum">
               <a:rPr lang="en-US" smtClean="0"/>
               <a:pPr/>
-              <a:t>36</a:t>
+              <a:t>33</a:t>
             </a:fld>
             <a:endParaRPr lang="en-US" dirty="0"/>
           </a:p>
@@ -1041,7 +1038,7 @@
             <a:fld id="{6FB4F6EA-423E-42DF-9292-215E7D886C4E}" type="slidenum">
               <a:rPr lang="en-US" smtClean="0"/>
               <a:pPr/>
-              <a:t>38</a:t>
+              <a:t>35</a:t>
             </a:fld>
             <a:endParaRPr lang="en-US" dirty="0"/>
           </a:p>
@@ -1126,7 +1123,7 @@
             <a:fld id="{6FB4F6EA-423E-42DF-9292-215E7D886C4E}" type="slidenum">
               <a:rPr lang="en-US" smtClean="0"/>
               <a:pPr/>
-              <a:t>58</a:t>
+              <a:t>55</a:t>
             </a:fld>
             <a:endParaRPr lang="en-US" dirty="0"/>
           </a:p>
@@ -1981,7 +1978,7 @@
             <a:fld id="{6FB4F6EA-423E-42DF-9292-215E7D886C4E}" type="slidenum">
               <a:rPr lang="en-US" smtClean="0"/>
               <a:pPr/>
-              <a:t>28</a:t>
+              <a:t>25</a:t>
             </a:fld>
             <a:endParaRPr lang="en-US" dirty="0"/>
           </a:p>
@@ -12189,2677 +12186,6 @@
             <a:spLocks noGrp="1"/>
           </p:cNvSpPr>
           <p:nvPr>
-            <p:ph type="title"/>
-          </p:nvPr>
-        </p:nvSpPr>
-        <p:spPr/>
-        <p:txBody>
-          <a:bodyPr/>
-          <a:lstStyle/>
-          <a:p>
-            <a:r>
-              <a:rPr lang="en-US" dirty="0"/>
-              <a:t>Defect </a:t>
-            </a:r>
-            <a:r>
-              <a:rPr lang="en-US" dirty="0" smtClean="0"/>
-              <a:t>Priority(2)</a:t>
-            </a:r>
-            <a:endParaRPr lang="en-US" dirty="0"/>
-          </a:p>
-        </p:txBody>
-      </p:sp>
-      <p:sp>
-        <p:nvSpPr>
-          <p:cNvPr id="3" name="Content Placeholder 2"/>
-          <p:cNvSpPr>
-            <a:spLocks noGrp="1"/>
-          </p:cNvSpPr>
-          <p:nvPr>
-            <p:ph idx="1"/>
-          </p:nvPr>
-        </p:nvSpPr>
-        <p:spPr/>
-        <p:txBody>
-          <a:bodyPr/>
-          <a:lstStyle/>
-          <a:p>
-            <a:r>
-              <a:rPr lang="en-US" dirty="0"/>
-              <a:t>Covey's </a:t>
-            </a:r>
-            <a:r>
-              <a:rPr lang="en-US" dirty="0" smtClean="0"/>
-              <a:t>Quadrants</a:t>
-            </a:r>
-          </a:p>
-          <a:p>
-            <a:pPr lvl="1"/>
-            <a:r>
-              <a:rPr lang="en-US" dirty="0" smtClean="0"/>
-              <a:t>Defects are </a:t>
-            </a:r>
-            <a:r>
-              <a:rPr lang="en-US" dirty="0"/>
-              <a:t>categorized by four quadrants</a:t>
-            </a:r>
-            <a:r>
-              <a:rPr lang="en-US" dirty="0" smtClean="0"/>
-              <a:t>:</a:t>
-            </a:r>
-          </a:p>
-          <a:p>
-            <a:pPr lvl="2"/>
-            <a:r>
-              <a:rPr lang="en-US" dirty="0"/>
-              <a:t>QI - Important and Urgent</a:t>
-            </a:r>
-          </a:p>
-          <a:p>
-            <a:pPr lvl="2"/>
-            <a:r>
-              <a:rPr lang="en-US" dirty="0"/>
-              <a:t>QII - Important but Not Urgent</a:t>
-            </a:r>
-          </a:p>
-          <a:p>
-            <a:pPr lvl="2"/>
-            <a:r>
-              <a:rPr lang="en-US" dirty="0"/>
-              <a:t>QIII - Not Important but Urgent</a:t>
-            </a:r>
-          </a:p>
-          <a:p>
-            <a:pPr lvl="2"/>
-            <a:r>
-              <a:rPr lang="en-US" dirty="0"/>
-              <a:t>QIV - Not Important and Not Urgent</a:t>
-            </a:r>
-          </a:p>
-          <a:p>
-            <a:pPr marL="0" indent="0">
-              <a:buNone/>
-            </a:pPr>
-            <a:endParaRPr lang="en-US" dirty="0"/>
-          </a:p>
-        </p:txBody>
-      </p:sp>
-      <p:sp>
-        <p:nvSpPr>
-          <p:cNvPr id="4" name="Slide Number Placeholder 3"/>
-          <p:cNvSpPr>
-            <a:spLocks noGrp="1"/>
-          </p:cNvSpPr>
-          <p:nvPr>
-            <p:ph type="sldNum" sz="quarter" idx="10"/>
-          </p:nvPr>
-        </p:nvSpPr>
-        <p:spPr/>
-        <p:txBody>
-          <a:bodyPr/>
-          <a:lstStyle/>
-          <a:p>
-            <a:pPr>
-              <a:defRPr/>
-            </a:pPr>
-            <a:fld id="{58452FF4-89E3-4D1B-9927-2DBDC00E58D7}" type="slidenum">
-              <a:rPr lang="en-US" smtClean="0"/>
-              <a:pPr>
-                <a:defRPr/>
-              </a:pPr>
-              <a:t>25</a:t>
-            </a:fld>
-            <a:endParaRPr lang="en-US" dirty="0"/>
-          </a:p>
-        </p:txBody>
-      </p:sp>
-      <p:pic>
-        <p:nvPicPr>
-          <p:cNvPr id="1026" name="Picture 2"/>
-          <p:cNvPicPr>
-            <a:picLocks noChangeAspect="1" noChangeArrowheads="1"/>
-          </p:cNvPicPr>
-          <p:nvPr/>
-        </p:nvPicPr>
-        <p:blipFill>
-          <a:blip r:embed="rId2">
-            <a:extLst>
-              <a:ext uri="{28A0092B-C50C-407E-A947-70E740481C1C}">
-                <a14:useLocalDpi xmlns:a14="http://schemas.microsoft.com/office/drawing/2010/main" val="0"/>
-              </a:ext>
-            </a:extLst>
-          </a:blip>
-          <a:srcRect/>
-          <a:stretch>
-            <a:fillRect/>
-          </a:stretch>
-        </p:blipFill>
-        <p:spPr bwMode="auto">
-          <a:xfrm>
-            <a:off x="6799385" y="4800600"/>
-            <a:ext cx="1937564" cy="1905000"/>
-          </a:xfrm>
-          <a:prstGeom prst="roundRect">
-            <a:avLst/>
-          </a:prstGeom>
-          <a:noFill/>
-          <a:ln>
-            <a:noFill/>
-          </a:ln>
-          <a:effectLst>
-            <a:glow rad="101600">
-              <a:schemeClr val="tx1">
-                <a:alpha val="40000"/>
-              </a:schemeClr>
-            </a:glow>
-            <a:outerShdw dist="35921" dir="2700000" algn="ctr" rotWithShape="0">
-              <a:schemeClr val="bg2"/>
-            </a:outerShdw>
-          </a:effectLst>
-          <a:extLst>
-            <a:ext uri="{909E8E84-426E-40DD-AFC4-6F175D3DCCD1}">
-              <a14:hiddenFill xmlns:a14="http://schemas.microsoft.com/office/drawing/2010/main">
-                <a:solidFill>
-                  <a:schemeClr val="accent1"/>
-                </a:solidFill>
-              </a14:hiddenFill>
-            </a:ext>
-            <a:ext uri="{91240B29-F687-4F45-9708-019B960494DF}">
-              <a14:hiddenLine xmlns:a14="http://schemas.microsoft.com/office/drawing/2010/main" w="9525">
-                <a:solidFill>
-                  <a:schemeClr val="tx1"/>
-                </a:solidFill>
-                <a:miter lim="800000"/>
-                <a:headEnd/>
-                <a:tailEnd/>
-              </a14:hiddenLine>
-            </a:ext>
-          </a:extLst>
-        </p:spPr>
-      </p:pic>
-    </p:spTree>
-    <p:extLst>
-      <p:ext uri="{BB962C8B-B14F-4D97-AF65-F5344CB8AC3E}">
-        <p14:creationId xmlns:p14="http://schemas.microsoft.com/office/powerpoint/2010/main" val="3834601382"/>
-      </p:ext>
-    </p:extLst>
-  </p:cSld>
-  <p:clrMapOvr>
-    <a:masterClrMapping/>
-  </p:clrMapOvr>
-  <p:timing>
-    <p:tnLst>
-      <p:par>
-        <p:cTn id="1" dur="indefinite" restart="never" nodeType="tmRoot"/>
-      </p:par>
-    </p:tnLst>
-  </p:timing>
-</p:sld>
-</file>
-
-<file path=ppt/slides/slide26.xml><?xml version="1.0" encoding="utf-8"?>
-<p:sld xmlns:a="http://schemas.openxmlformats.org/drawingml/2006/main" xmlns:r="http://schemas.openxmlformats.org/officeDocument/2006/relationships" xmlns:p="http://schemas.openxmlformats.org/presentationml/2006/main">
-  <p:cSld>
-    <p:spTree>
-      <p:nvGrpSpPr>
-        <p:cNvPr id="1" name=""/>
-        <p:cNvGrpSpPr/>
-        <p:nvPr/>
-      </p:nvGrpSpPr>
-      <p:grpSpPr>
-        <a:xfrm>
-          <a:off x="0" y="0"/>
-          <a:ext cx="0" cy="0"/>
-          <a:chOff x="0" y="0"/>
-          <a:chExt cx="0" cy="0"/>
-        </a:xfrm>
-      </p:grpSpPr>
-      <p:sp>
-        <p:nvSpPr>
-          <p:cNvPr id="2" name="Title 1"/>
-          <p:cNvSpPr>
-            <a:spLocks noGrp="1"/>
-          </p:cNvSpPr>
-          <p:nvPr>
-            <p:ph type="title"/>
-          </p:nvPr>
-        </p:nvSpPr>
-        <p:spPr/>
-        <p:txBody>
-          <a:bodyPr/>
-          <a:lstStyle/>
-          <a:p>
-            <a:r>
-              <a:rPr lang="en-US" dirty="0"/>
-              <a:t>Defect </a:t>
-            </a:r>
-            <a:r>
-              <a:rPr lang="en-US" dirty="0" smtClean="0"/>
-              <a:t>Priority(3)</a:t>
-            </a:r>
-            <a:endParaRPr lang="en-US" dirty="0"/>
-          </a:p>
-        </p:txBody>
-      </p:sp>
-      <p:sp>
-        <p:nvSpPr>
-          <p:cNvPr id="3" name="Content Placeholder 2"/>
-          <p:cNvSpPr>
-            <a:spLocks noGrp="1"/>
-          </p:cNvSpPr>
-          <p:nvPr>
-            <p:ph idx="1"/>
-          </p:nvPr>
-        </p:nvSpPr>
-        <p:spPr/>
-        <p:txBody>
-          <a:bodyPr/>
-          <a:lstStyle/>
-          <a:p>
-            <a:r>
-              <a:rPr lang="en-US" dirty="0"/>
-              <a:t>The ABC </a:t>
-            </a:r>
-            <a:r>
-              <a:rPr lang="en-US" dirty="0" smtClean="0"/>
-              <a:t>Method</a:t>
-            </a:r>
-          </a:p>
-          <a:p>
-            <a:pPr lvl="1"/>
-            <a:r>
-              <a:rPr lang="en-US" dirty="0"/>
-              <a:t>A = vital </a:t>
-            </a:r>
-          </a:p>
-          <a:p>
-            <a:pPr lvl="1"/>
-            <a:r>
-              <a:rPr lang="en-US" dirty="0"/>
-              <a:t>B = important </a:t>
-            </a:r>
-          </a:p>
-          <a:p>
-            <a:pPr lvl="1"/>
-            <a:r>
-              <a:rPr lang="en-US" dirty="0"/>
-              <a:t>C = nice </a:t>
-            </a:r>
-          </a:p>
-          <a:p>
-            <a:pPr lvl="1"/>
-            <a:r>
-              <a:rPr lang="en-US" dirty="0"/>
-              <a:t>Then </a:t>
-            </a:r>
-            <a:r>
-              <a:rPr lang="en-US" dirty="0" smtClean="0"/>
-              <a:t>these </a:t>
-            </a:r>
-            <a:r>
-              <a:rPr lang="en-US" dirty="0"/>
-              <a:t>categories </a:t>
-            </a:r>
-            <a:r>
-              <a:rPr lang="en-US" dirty="0" smtClean="0"/>
-              <a:t>are subdivided into </a:t>
-            </a:r>
-            <a:r>
-              <a:rPr lang="en-US" dirty="0"/>
-              <a:t>A1, A2, A3, ..., B1, B2, ... and so forth</a:t>
-            </a:r>
-          </a:p>
-          <a:p>
-            <a:r>
-              <a:rPr lang="en-US" dirty="0"/>
-              <a:t>The Payoff versus Time </a:t>
-            </a:r>
-            <a:r>
-              <a:rPr lang="en-US" dirty="0" smtClean="0"/>
-              <a:t>Method</a:t>
-            </a:r>
-          </a:p>
-          <a:p>
-            <a:pPr lvl="1"/>
-            <a:r>
-              <a:rPr lang="en-US" dirty="0"/>
-              <a:t>W</a:t>
-            </a:r>
-            <a:r>
-              <a:rPr lang="en-US" dirty="0" smtClean="0"/>
-              <a:t>eight </a:t>
-            </a:r>
-            <a:r>
-              <a:rPr lang="en-US" dirty="0"/>
-              <a:t>each </a:t>
-            </a:r>
-            <a:r>
-              <a:rPr lang="en-US" dirty="0" smtClean="0"/>
-              <a:t>defect by </a:t>
-            </a:r>
-            <a:r>
-              <a:rPr lang="en-US" dirty="0"/>
-              <a:t>the payoff </a:t>
-            </a:r>
-            <a:r>
-              <a:rPr lang="en-US" dirty="0" smtClean="0"/>
-              <a:t>expected </a:t>
-            </a:r>
-            <a:r>
-              <a:rPr lang="en-US" dirty="0"/>
-              <a:t>from it versus the time it takes to </a:t>
-            </a:r>
-            <a:r>
-              <a:rPr lang="en-US" dirty="0" smtClean="0"/>
-              <a:t>be done</a:t>
-            </a:r>
-            <a:endParaRPr lang="en-US" dirty="0"/>
-          </a:p>
-          <a:p>
-            <a:endParaRPr lang="en-US" dirty="0"/>
-          </a:p>
-        </p:txBody>
-      </p:sp>
-      <p:sp>
-        <p:nvSpPr>
-          <p:cNvPr id="4" name="Slide Number Placeholder 3"/>
-          <p:cNvSpPr>
-            <a:spLocks noGrp="1"/>
-          </p:cNvSpPr>
-          <p:nvPr>
-            <p:ph type="sldNum" sz="quarter" idx="10"/>
-          </p:nvPr>
-        </p:nvSpPr>
-        <p:spPr/>
-        <p:txBody>
-          <a:bodyPr/>
-          <a:lstStyle/>
-          <a:p>
-            <a:pPr>
-              <a:defRPr/>
-            </a:pPr>
-            <a:fld id="{58452FF4-89E3-4D1B-9927-2DBDC00E58D7}" type="slidenum">
-              <a:rPr lang="en-US" smtClean="0"/>
-              <a:pPr>
-                <a:defRPr/>
-              </a:pPr>
-              <a:t>26</a:t>
-            </a:fld>
-            <a:endParaRPr lang="en-US" dirty="0"/>
-          </a:p>
-        </p:txBody>
-      </p:sp>
-      <p:pic>
-        <p:nvPicPr>
-          <p:cNvPr id="2050" name="Picture 2"/>
-          <p:cNvPicPr>
-            <a:picLocks noChangeAspect="1" noChangeArrowheads="1"/>
-          </p:cNvPicPr>
-          <p:nvPr/>
-        </p:nvPicPr>
-        <p:blipFill>
-          <a:blip r:embed="rId2" cstate="print">
-            <a:extLst>
-              <a:ext uri="{28A0092B-C50C-407E-A947-70E740481C1C}">
-                <a14:useLocalDpi xmlns:a14="http://schemas.microsoft.com/office/drawing/2010/main" val="0"/>
-              </a:ext>
-            </a:extLst>
-          </a:blip>
-          <a:srcRect/>
-          <a:stretch>
-            <a:fillRect/>
-          </a:stretch>
-        </p:blipFill>
-        <p:spPr bwMode="auto">
-          <a:xfrm>
-            <a:off x="5334000" y="1752600"/>
-            <a:ext cx="1252514" cy="1218070"/>
-          </a:xfrm>
-          <a:prstGeom prst="roundRect">
-            <a:avLst/>
-          </a:prstGeom>
-          <a:noFill/>
-          <a:ln>
-            <a:noFill/>
-          </a:ln>
-          <a:effectLst>
-            <a:glow rad="101600">
-              <a:schemeClr val="tx1">
-                <a:lumMod val="75000"/>
-                <a:alpha val="60000"/>
-              </a:schemeClr>
-            </a:glow>
-            <a:outerShdw dist="35921" dir="2700000" algn="ctr" rotWithShape="0">
-              <a:schemeClr val="bg2"/>
-            </a:outerShdw>
-          </a:effectLst>
-          <a:extLst>
-            <a:ext uri="{909E8E84-426E-40DD-AFC4-6F175D3DCCD1}">
-              <a14:hiddenFill xmlns:a14="http://schemas.microsoft.com/office/drawing/2010/main">
-                <a:solidFill>
-                  <a:schemeClr val="accent1"/>
-                </a:solidFill>
-              </a14:hiddenFill>
-            </a:ext>
-            <a:ext uri="{91240B29-F687-4F45-9708-019B960494DF}">
-              <a14:hiddenLine xmlns:a14="http://schemas.microsoft.com/office/drawing/2010/main" w="9525">
-                <a:solidFill>
-                  <a:schemeClr val="tx1"/>
-                </a:solidFill>
-                <a:miter lim="800000"/>
-                <a:headEnd/>
-                <a:tailEnd/>
-              </a14:hiddenLine>
-            </a:ext>
-          </a:extLst>
-        </p:spPr>
-      </p:pic>
-    </p:spTree>
-    <p:extLst>
-      <p:ext uri="{BB962C8B-B14F-4D97-AF65-F5344CB8AC3E}">
-        <p14:creationId xmlns:p14="http://schemas.microsoft.com/office/powerpoint/2010/main" val="1304206027"/>
-      </p:ext>
-    </p:extLst>
-  </p:cSld>
-  <p:clrMapOvr>
-    <a:masterClrMapping/>
-  </p:clrMapOvr>
-  <p:timing>
-    <p:tnLst>
-      <p:par>
-        <p:cTn id="1" dur="indefinite" restart="never" nodeType="tmRoot"/>
-      </p:par>
-    </p:tnLst>
-  </p:timing>
-</p:sld>
-</file>
-
-<file path=ppt/slides/slide27.xml><?xml version="1.0" encoding="utf-8"?>
-<p:sld xmlns:a="http://schemas.openxmlformats.org/drawingml/2006/main" xmlns:r="http://schemas.openxmlformats.org/officeDocument/2006/relationships" xmlns:p="http://schemas.openxmlformats.org/presentationml/2006/main">
-  <p:cSld>
-    <p:spTree>
-      <p:nvGrpSpPr>
-        <p:cNvPr id="1" name=""/>
-        <p:cNvGrpSpPr/>
-        <p:nvPr/>
-      </p:nvGrpSpPr>
-      <p:grpSpPr>
-        <a:xfrm>
-          <a:off x="0" y="0"/>
-          <a:ext cx="0" cy="0"/>
-          <a:chOff x="0" y="0"/>
-          <a:chExt cx="0" cy="0"/>
-        </a:xfrm>
-      </p:grpSpPr>
-      <p:sp>
-        <p:nvSpPr>
-          <p:cNvPr id="2" name="Title 1"/>
-          <p:cNvSpPr>
-            <a:spLocks noGrp="1"/>
-          </p:cNvSpPr>
-          <p:nvPr>
-            <p:ph type="title"/>
-          </p:nvPr>
-        </p:nvSpPr>
-        <p:spPr/>
-        <p:txBody>
-          <a:bodyPr/>
-          <a:lstStyle/>
-          <a:p>
-            <a:r>
-              <a:rPr lang="en-US" dirty="0"/>
-              <a:t>Defect </a:t>
-            </a:r>
-            <a:r>
-              <a:rPr lang="en-US" dirty="0" smtClean="0"/>
-              <a:t>Priority(4)</a:t>
-            </a:r>
-            <a:endParaRPr lang="en-US" dirty="0"/>
-          </a:p>
-        </p:txBody>
-      </p:sp>
-      <p:sp>
-        <p:nvSpPr>
-          <p:cNvPr id="3" name="Content Placeholder 2"/>
-          <p:cNvSpPr>
-            <a:spLocks noGrp="1"/>
-          </p:cNvSpPr>
-          <p:nvPr>
-            <p:ph idx="1"/>
-          </p:nvPr>
-        </p:nvSpPr>
-        <p:spPr/>
-        <p:txBody>
-          <a:bodyPr/>
-          <a:lstStyle/>
-          <a:p>
-            <a:r>
-              <a:rPr lang="en-US" dirty="0"/>
-              <a:t>Paired Comparison</a:t>
-            </a:r>
-          </a:p>
-          <a:p>
-            <a:pPr lvl="1"/>
-            <a:r>
-              <a:rPr lang="en-US" sz="2800" dirty="0"/>
-              <a:t>U</a:t>
-            </a:r>
-            <a:r>
-              <a:rPr lang="en-US" sz="2800" dirty="0" smtClean="0"/>
-              <a:t>ses </a:t>
-            </a:r>
-            <a:r>
-              <a:rPr lang="en-US" sz="2800" dirty="0"/>
-              <a:t>a simple scoring system for comparing </a:t>
-            </a:r>
-            <a:r>
-              <a:rPr lang="en-US" sz="2800" dirty="0" smtClean="0"/>
-              <a:t>activities</a:t>
-            </a:r>
-          </a:p>
-          <a:p>
-            <a:pPr lvl="1"/>
-            <a:r>
-              <a:rPr lang="en-US" sz="2800" dirty="0"/>
-              <a:t>1 = slightly </a:t>
-            </a:r>
-            <a:r>
-              <a:rPr lang="en-US" sz="2800" dirty="0" smtClean="0"/>
-              <a:t>prefer </a:t>
-            </a:r>
-            <a:r>
-              <a:rPr lang="en-US" sz="2800" dirty="0"/>
-              <a:t>2 = moderately prefer </a:t>
-            </a:r>
-            <a:r>
-              <a:rPr lang="en-US" dirty="0"/>
-              <a:t>3 = greatly prefer</a:t>
-            </a:r>
-          </a:p>
-        </p:txBody>
-      </p:sp>
-      <p:sp>
-        <p:nvSpPr>
-          <p:cNvPr id="4" name="Slide Number Placeholder 3"/>
-          <p:cNvSpPr>
-            <a:spLocks noGrp="1"/>
-          </p:cNvSpPr>
-          <p:nvPr>
-            <p:ph type="sldNum" sz="quarter" idx="10"/>
-          </p:nvPr>
-        </p:nvSpPr>
-        <p:spPr/>
-        <p:txBody>
-          <a:bodyPr/>
-          <a:lstStyle/>
-          <a:p>
-            <a:pPr>
-              <a:defRPr/>
-            </a:pPr>
-            <a:fld id="{58452FF4-89E3-4D1B-9927-2DBDC00E58D7}" type="slidenum">
-              <a:rPr lang="en-US" smtClean="0"/>
-              <a:pPr>
-                <a:defRPr/>
-              </a:pPr>
-              <a:t>27</a:t>
-            </a:fld>
-            <a:endParaRPr lang="en-US" dirty="0"/>
-          </a:p>
-        </p:txBody>
-      </p:sp>
-      <p:pic>
-        <p:nvPicPr>
-          <p:cNvPr id="3074" name="Picture 2"/>
-          <p:cNvPicPr>
-            <a:picLocks noChangeAspect="1" noChangeArrowheads="1"/>
-          </p:cNvPicPr>
-          <p:nvPr/>
-        </p:nvPicPr>
-        <p:blipFill>
-          <a:blip r:embed="rId2" cstate="print">
-            <a:extLst>
-              <a:ext uri="{28A0092B-C50C-407E-A947-70E740481C1C}">
-                <a14:useLocalDpi xmlns:a14="http://schemas.microsoft.com/office/drawing/2010/main" val="0"/>
-              </a:ext>
-            </a:extLst>
-          </a:blip>
-          <a:srcRect/>
-          <a:stretch>
-            <a:fillRect/>
-          </a:stretch>
-        </p:blipFill>
-        <p:spPr bwMode="auto">
-          <a:xfrm>
-            <a:off x="7221893" y="5409795"/>
-            <a:ext cx="1565987" cy="1064871"/>
-          </a:xfrm>
-          <a:prstGeom prst="roundRect">
-            <a:avLst/>
-          </a:prstGeom>
-          <a:noFill/>
-          <a:ln>
-            <a:noFill/>
-          </a:ln>
-          <a:effectLst>
-            <a:glow rad="101600">
-              <a:schemeClr val="tx1">
-                <a:lumMod val="75000"/>
-                <a:alpha val="60000"/>
-              </a:schemeClr>
-            </a:glow>
-            <a:outerShdw dist="35921" dir="2700000" algn="ctr" rotWithShape="0">
-              <a:schemeClr val="bg2"/>
-            </a:outerShdw>
-          </a:effectLst>
-          <a:extLst>
-            <a:ext uri="{909E8E84-426E-40DD-AFC4-6F175D3DCCD1}">
-              <a14:hiddenFill xmlns:a14="http://schemas.microsoft.com/office/drawing/2010/main">
-                <a:solidFill>
-                  <a:schemeClr val="accent1"/>
-                </a:solidFill>
-              </a14:hiddenFill>
-            </a:ext>
-            <a:ext uri="{91240B29-F687-4F45-9708-019B960494DF}">
-              <a14:hiddenLine xmlns:a14="http://schemas.microsoft.com/office/drawing/2010/main" w="9525">
-                <a:solidFill>
-                  <a:schemeClr val="tx1"/>
-                </a:solidFill>
-                <a:miter lim="800000"/>
-                <a:headEnd/>
-                <a:tailEnd/>
-              </a14:hiddenLine>
-            </a:ext>
-          </a:extLst>
-        </p:spPr>
-      </p:pic>
-      <p:graphicFrame>
-        <p:nvGraphicFramePr>
-          <p:cNvPr id="9" name="Table 8"/>
-          <p:cNvGraphicFramePr>
-            <a:graphicFrameLocks noGrp="1"/>
-          </p:cNvGraphicFramePr>
-          <p:nvPr>
-            <p:extLst>
-              <p:ext uri="{D42A27DB-BD31-4B8C-83A1-F6EECF244321}">
-                <p14:modId xmlns:p14="http://schemas.microsoft.com/office/powerpoint/2010/main" val="3558216780"/>
-              </p:ext>
-            </p:extLst>
-          </p:nvPr>
-        </p:nvGraphicFramePr>
-        <p:xfrm>
-          <a:off x="2141375" y="3480318"/>
-          <a:ext cx="5257800" cy="1838664"/>
-        </p:xfrm>
-        <a:graphic>
-          <a:graphicData uri="http://schemas.openxmlformats.org/drawingml/2006/table">
-            <a:tbl>
-              <a:tblPr firstRow="1" bandRow="1"/>
-              <a:tblGrid>
-                <a:gridCol w="1051560"/>
-                <a:gridCol w="1051560"/>
-                <a:gridCol w="1051560"/>
-                <a:gridCol w="1051560"/>
-                <a:gridCol w="1051560"/>
-              </a:tblGrid>
-              <a:tr h="375624">
-                <a:tc>
-                  <a:txBody>
-                    <a:bodyPr/>
-                    <a:lstStyle/>
-                    <a:p>
-                      <a:pPr algn="ctr"/>
-                      <a:r>
-                        <a:rPr lang="en-US" dirty="0" smtClean="0">
-                          <a:solidFill>
-                            <a:srgbClr val="FFFFFF"/>
-                          </a:solidFill>
-                        </a:rPr>
-                        <a:t>Option</a:t>
-                      </a:r>
-                      <a:endParaRPr lang="en-US" dirty="0">
-                        <a:solidFill>
-                          <a:srgbClr val="FFFFFF"/>
-                        </a:solidFill>
-                      </a:endParaRPr>
-                    </a:p>
-                  </a:txBody>
-                  <a:tcPr>
-                    <a:lnL w="3175" cap="flat" cmpd="sng" algn="ctr">
-                      <a:solidFill>
-                        <a:schemeClr val="accent5">
-                          <a:lumMod val="40000"/>
-                          <a:lumOff val="60000"/>
-                        </a:schemeClr>
-                      </a:solidFill>
-                      <a:prstDash val="solid"/>
-                      <a:round/>
-                      <a:headEnd type="none" w="med" len="med"/>
-                      <a:tailEnd type="none" w="med" len="med"/>
-                    </a:lnL>
-                    <a:lnR w="3175" cap="flat" cmpd="sng" algn="ctr">
-                      <a:solidFill>
-                        <a:schemeClr val="accent5">
-                          <a:lumMod val="40000"/>
-                          <a:lumOff val="60000"/>
-                        </a:schemeClr>
-                      </a:solidFill>
-                      <a:prstDash val="solid"/>
-                      <a:round/>
-                      <a:headEnd type="none" w="med" len="med"/>
-                      <a:tailEnd type="none" w="med" len="med"/>
-                    </a:lnR>
-                    <a:lnT w="3175" cap="flat" cmpd="sng" algn="ctr">
-                      <a:solidFill>
-                        <a:schemeClr val="accent5">
-                          <a:lumMod val="40000"/>
-                          <a:lumOff val="60000"/>
-                        </a:schemeClr>
-                      </a:solidFill>
-                      <a:prstDash val="solid"/>
-                      <a:round/>
-                      <a:headEnd type="none" w="med" len="med"/>
-                      <a:tailEnd type="none" w="med" len="med"/>
-                    </a:lnT>
-                    <a:lnB w="3175" cap="flat" cmpd="sng" algn="ctr">
-                      <a:solidFill>
-                        <a:schemeClr val="accent5">
-                          <a:lumMod val="40000"/>
-                          <a:lumOff val="60000"/>
-                        </a:schemeClr>
-                      </a:solidFill>
-                      <a:prstDash val="solid"/>
-                      <a:round/>
-                      <a:headEnd type="none" w="med" len="med"/>
-                      <a:tailEnd type="none" w="med" len="med"/>
-                    </a:lnB>
-                    <a:solidFill>
-                      <a:srgbClr val="9BBB59"/>
-                    </a:solidFill>
-                  </a:tcPr>
-                </a:tc>
-                <a:tc>
-                  <a:txBody>
-                    <a:bodyPr/>
-                    <a:lstStyle/>
-                    <a:p>
-                      <a:pPr marL="0" algn="ctr" rtl="0" eaLnBrk="1" hangingPunct="1"/>
-                      <a:r>
-                        <a:rPr lang="en-US" kern="1200" dirty="0" smtClean="0">
-                          <a:solidFill>
-                            <a:srgbClr val="FFFFFF"/>
-                          </a:solidFill>
-                          <a:latin typeface="+mn-lt"/>
-                          <a:ea typeface="+mn-ea"/>
-                          <a:cs typeface="+mn-cs"/>
-                        </a:rPr>
-                        <a:t>A:</a:t>
-                      </a:r>
-                      <a:endParaRPr lang="en-US" kern="1200" dirty="0">
-                        <a:solidFill>
-                          <a:srgbClr val="FFFFFF"/>
-                        </a:solidFill>
-                        <a:latin typeface="+mn-lt"/>
-                        <a:ea typeface="+mn-ea"/>
-                        <a:cs typeface="+mn-cs"/>
-                      </a:endParaRPr>
-                    </a:p>
-                  </a:txBody>
-                  <a:tcPr>
-                    <a:lnL w="3175" cap="flat" cmpd="sng" algn="ctr">
-                      <a:solidFill>
-                        <a:schemeClr val="accent5">
-                          <a:lumMod val="40000"/>
-                          <a:lumOff val="60000"/>
-                        </a:schemeClr>
-                      </a:solidFill>
-                      <a:prstDash val="solid"/>
-                      <a:round/>
-                      <a:headEnd type="none" w="med" len="med"/>
-                      <a:tailEnd type="none" w="med" len="med"/>
-                    </a:lnL>
-                    <a:lnR w="3175" cap="flat" cmpd="sng" algn="ctr">
-                      <a:solidFill>
-                        <a:schemeClr val="accent5">
-                          <a:lumMod val="40000"/>
-                          <a:lumOff val="60000"/>
-                        </a:schemeClr>
-                      </a:solidFill>
-                      <a:prstDash val="solid"/>
-                      <a:round/>
-                      <a:headEnd type="none" w="med" len="med"/>
-                      <a:tailEnd type="none" w="med" len="med"/>
-                    </a:lnR>
-                    <a:lnT w="3175" cap="flat" cmpd="sng" algn="ctr">
-                      <a:solidFill>
-                        <a:schemeClr val="accent5">
-                          <a:lumMod val="40000"/>
-                          <a:lumOff val="60000"/>
-                        </a:schemeClr>
-                      </a:solidFill>
-                      <a:prstDash val="solid"/>
-                      <a:round/>
-                      <a:headEnd type="none" w="med" len="med"/>
-                      <a:tailEnd type="none" w="med" len="med"/>
-                    </a:lnT>
-                    <a:lnB w="3175" cap="flat" cmpd="sng" algn="ctr">
-                      <a:solidFill>
-                        <a:schemeClr val="accent5">
-                          <a:lumMod val="40000"/>
-                          <a:lumOff val="60000"/>
-                        </a:schemeClr>
-                      </a:solidFill>
-                      <a:prstDash val="solid"/>
-                      <a:round/>
-                      <a:headEnd type="none" w="med" len="med"/>
-                      <a:tailEnd type="none" w="med" len="med"/>
-                    </a:lnB>
-                    <a:solidFill>
-                      <a:srgbClr val="9BBB59"/>
-                    </a:solidFill>
-                  </a:tcPr>
-                </a:tc>
-                <a:tc>
-                  <a:txBody>
-                    <a:bodyPr/>
-                    <a:lstStyle/>
-                    <a:p>
-                      <a:pPr marL="0" algn="ctr" rtl="0" eaLnBrk="1" hangingPunct="1"/>
-                      <a:r>
-                        <a:rPr lang="en-US" kern="1200" dirty="0" smtClean="0">
-                          <a:solidFill>
-                            <a:srgbClr val="FFFFFF"/>
-                          </a:solidFill>
-                          <a:latin typeface="+mn-lt"/>
-                          <a:ea typeface="+mn-ea"/>
-                          <a:cs typeface="+mn-cs"/>
-                        </a:rPr>
-                        <a:t>B:</a:t>
-                      </a:r>
-                      <a:endParaRPr lang="en-US" kern="1200" dirty="0">
-                        <a:solidFill>
-                          <a:srgbClr val="FFFFFF"/>
-                        </a:solidFill>
-                        <a:latin typeface="+mn-lt"/>
-                        <a:ea typeface="+mn-ea"/>
-                        <a:cs typeface="+mn-cs"/>
-                      </a:endParaRPr>
-                    </a:p>
-                  </a:txBody>
-                  <a:tcPr>
-                    <a:lnL w="3175" cap="flat" cmpd="sng" algn="ctr">
-                      <a:solidFill>
-                        <a:schemeClr val="accent5">
-                          <a:lumMod val="40000"/>
-                          <a:lumOff val="60000"/>
-                        </a:schemeClr>
-                      </a:solidFill>
-                      <a:prstDash val="solid"/>
-                      <a:round/>
-                      <a:headEnd type="none" w="med" len="med"/>
-                      <a:tailEnd type="none" w="med" len="med"/>
-                    </a:lnL>
-                    <a:lnR w="3175" cap="flat" cmpd="sng" algn="ctr">
-                      <a:solidFill>
-                        <a:schemeClr val="accent5">
-                          <a:lumMod val="40000"/>
-                          <a:lumOff val="60000"/>
-                        </a:schemeClr>
-                      </a:solidFill>
-                      <a:prstDash val="solid"/>
-                      <a:round/>
-                      <a:headEnd type="none" w="med" len="med"/>
-                      <a:tailEnd type="none" w="med" len="med"/>
-                    </a:lnR>
-                    <a:lnT w="3175" cap="flat" cmpd="sng" algn="ctr">
-                      <a:solidFill>
-                        <a:schemeClr val="accent5">
-                          <a:lumMod val="40000"/>
-                          <a:lumOff val="60000"/>
-                        </a:schemeClr>
-                      </a:solidFill>
-                      <a:prstDash val="solid"/>
-                      <a:round/>
-                      <a:headEnd type="none" w="med" len="med"/>
-                      <a:tailEnd type="none" w="med" len="med"/>
-                    </a:lnT>
-                    <a:lnB w="3175" cap="flat" cmpd="sng" algn="ctr">
-                      <a:solidFill>
-                        <a:schemeClr val="accent5">
-                          <a:lumMod val="40000"/>
-                          <a:lumOff val="60000"/>
-                        </a:schemeClr>
-                      </a:solidFill>
-                      <a:prstDash val="solid"/>
-                      <a:round/>
-                      <a:headEnd type="none" w="med" len="med"/>
-                      <a:tailEnd type="none" w="med" len="med"/>
-                    </a:lnB>
-                    <a:solidFill>
-                      <a:srgbClr val="9BBB59"/>
-                    </a:solidFill>
-                  </a:tcPr>
-                </a:tc>
-                <a:tc>
-                  <a:txBody>
-                    <a:bodyPr/>
-                    <a:lstStyle/>
-                    <a:p>
-                      <a:pPr marL="0" algn="ctr" rtl="0" eaLnBrk="1" hangingPunct="1"/>
-                      <a:r>
-                        <a:rPr lang="en-US" kern="1200" dirty="0" smtClean="0">
-                          <a:solidFill>
-                            <a:srgbClr val="FFFFFF"/>
-                          </a:solidFill>
-                          <a:latin typeface="+mn-lt"/>
-                          <a:ea typeface="+mn-ea"/>
-                          <a:cs typeface="+mn-cs"/>
-                        </a:rPr>
-                        <a:t>C:</a:t>
-                      </a:r>
-                      <a:endParaRPr lang="en-US" kern="1200" dirty="0">
-                        <a:solidFill>
-                          <a:srgbClr val="FFFFFF"/>
-                        </a:solidFill>
-                        <a:latin typeface="+mn-lt"/>
-                        <a:ea typeface="+mn-ea"/>
-                        <a:cs typeface="+mn-cs"/>
-                      </a:endParaRPr>
-                    </a:p>
-                  </a:txBody>
-                  <a:tcPr>
-                    <a:lnL w="3175" cap="flat" cmpd="sng" algn="ctr">
-                      <a:solidFill>
-                        <a:schemeClr val="accent5">
-                          <a:lumMod val="40000"/>
-                          <a:lumOff val="60000"/>
-                        </a:schemeClr>
-                      </a:solidFill>
-                      <a:prstDash val="solid"/>
-                      <a:round/>
-                      <a:headEnd type="none" w="med" len="med"/>
-                      <a:tailEnd type="none" w="med" len="med"/>
-                    </a:lnL>
-                    <a:lnR w="3175" cap="flat" cmpd="sng" algn="ctr">
-                      <a:solidFill>
-                        <a:schemeClr val="accent5">
-                          <a:lumMod val="40000"/>
-                          <a:lumOff val="60000"/>
-                        </a:schemeClr>
-                      </a:solidFill>
-                      <a:prstDash val="solid"/>
-                      <a:round/>
-                      <a:headEnd type="none" w="med" len="med"/>
-                      <a:tailEnd type="none" w="med" len="med"/>
-                    </a:lnR>
-                    <a:lnT w="3175" cap="flat" cmpd="sng" algn="ctr">
-                      <a:solidFill>
-                        <a:schemeClr val="accent5">
-                          <a:lumMod val="40000"/>
-                          <a:lumOff val="60000"/>
-                        </a:schemeClr>
-                      </a:solidFill>
-                      <a:prstDash val="solid"/>
-                      <a:round/>
-                      <a:headEnd type="none" w="med" len="med"/>
-                      <a:tailEnd type="none" w="med" len="med"/>
-                    </a:lnT>
-                    <a:lnB w="3175" cap="flat" cmpd="sng" algn="ctr">
-                      <a:solidFill>
-                        <a:schemeClr val="accent5">
-                          <a:lumMod val="40000"/>
-                          <a:lumOff val="60000"/>
-                        </a:schemeClr>
-                      </a:solidFill>
-                      <a:prstDash val="solid"/>
-                      <a:round/>
-                      <a:headEnd type="none" w="med" len="med"/>
-                      <a:tailEnd type="none" w="med" len="med"/>
-                    </a:lnB>
-                    <a:solidFill>
-                      <a:srgbClr val="9BBB59"/>
-                    </a:solidFill>
-                  </a:tcPr>
-                </a:tc>
-                <a:tc>
-                  <a:txBody>
-                    <a:bodyPr/>
-                    <a:lstStyle/>
-                    <a:p>
-                      <a:pPr marL="0" algn="ctr" rtl="0" eaLnBrk="1" hangingPunct="1"/>
-                      <a:r>
-                        <a:rPr lang="en-US" kern="1200" dirty="0" smtClean="0">
-                          <a:solidFill>
-                            <a:srgbClr val="FFFFFF"/>
-                          </a:solidFill>
-                          <a:latin typeface="+mn-lt"/>
-                          <a:ea typeface="+mn-ea"/>
-                          <a:cs typeface="+mn-cs"/>
-                        </a:rPr>
-                        <a:t>D:</a:t>
-                      </a:r>
-                      <a:endParaRPr lang="en-US" kern="1200" dirty="0">
-                        <a:solidFill>
-                          <a:srgbClr val="FFFFFF"/>
-                        </a:solidFill>
-                        <a:latin typeface="+mn-lt"/>
-                        <a:ea typeface="+mn-ea"/>
-                        <a:cs typeface="+mn-cs"/>
-                      </a:endParaRPr>
-                    </a:p>
-                  </a:txBody>
-                  <a:tcPr>
-                    <a:lnL w="3175" cap="flat" cmpd="sng" algn="ctr">
-                      <a:solidFill>
-                        <a:schemeClr val="accent5">
-                          <a:lumMod val="40000"/>
-                          <a:lumOff val="60000"/>
-                        </a:schemeClr>
-                      </a:solidFill>
-                      <a:prstDash val="solid"/>
-                      <a:round/>
-                      <a:headEnd type="none" w="med" len="med"/>
-                      <a:tailEnd type="none" w="med" len="med"/>
-                    </a:lnL>
-                    <a:lnR w="3175" cap="flat" cmpd="sng" algn="ctr">
-                      <a:solidFill>
-                        <a:schemeClr val="accent5">
-                          <a:lumMod val="40000"/>
-                          <a:lumOff val="60000"/>
-                        </a:schemeClr>
-                      </a:solidFill>
-                      <a:prstDash val="solid"/>
-                      <a:round/>
-                      <a:headEnd type="none" w="med" len="med"/>
-                      <a:tailEnd type="none" w="med" len="med"/>
-                    </a:lnR>
-                    <a:lnT w="3175" cap="flat" cmpd="sng" algn="ctr">
-                      <a:solidFill>
-                        <a:schemeClr val="accent5">
-                          <a:lumMod val="40000"/>
-                          <a:lumOff val="60000"/>
-                        </a:schemeClr>
-                      </a:solidFill>
-                      <a:prstDash val="solid"/>
-                      <a:round/>
-                      <a:headEnd type="none" w="med" len="med"/>
-                      <a:tailEnd type="none" w="med" len="med"/>
-                    </a:lnT>
-                    <a:lnB w="3175" cap="flat" cmpd="sng" algn="ctr">
-                      <a:solidFill>
-                        <a:schemeClr val="accent5">
-                          <a:lumMod val="40000"/>
-                          <a:lumOff val="60000"/>
-                        </a:schemeClr>
-                      </a:solidFill>
-                      <a:prstDash val="solid"/>
-                      <a:round/>
-                      <a:headEnd type="none" w="med" len="med"/>
-                      <a:tailEnd type="none" w="med" len="med"/>
-                    </a:lnB>
-                    <a:solidFill>
-                      <a:srgbClr val="9BBB59"/>
-                    </a:solidFill>
-                  </a:tcPr>
-                </a:tc>
-              </a:tr>
-              <a:tr h="309880">
-                <a:tc>
-                  <a:txBody>
-                    <a:bodyPr/>
-                    <a:lstStyle/>
-                    <a:p>
-                      <a:pPr algn="ctr"/>
-                      <a:r>
-                        <a:rPr lang="en-US" dirty="0" smtClean="0">
-                          <a:solidFill>
-                            <a:srgbClr val="FFFFFF"/>
-                          </a:solidFill>
-                        </a:rPr>
-                        <a:t>A:</a:t>
-                      </a:r>
-                      <a:endParaRPr lang="en-US" dirty="0">
-                        <a:solidFill>
-                          <a:srgbClr val="FFFFFF"/>
-                        </a:solidFill>
-                      </a:endParaRPr>
-                    </a:p>
-                  </a:txBody>
-                  <a:tcPr>
-                    <a:lnL w="3175" cap="flat" cmpd="sng" algn="ctr">
-                      <a:solidFill>
-                        <a:schemeClr val="accent5">
-                          <a:lumMod val="40000"/>
-                          <a:lumOff val="60000"/>
-                        </a:schemeClr>
-                      </a:solidFill>
-                      <a:prstDash val="solid"/>
-                      <a:round/>
-                      <a:headEnd type="none" w="med" len="med"/>
-                      <a:tailEnd type="none" w="med" len="med"/>
-                    </a:lnL>
-                    <a:lnR w="3175" cap="flat" cmpd="sng" algn="ctr">
-                      <a:solidFill>
-                        <a:schemeClr val="accent5">
-                          <a:lumMod val="40000"/>
-                          <a:lumOff val="60000"/>
-                        </a:schemeClr>
-                      </a:solidFill>
-                      <a:prstDash val="solid"/>
-                      <a:round/>
-                      <a:headEnd type="none" w="med" len="med"/>
-                      <a:tailEnd type="none" w="med" len="med"/>
-                    </a:lnR>
-                    <a:lnT w="3175" cap="flat" cmpd="sng" algn="ctr">
-                      <a:solidFill>
-                        <a:schemeClr val="accent5">
-                          <a:lumMod val="40000"/>
-                          <a:lumOff val="60000"/>
-                        </a:schemeClr>
-                      </a:solidFill>
-                      <a:prstDash val="solid"/>
-                      <a:round/>
-                      <a:headEnd type="none" w="med" len="med"/>
-                      <a:tailEnd type="none" w="med" len="med"/>
-                    </a:lnT>
-                    <a:lnB w="3175" cap="flat" cmpd="sng" algn="ctr">
-                      <a:solidFill>
-                        <a:schemeClr val="accent5">
-                          <a:lumMod val="40000"/>
-                          <a:lumOff val="60000"/>
-                        </a:schemeClr>
-                      </a:solidFill>
-                      <a:prstDash val="solid"/>
-                      <a:round/>
-                      <a:headEnd type="none" w="med" len="med"/>
-                      <a:tailEnd type="none" w="med" len="med"/>
-                    </a:lnB>
-                    <a:solidFill>
-                      <a:srgbClr val="9BBB59"/>
-                    </a:solidFill>
-                  </a:tcPr>
-                </a:tc>
-                <a:tc>
-                  <a:txBody>
-                    <a:bodyPr/>
-                    <a:lstStyle/>
-                    <a:p>
-                      <a:endParaRPr lang="en-US" dirty="0"/>
-                    </a:p>
-                  </a:txBody>
-                  <a:tcPr>
-                    <a:lnL w="3175" cap="flat" cmpd="sng" algn="ctr">
-                      <a:solidFill>
-                        <a:schemeClr val="accent5">
-                          <a:lumMod val="40000"/>
-                          <a:lumOff val="60000"/>
-                        </a:schemeClr>
-                      </a:solidFill>
-                      <a:prstDash val="solid"/>
-                      <a:round/>
-                      <a:headEnd type="none" w="med" len="med"/>
-                      <a:tailEnd type="none" w="med" len="med"/>
-                    </a:lnL>
-                    <a:lnR w="3175" cap="flat" cmpd="sng" algn="ctr">
-                      <a:solidFill>
-                        <a:schemeClr val="accent5">
-                          <a:lumMod val="40000"/>
-                          <a:lumOff val="60000"/>
-                        </a:schemeClr>
-                      </a:solidFill>
-                      <a:prstDash val="solid"/>
-                      <a:round/>
-                      <a:headEnd type="none" w="med" len="med"/>
-                      <a:tailEnd type="none" w="med" len="med"/>
-                    </a:lnR>
-                    <a:lnT w="3175" cap="flat" cmpd="sng" algn="ctr">
-                      <a:solidFill>
-                        <a:schemeClr val="accent5">
-                          <a:lumMod val="40000"/>
-                          <a:lumOff val="60000"/>
-                        </a:schemeClr>
-                      </a:solidFill>
-                      <a:prstDash val="solid"/>
-                      <a:round/>
-                      <a:headEnd type="none" w="med" len="med"/>
-                      <a:tailEnd type="none" w="med" len="med"/>
-                    </a:lnT>
-                    <a:lnB w="3175" cap="flat" cmpd="sng" algn="ctr">
-                      <a:solidFill>
-                        <a:schemeClr val="accent5">
-                          <a:lumMod val="40000"/>
-                          <a:lumOff val="60000"/>
-                        </a:schemeClr>
-                      </a:solidFill>
-                      <a:prstDash val="solid"/>
-                      <a:round/>
-                      <a:headEnd type="none" w="med" len="med"/>
-                      <a:tailEnd type="none" w="med" len="med"/>
-                    </a:lnB>
-                    <a:pattFill prst="ltDnDiag">
-                      <a:fgClr>
-                        <a:srgbClr val="9BBB59"/>
-                      </a:fgClr>
-                      <a:bgClr>
-                        <a:schemeClr val="bg1"/>
-                      </a:bgClr>
-                    </a:pattFill>
-                  </a:tcPr>
-                </a:tc>
-                <a:tc>
-                  <a:txBody>
-                    <a:bodyPr/>
-                    <a:lstStyle/>
-                    <a:p>
-                      <a:r>
-                        <a:rPr lang="en-US" dirty="0" smtClean="0"/>
-                        <a:t>A,1</a:t>
-                      </a:r>
-                      <a:endParaRPr lang="en-US" dirty="0"/>
-                    </a:p>
-                  </a:txBody>
-                  <a:tcPr>
-                    <a:lnL w="3175" cap="flat" cmpd="sng" algn="ctr">
-                      <a:solidFill>
-                        <a:schemeClr val="accent5">
-                          <a:lumMod val="40000"/>
-                          <a:lumOff val="60000"/>
-                        </a:schemeClr>
-                      </a:solidFill>
-                      <a:prstDash val="solid"/>
-                      <a:round/>
-                      <a:headEnd type="none" w="med" len="med"/>
-                      <a:tailEnd type="none" w="med" len="med"/>
-                    </a:lnL>
-                    <a:lnR w="3175" cap="flat" cmpd="sng" algn="ctr">
-                      <a:solidFill>
-                        <a:schemeClr val="accent5">
-                          <a:lumMod val="40000"/>
-                          <a:lumOff val="60000"/>
-                        </a:schemeClr>
-                      </a:solidFill>
-                      <a:prstDash val="solid"/>
-                      <a:round/>
-                      <a:headEnd type="none" w="med" len="med"/>
-                      <a:tailEnd type="none" w="med" len="med"/>
-                    </a:lnR>
-                    <a:lnT w="3175" cap="flat" cmpd="sng" algn="ctr">
-                      <a:solidFill>
-                        <a:schemeClr val="accent5">
-                          <a:lumMod val="40000"/>
-                          <a:lumOff val="60000"/>
-                        </a:schemeClr>
-                      </a:solidFill>
-                      <a:prstDash val="solid"/>
-                      <a:round/>
-                      <a:headEnd type="none" w="med" len="med"/>
-                      <a:tailEnd type="none" w="med" len="med"/>
-                    </a:lnT>
-                    <a:lnB w="3175" cap="flat" cmpd="sng" algn="ctr">
-                      <a:solidFill>
-                        <a:schemeClr val="accent5">
-                          <a:lumMod val="40000"/>
-                          <a:lumOff val="60000"/>
-                        </a:schemeClr>
-                      </a:solidFill>
-                      <a:prstDash val="solid"/>
-                      <a:round/>
-                      <a:headEnd type="none" w="med" len="med"/>
-                      <a:tailEnd type="none" w="med" len="med"/>
-                    </a:lnB>
-                  </a:tcPr>
-                </a:tc>
-                <a:tc>
-                  <a:txBody>
-                    <a:bodyPr/>
-                    <a:lstStyle/>
-                    <a:p>
-                      <a:r>
-                        <a:rPr lang="en-US" dirty="0" smtClean="0"/>
-                        <a:t>C,2</a:t>
-                      </a:r>
-                      <a:endParaRPr lang="en-US" dirty="0"/>
-                    </a:p>
-                  </a:txBody>
-                  <a:tcPr>
-                    <a:lnL w="3175" cap="flat" cmpd="sng" algn="ctr">
-                      <a:solidFill>
-                        <a:schemeClr val="accent5">
-                          <a:lumMod val="40000"/>
-                          <a:lumOff val="60000"/>
-                        </a:schemeClr>
-                      </a:solidFill>
-                      <a:prstDash val="solid"/>
-                      <a:round/>
-                      <a:headEnd type="none" w="med" len="med"/>
-                      <a:tailEnd type="none" w="med" len="med"/>
-                    </a:lnL>
-                    <a:lnR w="3175" cap="flat" cmpd="sng" algn="ctr">
-                      <a:solidFill>
-                        <a:schemeClr val="accent5">
-                          <a:lumMod val="40000"/>
-                          <a:lumOff val="60000"/>
-                        </a:schemeClr>
-                      </a:solidFill>
-                      <a:prstDash val="solid"/>
-                      <a:round/>
-                      <a:headEnd type="none" w="med" len="med"/>
-                      <a:tailEnd type="none" w="med" len="med"/>
-                    </a:lnR>
-                    <a:lnT w="3175" cap="flat" cmpd="sng" algn="ctr">
-                      <a:solidFill>
-                        <a:schemeClr val="accent5">
-                          <a:lumMod val="40000"/>
-                          <a:lumOff val="60000"/>
-                        </a:schemeClr>
-                      </a:solidFill>
-                      <a:prstDash val="solid"/>
-                      <a:round/>
-                      <a:headEnd type="none" w="med" len="med"/>
-                      <a:tailEnd type="none" w="med" len="med"/>
-                    </a:lnT>
-                    <a:lnB w="3175" cap="flat" cmpd="sng" algn="ctr">
-                      <a:solidFill>
-                        <a:schemeClr val="accent5">
-                          <a:lumMod val="40000"/>
-                          <a:lumOff val="60000"/>
-                        </a:schemeClr>
-                      </a:solidFill>
-                      <a:prstDash val="solid"/>
-                      <a:round/>
-                      <a:headEnd type="none" w="med" len="med"/>
-                      <a:tailEnd type="none" w="med" len="med"/>
-                    </a:lnB>
-                  </a:tcPr>
-                </a:tc>
-                <a:tc>
-                  <a:txBody>
-                    <a:bodyPr/>
-                    <a:lstStyle/>
-                    <a:p>
-                      <a:r>
-                        <a:rPr lang="en-US" dirty="0" smtClean="0"/>
-                        <a:t>A,1</a:t>
-                      </a:r>
-                      <a:endParaRPr lang="en-US" dirty="0"/>
-                    </a:p>
-                  </a:txBody>
-                  <a:tcPr>
-                    <a:lnL w="3175" cap="flat" cmpd="sng" algn="ctr">
-                      <a:solidFill>
-                        <a:schemeClr val="accent5">
-                          <a:lumMod val="40000"/>
-                          <a:lumOff val="60000"/>
-                        </a:schemeClr>
-                      </a:solidFill>
-                      <a:prstDash val="solid"/>
-                      <a:round/>
-                      <a:headEnd type="none" w="med" len="med"/>
-                      <a:tailEnd type="none" w="med" len="med"/>
-                    </a:lnL>
-                    <a:lnR w="3175" cap="flat" cmpd="sng" algn="ctr">
-                      <a:solidFill>
-                        <a:schemeClr val="accent5">
-                          <a:lumMod val="40000"/>
-                          <a:lumOff val="60000"/>
-                        </a:schemeClr>
-                      </a:solidFill>
-                      <a:prstDash val="solid"/>
-                      <a:round/>
-                      <a:headEnd type="none" w="med" len="med"/>
-                      <a:tailEnd type="none" w="med" len="med"/>
-                    </a:lnR>
-                    <a:lnT w="3175" cap="flat" cmpd="sng" algn="ctr">
-                      <a:solidFill>
-                        <a:schemeClr val="accent5">
-                          <a:lumMod val="40000"/>
-                          <a:lumOff val="60000"/>
-                        </a:schemeClr>
-                      </a:solidFill>
-                      <a:prstDash val="solid"/>
-                      <a:round/>
-                      <a:headEnd type="none" w="med" len="med"/>
-                      <a:tailEnd type="none" w="med" len="med"/>
-                    </a:lnT>
-                    <a:lnB w="3175" cap="flat" cmpd="sng" algn="ctr">
-                      <a:solidFill>
-                        <a:schemeClr val="accent5">
-                          <a:lumMod val="40000"/>
-                          <a:lumOff val="60000"/>
-                        </a:schemeClr>
-                      </a:solidFill>
-                      <a:prstDash val="solid"/>
-                      <a:round/>
-                      <a:headEnd type="none" w="med" len="med"/>
-                      <a:tailEnd type="none" w="med" len="med"/>
-                    </a:lnB>
-                  </a:tcPr>
-                </a:tc>
-              </a:tr>
-              <a:tr h="309880">
-                <a:tc>
-                  <a:txBody>
-                    <a:bodyPr/>
-                    <a:lstStyle/>
-                    <a:p>
-                      <a:pPr algn="ctr"/>
-                      <a:r>
-                        <a:rPr lang="en-US" dirty="0" smtClean="0">
-                          <a:solidFill>
-                            <a:srgbClr val="FFFFFF"/>
-                          </a:solidFill>
-                        </a:rPr>
-                        <a:t>B:</a:t>
-                      </a:r>
-                      <a:endParaRPr lang="en-US" dirty="0">
-                        <a:solidFill>
-                          <a:srgbClr val="FFFFFF"/>
-                        </a:solidFill>
-                      </a:endParaRPr>
-                    </a:p>
-                  </a:txBody>
-                  <a:tcPr>
-                    <a:lnL w="3175" cap="flat" cmpd="sng" algn="ctr">
-                      <a:solidFill>
-                        <a:schemeClr val="accent5">
-                          <a:lumMod val="40000"/>
-                          <a:lumOff val="60000"/>
-                        </a:schemeClr>
-                      </a:solidFill>
-                      <a:prstDash val="solid"/>
-                      <a:round/>
-                      <a:headEnd type="none" w="med" len="med"/>
-                      <a:tailEnd type="none" w="med" len="med"/>
-                    </a:lnL>
-                    <a:lnR w="3175" cap="flat" cmpd="sng" algn="ctr">
-                      <a:solidFill>
-                        <a:schemeClr val="accent5">
-                          <a:lumMod val="40000"/>
-                          <a:lumOff val="60000"/>
-                        </a:schemeClr>
-                      </a:solidFill>
-                      <a:prstDash val="solid"/>
-                      <a:round/>
-                      <a:headEnd type="none" w="med" len="med"/>
-                      <a:tailEnd type="none" w="med" len="med"/>
-                    </a:lnR>
-                    <a:lnT w="3175" cap="flat" cmpd="sng" algn="ctr">
-                      <a:solidFill>
-                        <a:schemeClr val="accent5">
-                          <a:lumMod val="40000"/>
-                          <a:lumOff val="60000"/>
-                        </a:schemeClr>
-                      </a:solidFill>
-                      <a:prstDash val="solid"/>
-                      <a:round/>
-                      <a:headEnd type="none" w="med" len="med"/>
-                      <a:tailEnd type="none" w="med" len="med"/>
-                    </a:lnT>
-                    <a:lnB w="3175" cap="flat" cmpd="sng" algn="ctr">
-                      <a:solidFill>
-                        <a:schemeClr val="accent5">
-                          <a:lumMod val="40000"/>
-                          <a:lumOff val="60000"/>
-                        </a:schemeClr>
-                      </a:solidFill>
-                      <a:prstDash val="solid"/>
-                      <a:round/>
-                      <a:headEnd type="none" w="med" len="med"/>
-                      <a:tailEnd type="none" w="med" len="med"/>
-                    </a:lnB>
-                    <a:solidFill>
-                      <a:srgbClr val="9BBB59"/>
-                    </a:solidFill>
-                  </a:tcPr>
-                </a:tc>
-                <a:tc>
-                  <a:txBody>
-                    <a:bodyPr/>
-                    <a:lstStyle/>
-                    <a:p>
-                      <a:endParaRPr lang="en-US" dirty="0"/>
-                    </a:p>
-                  </a:txBody>
-                  <a:tcPr>
-                    <a:lnL w="3175" cap="flat" cmpd="sng" algn="ctr">
-                      <a:solidFill>
-                        <a:schemeClr val="accent5">
-                          <a:lumMod val="40000"/>
-                          <a:lumOff val="60000"/>
-                        </a:schemeClr>
-                      </a:solidFill>
-                      <a:prstDash val="solid"/>
-                      <a:round/>
-                      <a:headEnd type="none" w="med" len="med"/>
-                      <a:tailEnd type="none" w="med" len="med"/>
-                    </a:lnL>
-                    <a:lnR w="3175" cap="flat" cmpd="sng" algn="ctr">
-                      <a:solidFill>
-                        <a:schemeClr val="accent5">
-                          <a:lumMod val="40000"/>
-                          <a:lumOff val="60000"/>
-                        </a:schemeClr>
-                      </a:solidFill>
-                      <a:prstDash val="solid"/>
-                      <a:round/>
-                      <a:headEnd type="none" w="med" len="med"/>
-                      <a:tailEnd type="none" w="med" len="med"/>
-                    </a:lnR>
-                    <a:lnT w="3175" cap="flat" cmpd="sng" algn="ctr">
-                      <a:solidFill>
-                        <a:schemeClr val="accent5">
-                          <a:lumMod val="40000"/>
-                          <a:lumOff val="60000"/>
-                        </a:schemeClr>
-                      </a:solidFill>
-                      <a:prstDash val="solid"/>
-                      <a:round/>
-                      <a:headEnd type="none" w="med" len="med"/>
-                      <a:tailEnd type="none" w="med" len="med"/>
-                    </a:lnT>
-                    <a:lnB w="3175" cap="flat" cmpd="sng" algn="ctr">
-                      <a:solidFill>
-                        <a:schemeClr val="accent5">
-                          <a:lumMod val="40000"/>
-                          <a:lumOff val="60000"/>
-                        </a:schemeClr>
-                      </a:solidFill>
-                      <a:prstDash val="solid"/>
-                      <a:round/>
-                      <a:headEnd type="none" w="med" len="med"/>
-                      <a:tailEnd type="none" w="med" len="med"/>
-                    </a:lnB>
-                    <a:pattFill prst="ltDnDiag">
-                      <a:fgClr>
-                        <a:srgbClr val="9BBB59"/>
-                      </a:fgClr>
-                      <a:bgClr>
-                        <a:schemeClr val="bg1"/>
-                      </a:bgClr>
-                    </a:pattFill>
-                  </a:tcPr>
-                </a:tc>
-                <a:tc>
-                  <a:txBody>
-                    <a:bodyPr/>
-                    <a:lstStyle/>
-                    <a:p>
-                      <a:pPr marL="0" algn="l" rtl="0" eaLnBrk="1" hangingPunct="1"/>
-                      <a:endParaRPr lang="en-US" kern="1200" dirty="0">
-                        <a:solidFill>
-                          <a:schemeClr val="tx1"/>
-                        </a:solidFill>
-                        <a:latin typeface="+mn-lt"/>
-                        <a:ea typeface="+mn-ea"/>
-                        <a:cs typeface="+mn-cs"/>
-                      </a:endParaRPr>
-                    </a:p>
-                  </a:txBody>
-                  <a:tcPr>
-                    <a:lnL w="3175" cap="flat" cmpd="sng" algn="ctr">
-                      <a:solidFill>
-                        <a:schemeClr val="accent5">
-                          <a:lumMod val="40000"/>
-                          <a:lumOff val="60000"/>
-                        </a:schemeClr>
-                      </a:solidFill>
-                      <a:prstDash val="solid"/>
-                      <a:round/>
-                      <a:headEnd type="none" w="med" len="med"/>
-                      <a:tailEnd type="none" w="med" len="med"/>
-                    </a:lnL>
-                    <a:lnR w="3175" cap="flat" cmpd="sng" algn="ctr">
-                      <a:solidFill>
-                        <a:schemeClr val="accent5">
-                          <a:lumMod val="40000"/>
-                          <a:lumOff val="60000"/>
-                        </a:schemeClr>
-                      </a:solidFill>
-                      <a:prstDash val="solid"/>
-                      <a:round/>
-                      <a:headEnd type="none" w="med" len="med"/>
-                      <a:tailEnd type="none" w="med" len="med"/>
-                    </a:lnR>
-                    <a:lnT w="3175" cap="flat" cmpd="sng" algn="ctr">
-                      <a:solidFill>
-                        <a:schemeClr val="accent5">
-                          <a:lumMod val="40000"/>
-                          <a:lumOff val="60000"/>
-                        </a:schemeClr>
-                      </a:solidFill>
-                      <a:prstDash val="solid"/>
-                      <a:round/>
-                      <a:headEnd type="none" w="med" len="med"/>
-                      <a:tailEnd type="none" w="med" len="med"/>
-                    </a:lnT>
-                    <a:lnB w="3175" cap="flat" cmpd="sng" algn="ctr">
-                      <a:solidFill>
-                        <a:schemeClr val="accent5">
-                          <a:lumMod val="40000"/>
-                          <a:lumOff val="60000"/>
-                        </a:schemeClr>
-                      </a:solidFill>
-                      <a:prstDash val="solid"/>
-                      <a:round/>
-                      <a:headEnd type="none" w="med" len="med"/>
-                      <a:tailEnd type="none" w="med" len="med"/>
-                    </a:lnB>
-                    <a:pattFill prst="ltDnDiag">
-                      <a:fgClr>
-                        <a:srgbClr val="9BBB59"/>
-                      </a:fgClr>
-                      <a:bgClr>
-                        <a:schemeClr val="bg1"/>
-                      </a:bgClr>
-                    </a:pattFill>
-                  </a:tcPr>
-                </a:tc>
-                <a:tc>
-                  <a:txBody>
-                    <a:bodyPr/>
-                    <a:lstStyle/>
-                    <a:p>
-                      <a:r>
-                        <a:rPr lang="en-US" dirty="0" smtClean="0"/>
-                        <a:t>C,2</a:t>
-                      </a:r>
-                      <a:endParaRPr lang="en-US" dirty="0"/>
-                    </a:p>
-                  </a:txBody>
-                  <a:tcPr>
-                    <a:lnL w="3175" cap="flat" cmpd="sng" algn="ctr">
-                      <a:solidFill>
-                        <a:schemeClr val="accent5">
-                          <a:lumMod val="40000"/>
-                          <a:lumOff val="60000"/>
-                        </a:schemeClr>
-                      </a:solidFill>
-                      <a:prstDash val="solid"/>
-                      <a:round/>
-                      <a:headEnd type="none" w="med" len="med"/>
-                      <a:tailEnd type="none" w="med" len="med"/>
-                    </a:lnL>
-                    <a:lnR w="3175" cap="flat" cmpd="sng" algn="ctr">
-                      <a:solidFill>
-                        <a:schemeClr val="accent5">
-                          <a:lumMod val="40000"/>
-                          <a:lumOff val="60000"/>
-                        </a:schemeClr>
-                      </a:solidFill>
-                      <a:prstDash val="solid"/>
-                      <a:round/>
-                      <a:headEnd type="none" w="med" len="med"/>
-                      <a:tailEnd type="none" w="med" len="med"/>
-                    </a:lnR>
-                    <a:lnT w="3175" cap="flat" cmpd="sng" algn="ctr">
-                      <a:solidFill>
-                        <a:schemeClr val="accent5">
-                          <a:lumMod val="40000"/>
-                          <a:lumOff val="60000"/>
-                        </a:schemeClr>
-                      </a:solidFill>
-                      <a:prstDash val="solid"/>
-                      <a:round/>
-                      <a:headEnd type="none" w="med" len="med"/>
-                      <a:tailEnd type="none" w="med" len="med"/>
-                    </a:lnT>
-                    <a:lnB w="3175" cap="flat" cmpd="sng" algn="ctr">
-                      <a:solidFill>
-                        <a:schemeClr val="accent5">
-                          <a:lumMod val="40000"/>
-                          <a:lumOff val="60000"/>
-                        </a:schemeClr>
-                      </a:solidFill>
-                      <a:prstDash val="solid"/>
-                      <a:round/>
-                      <a:headEnd type="none" w="med" len="med"/>
-                      <a:tailEnd type="none" w="med" len="med"/>
-                    </a:lnB>
-                  </a:tcPr>
-                </a:tc>
-                <a:tc>
-                  <a:txBody>
-                    <a:bodyPr/>
-                    <a:lstStyle/>
-                    <a:p>
-                      <a:r>
-                        <a:rPr lang="en-US" dirty="0" smtClean="0"/>
-                        <a:t>D,2</a:t>
-                      </a:r>
-                      <a:endParaRPr lang="en-US" dirty="0"/>
-                    </a:p>
-                  </a:txBody>
-                  <a:tcPr>
-                    <a:lnL w="3175" cap="flat" cmpd="sng" algn="ctr">
-                      <a:solidFill>
-                        <a:schemeClr val="accent5">
-                          <a:lumMod val="40000"/>
-                          <a:lumOff val="60000"/>
-                        </a:schemeClr>
-                      </a:solidFill>
-                      <a:prstDash val="solid"/>
-                      <a:round/>
-                      <a:headEnd type="none" w="med" len="med"/>
-                      <a:tailEnd type="none" w="med" len="med"/>
-                    </a:lnL>
-                    <a:lnR w="3175" cap="flat" cmpd="sng" algn="ctr">
-                      <a:solidFill>
-                        <a:schemeClr val="accent5">
-                          <a:lumMod val="40000"/>
-                          <a:lumOff val="60000"/>
-                        </a:schemeClr>
-                      </a:solidFill>
-                      <a:prstDash val="solid"/>
-                      <a:round/>
-                      <a:headEnd type="none" w="med" len="med"/>
-                      <a:tailEnd type="none" w="med" len="med"/>
-                    </a:lnR>
-                    <a:lnT w="3175" cap="flat" cmpd="sng" algn="ctr">
-                      <a:solidFill>
-                        <a:schemeClr val="accent5">
-                          <a:lumMod val="40000"/>
-                          <a:lumOff val="60000"/>
-                        </a:schemeClr>
-                      </a:solidFill>
-                      <a:prstDash val="solid"/>
-                      <a:round/>
-                      <a:headEnd type="none" w="med" len="med"/>
-                      <a:tailEnd type="none" w="med" len="med"/>
-                    </a:lnT>
-                    <a:lnB w="3175" cap="flat" cmpd="sng" algn="ctr">
-                      <a:solidFill>
-                        <a:schemeClr val="accent5">
-                          <a:lumMod val="40000"/>
-                          <a:lumOff val="60000"/>
-                        </a:schemeClr>
-                      </a:solidFill>
-                      <a:prstDash val="solid"/>
-                      <a:round/>
-                      <a:headEnd type="none" w="med" len="med"/>
-                      <a:tailEnd type="none" w="med" len="med"/>
-                    </a:lnB>
-                  </a:tcPr>
-                </a:tc>
-              </a:tr>
-              <a:tr h="309880">
-                <a:tc>
-                  <a:txBody>
-                    <a:bodyPr/>
-                    <a:lstStyle/>
-                    <a:p>
-                      <a:pPr algn="ctr"/>
-                      <a:r>
-                        <a:rPr lang="en-US" dirty="0" smtClean="0">
-                          <a:solidFill>
-                            <a:srgbClr val="FFFFFF"/>
-                          </a:solidFill>
-                        </a:rPr>
-                        <a:t>C:</a:t>
-                      </a:r>
-                      <a:endParaRPr lang="en-US" dirty="0">
-                        <a:solidFill>
-                          <a:srgbClr val="FFFFFF"/>
-                        </a:solidFill>
-                      </a:endParaRPr>
-                    </a:p>
-                  </a:txBody>
-                  <a:tcPr>
-                    <a:lnL w="3175" cap="flat" cmpd="sng" algn="ctr">
-                      <a:solidFill>
-                        <a:schemeClr val="accent5">
-                          <a:lumMod val="40000"/>
-                          <a:lumOff val="60000"/>
-                        </a:schemeClr>
-                      </a:solidFill>
-                      <a:prstDash val="solid"/>
-                      <a:round/>
-                      <a:headEnd type="none" w="med" len="med"/>
-                      <a:tailEnd type="none" w="med" len="med"/>
-                    </a:lnL>
-                    <a:lnR w="3175" cap="flat" cmpd="sng" algn="ctr">
-                      <a:solidFill>
-                        <a:schemeClr val="accent5">
-                          <a:lumMod val="40000"/>
-                          <a:lumOff val="60000"/>
-                        </a:schemeClr>
-                      </a:solidFill>
-                      <a:prstDash val="solid"/>
-                      <a:round/>
-                      <a:headEnd type="none" w="med" len="med"/>
-                      <a:tailEnd type="none" w="med" len="med"/>
-                    </a:lnR>
-                    <a:lnT w="3175" cap="flat" cmpd="sng" algn="ctr">
-                      <a:solidFill>
-                        <a:schemeClr val="accent5">
-                          <a:lumMod val="40000"/>
-                          <a:lumOff val="60000"/>
-                        </a:schemeClr>
-                      </a:solidFill>
-                      <a:prstDash val="solid"/>
-                      <a:round/>
-                      <a:headEnd type="none" w="med" len="med"/>
-                      <a:tailEnd type="none" w="med" len="med"/>
-                    </a:lnT>
-                    <a:lnB w="3175" cap="flat" cmpd="sng" algn="ctr">
-                      <a:solidFill>
-                        <a:schemeClr val="accent5">
-                          <a:lumMod val="40000"/>
-                          <a:lumOff val="60000"/>
-                        </a:schemeClr>
-                      </a:solidFill>
-                      <a:prstDash val="solid"/>
-                      <a:round/>
-                      <a:headEnd type="none" w="med" len="med"/>
-                      <a:tailEnd type="none" w="med" len="med"/>
-                    </a:lnB>
-                    <a:solidFill>
-                      <a:srgbClr val="9BBB59"/>
-                    </a:solidFill>
-                  </a:tcPr>
-                </a:tc>
-                <a:tc>
-                  <a:txBody>
-                    <a:bodyPr/>
-                    <a:lstStyle/>
-                    <a:p>
-                      <a:endParaRPr lang="en-US" dirty="0"/>
-                    </a:p>
-                  </a:txBody>
-                  <a:tcPr>
-                    <a:lnL w="3175" cap="flat" cmpd="sng" algn="ctr">
-                      <a:solidFill>
-                        <a:schemeClr val="accent5">
-                          <a:lumMod val="40000"/>
-                          <a:lumOff val="60000"/>
-                        </a:schemeClr>
-                      </a:solidFill>
-                      <a:prstDash val="solid"/>
-                      <a:round/>
-                      <a:headEnd type="none" w="med" len="med"/>
-                      <a:tailEnd type="none" w="med" len="med"/>
-                    </a:lnL>
-                    <a:lnR w="3175" cap="flat" cmpd="sng" algn="ctr">
-                      <a:solidFill>
-                        <a:schemeClr val="accent5">
-                          <a:lumMod val="40000"/>
-                          <a:lumOff val="60000"/>
-                        </a:schemeClr>
-                      </a:solidFill>
-                      <a:prstDash val="solid"/>
-                      <a:round/>
-                      <a:headEnd type="none" w="med" len="med"/>
-                      <a:tailEnd type="none" w="med" len="med"/>
-                    </a:lnR>
-                    <a:lnT w="3175" cap="flat" cmpd="sng" algn="ctr">
-                      <a:solidFill>
-                        <a:schemeClr val="accent5">
-                          <a:lumMod val="40000"/>
-                          <a:lumOff val="60000"/>
-                        </a:schemeClr>
-                      </a:solidFill>
-                      <a:prstDash val="solid"/>
-                      <a:round/>
-                      <a:headEnd type="none" w="med" len="med"/>
-                      <a:tailEnd type="none" w="med" len="med"/>
-                    </a:lnT>
-                    <a:lnB w="3175" cap="flat" cmpd="sng" algn="ctr">
-                      <a:solidFill>
-                        <a:schemeClr val="accent5">
-                          <a:lumMod val="40000"/>
-                          <a:lumOff val="60000"/>
-                        </a:schemeClr>
-                      </a:solidFill>
-                      <a:prstDash val="solid"/>
-                      <a:round/>
-                      <a:headEnd type="none" w="med" len="med"/>
-                      <a:tailEnd type="none" w="med" len="med"/>
-                    </a:lnB>
-                    <a:pattFill prst="ltDnDiag">
-                      <a:fgClr>
-                        <a:srgbClr val="9BBB59"/>
-                      </a:fgClr>
-                      <a:bgClr>
-                        <a:schemeClr val="bg1"/>
-                      </a:bgClr>
-                    </a:pattFill>
-                  </a:tcPr>
-                </a:tc>
-                <a:tc>
-                  <a:txBody>
-                    <a:bodyPr/>
-                    <a:lstStyle/>
-                    <a:p>
-                      <a:pPr marL="0" algn="l" rtl="0" eaLnBrk="1" hangingPunct="1"/>
-                      <a:endParaRPr lang="en-US" kern="1200" dirty="0">
-                        <a:solidFill>
-                          <a:schemeClr val="tx1"/>
-                        </a:solidFill>
-                        <a:latin typeface="+mn-lt"/>
-                        <a:ea typeface="+mn-ea"/>
-                        <a:cs typeface="+mn-cs"/>
-                      </a:endParaRPr>
-                    </a:p>
-                  </a:txBody>
-                  <a:tcPr>
-                    <a:lnL w="3175" cap="flat" cmpd="sng" algn="ctr">
-                      <a:solidFill>
-                        <a:schemeClr val="accent5">
-                          <a:lumMod val="40000"/>
-                          <a:lumOff val="60000"/>
-                        </a:schemeClr>
-                      </a:solidFill>
-                      <a:prstDash val="solid"/>
-                      <a:round/>
-                      <a:headEnd type="none" w="med" len="med"/>
-                      <a:tailEnd type="none" w="med" len="med"/>
-                    </a:lnL>
-                    <a:lnR w="3175" cap="flat" cmpd="sng" algn="ctr">
-                      <a:solidFill>
-                        <a:schemeClr val="accent5">
-                          <a:lumMod val="40000"/>
-                          <a:lumOff val="60000"/>
-                        </a:schemeClr>
-                      </a:solidFill>
-                      <a:prstDash val="solid"/>
-                      <a:round/>
-                      <a:headEnd type="none" w="med" len="med"/>
-                      <a:tailEnd type="none" w="med" len="med"/>
-                    </a:lnR>
-                    <a:lnT w="3175" cap="flat" cmpd="sng" algn="ctr">
-                      <a:solidFill>
-                        <a:schemeClr val="accent5">
-                          <a:lumMod val="40000"/>
-                          <a:lumOff val="60000"/>
-                        </a:schemeClr>
-                      </a:solidFill>
-                      <a:prstDash val="solid"/>
-                      <a:round/>
-                      <a:headEnd type="none" w="med" len="med"/>
-                      <a:tailEnd type="none" w="med" len="med"/>
-                    </a:lnT>
-                    <a:lnB w="3175" cap="flat" cmpd="sng" algn="ctr">
-                      <a:solidFill>
-                        <a:schemeClr val="accent5">
-                          <a:lumMod val="40000"/>
-                          <a:lumOff val="60000"/>
-                        </a:schemeClr>
-                      </a:solidFill>
-                      <a:prstDash val="solid"/>
-                      <a:round/>
-                      <a:headEnd type="none" w="med" len="med"/>
-                      <a:tailEnd type="none" w="med" len="med"/>
-                    </a:lnB>
-                    <a:pattFill prst="ltDnDiag">
-                      <a:fgClr>
-                        <a:srgbClr val="9BBB59"/>
-                      </a:fgClr>
-                      <a:bgClr>
-                        <a:schemeClr val="bg1"/>
-                      </a:bgClr>
-                    </a:pattFill>
-                  </a:tcPr>
-                </a:tc>
-                <a:tc>
-                  <a:txBody>
-                    <a:bodyPr/>
-                    <a:lstStyle/>
-                    <a:p>
-                      <a:endParaRPr lang="en-US" dirty="0"/>
-                    </a:p>
-                  </a:txBody>
-                  <a:tcPr>
-                    <a:lnL w="3175" cap="flat" cmpd="sng" algn="ctr">
-                      <a:solidFill>
-                        <a:schemeClr val="accent5">
-                          <a:lumMod val="40000"/>
-                          <a:lumOff val="60000"/>
-                        </a:schemeClr>
-                      </a:solidFill>
-                      <a:prstDash val="solid"/>
-                      <a:round/>
-                      <a:headEnd type="none" w="med" len="med"/>
-                      <a:tailEnd type="none" w="med" len="med"/>
-                    </a:lnL>
-                    <a:lnR w="3175" cap="flat" cmpd="sng" algn="ctr">
-                      <a:solidFill>
-                        <a:schemeClr val="accent5">
-                          <a:lumMod val="40000"/>
-                          <a:lumOff val="60000"/>
-                        </a:schemeClr>
-                      </a:solidFill>
-                      <a:prstDash val="solid"/>
-                      <a:round/>
-                      <a:headEnd type="none" w="med" len="med"/>
-                      <a:tailEnd type="none" w="med" len="med"/>
-                    </a:lnR>
-                    <a:lnT w="3175" cap="flat" cmpd="sng" algn="ctr">
-                      <a:solidFill>
-                        <a:schemeClr val="accent5">
-                          <a:lumMod val="40000"/>
-                          <a:lumOff val="60000"/>
-                        </a:schemeClr>
-                      </a:solidFill>
-                      <a:prstDash val="solid"/>
-                      <a:round/>
-                      <a:headEnd type="none" w="med" len="med"/>
-                      <a:tailEnd type="none" w="med" len="med"/>
-                    </a:lnT>
-                    <a:lnB w="3175" cap="flat" cmpd="sng" algn="ctr">
-                      <a:solidFill>
-                        <a:schemeClr val="accent5">
-                          <a:lumMod val="40000"/>
-                          <a:lumOff val="60000"/>
-                        </a:schemeClr>
-                      </a:solidFill>
-                      <a:prstDash val="solid"/>
-                      <a:round/>
-                      <a:headEnd type="none" w="med" len="med"/>
-                      <a:tailEnd type="none" w="med" len="med"/>
-                    </a:lnB>
-                    <a:pattFill prst="ltDnDiag">
-                      <a:fgClr>
-                        <a:srgbClr val="92D050"/>
-                      </a:fgClr>
-                      <a:bgClr>
-                        <a:schemeClr val="bg1"/>
-                      </a:bgClr>
-                    </a:pattFill>
-                  </a:tcPr>
-                </a:tc>
-                <a:tc>
-                  <a:txBody>
-                    <a:bodyPr/>
-                    <a:lstStyle/>
-                    <a:p>
-                      <a:r>
-                        <a:rPr lang="en-US" dirty="0" smtClean="0"/>
-                        <a:t>C,2</a:t>
-                      </a:r>
-                      <a:endParaRPr lang="en-US" dirty="0"/>
-                    </a:p>
-                  </a:txBody>
-                  <a:tcPr>
-                    <a:lnL w="3175" cap="flat" cmpd="sng" algn="ctr">
-                      <a:solidFill>
-                        <a:schemeClr val="accent5">
-                          <a:lumMod val="40000"/>
-                          <a:lumOff val="60000"/>
-                        </a:schemeClr>
-                      </a:solidFill>
-                      <a:prstDash val="solid"/>
-                      <a:round/>
-                      <a:headEnd type="none" w="med" len="med"/>
-                      <a:tailEnd type="none" w="med" len="med"/>
-                    </a:lnL>
-                    <a:lnR w="3175" cap="flat" cmpd="sng" algn="ctr">
-                      <a:solidFill>
-                        <a:schemeClr val="accent5">
-                          <a:lumMod val="40000"/>
-                          <a:lumOff val="60000"/>
-                        </a:schemeClr>
-                      </a:solidFill>
-                      <a:prstDash val="solid"/>
-                      <a:round/>
-                      <a:headEnd type="none" w="med" len="med"/>
-                      <a:tailEnd type="none" w="med" len="med"/>
-                    </a:lnR>
-                    <a:lnT w="3175" cap="flat" cmpd="sng" algn="ctr">
-                      <a:solidFill>
-                        <a:schemeClr val="accent5">
-                          <a:lumMod val="40000"/>
-                          <a:lumOff val="60000"/>
-                        </a:schemeClr>
-                      </a:solidFill>
-                      <a:prstDash val="solid"/>
-                      <a:round/>
-                      <a:headEnd type="none" w="med" len="med"/>
-                      <a:tailEnd type="none" w="med" len="med"/>
-                    </a:lnT>
-                    <a:lnB w="3175" cap="flat" cmpd="sng" algn="ctr">
-                      <a:solidFill>
-                        <a:schemeClr val="accent5">
-                          <a:lumMod val="40000"/>
-                          <a:lumOff val="60000"/>
-                        </a:schemeClr>
-                      </a:solidFill>
-                      <a:prstDash val="solid"/>
-                      <a:round/>
-                      <a:headEnd type="none" w="med" len="med"/>
-                      <a:tailEnd type="none" w="med" len="med"/>
-                    </a:lnB>
-                  </a:tcPr>
-                </a:tc>
-              </a:tr>
-              <a:tr h="309880">
-                <a:tc>
-                  <a:txBody>
-                    <a:bodyPr/>
-                    <a:lstStyle/>
-                    <a:p>
-                      <a:pPr algn="ctr"/>
-                      <a:r>
-                        <a:rPr lang="en-US" dirty="0" smtClean="0">
-                          <a:solidFill>
-                            <a:srgbClr val="FFFFFF"/>
-                          </a:solidFill>
-                        </a:rPr>
-                        <a:t>D:</a:t>
-                      </a:r>
-                      <a:endParaRPr lang="en-US" dirty="0">
-                        <a:solidFill>
-                          <a:srgbClr val="FFFFFF"/>
-                        </a:solidFill>
-                      </a:endParaRPr>
-                    </a:p>
-                  </a:txBody>
-                  <a:tcPr>
-                    <a:lnL w="3175" cap="flat" cmpd="sng" algn="ctr">
-                      <a:solidFill>
-                        <a:schemeClr val="accent5">
-                          <a:lumMod val="40000"/>
-                          <a:lumOff val="60000"/>
-                        </a:schemeClr>
-                      </a:solidFill>
-                      <a:prstDash val="solid"/>
-                      <a:round/>
-                      <a:headEnd type="none" w="med" len="med"/>
-                      <a:tailEnd type="none" w="med" len="med"/>
-                    </a:lnL>
-                    <a:lnR w="3175" cap="flat" cmpd="sng" algn="ctr">
-                      <a:solidFill>
-                        <a:schemeClr val="accent5">
-                          <a:lumMod val="40000"/>
-                          <a:lumOff val="60000"/>
-                        </a:schemeClr>
-                      </a:solidFill>
-                      <a:prstDash val="solid"/>
-                      <a:round/>
-                      <a:headEnd type="none" w="med" len="med"/>
-                      <a:tailEnd type="none" w="med" len="med"/>
-                    </a:lnR>
-                    <a:lnT w="3175" cap="flat" cmpd="sng" algn="ctr">
-                      <a:solidFill>
-                        <a:schemeClr val="accent5">
-                          <a:lumMod val="40000"/>
-                          <a:lumOff val="60000"/>
-                        </a:schemeClr>
-                      </a:solidFill>
-                      <a:prstDash val="solid"/>
-                      <a:round/>
-                      <a:headEnd type="none" w="med" len="med"/>
-                      <a:tailEnd type="none" w="med" len="med"/>
-                    </a:lnT>
-                    <a:lnB w="3175" cap="flat" cmpd="sng" algn="ctr">
-                      <a:solidFill>
-                        <a:schemeClr val="accent5">
-                          <a:lumMod val="40000"/>
-                          <a:lumOff val="60000"/>
-                        </a:schemeClr>
-                      </a:solidFill>
-                      <a:prstDash val="solid"/>
-                      <a:round/>
-                      <a:headEnd type="none" w="med" len="med"/>
-                      <a:tailEnd type="none" w="med" len="med"/>
-                    </a:lnB>
-                    <a:solidFill>
-                      <a:srgbClr val="9BBB59"/>
-                    </a:solidFill>
-                  </a:tcPr>
-                </a:tc>
-                <a:tc>
-                  <a:txBody>
-                    <a:bodyPr/>
-                    <a:lstStyle/>
-                    <a:p>
-                      <a:endParaRPr lang="en-US" dirty="0"/>
-                    </a:p>
-                  </a:txBody>
-                  <a:tcPr>
-                    <a:lnL w="3175" cap="flat" cmpd="sng" algn="ctr">
-                      <a:solidFill>
-                        <a:schemeClr val="accent5">
-                          <a:lumMod val="40000"/>
-                          <a:lumOff val="60000"/>
-                        </a:schemeClr>
-                      </a:solidFill>
-                      <a:prstDash val="solid"/>
-                      <a:round/>
-                      <a:headEnd type="none" w="med" len="med"/>
-                      <a:tailEnd type="none" w="med" len="med"/>
-                    </a:lnL>
-                    <a:lnR w="3175" cap="flat" cmpd="sng" algn="ctr">
-                      <a:solidFill>
-                        <a:schemeClr val="accent5">
-                          <a:lumMod val="40000"/>
-                          <a:lumOff val="60000"/>
-                        </a:schemeClr>
-                      </a:solidFill>
-                      <a:prstDash val="solid"/>
-                      <a:round/>
-                      <a:headEnd type="none" w="med" len="med"/>
-                      <a:tailEnd type="none" w="med" len="med"/>
-                    </a:lnR>
-                    <a:lnT w="3175" cap="flat" cmpd="sng" algn="ctr">
-                      <a:solidFill>
-                        <a:schemeClr val="accent5">
-                          <a:lumMod val="40000"/>
-                          <a:lumOff val="60000"/>
-                        </a:schemeClr>
-                      </a:solidFill>
-                      <a:prstDash val="solid"/>
-                      <a:round/>
-                      <a:headEnd type="none" w="med" len="med"/>
-                      <a:tailEnd type="none" w="med" len="med"/>
-                    </a:lnT>
-                    <a:lnB w="3175" cap="flat" cmpd="sng" algn="ctr">
-                      <a:solidFill>
-                        <a:schemeClr val="accent5">
-                          <a:lumMod val="40000"/>
-                          <a:lumOff val="60000"/>
-                        </a:schemeClr>
-                      </a:solidFill>
-                      <a:prstDash val="solid"/>
-                      <a:round/>
-                      <a:headEnd type="none" w="med" len="med"/>
-                      <a:tailEnd type="none" w="med" len="med"/>
-                    </a:lnB>
-                    <a:pattFill prst="ltDnDiag">
-                      <a:fgClr>
-                        <a:srgbClr val="9BBB59"/>
-                      </a:fgClr>
-                      <a:bgClr>
-                        <a:schemeClr val="bg1"/>
-                      </a:bgClr>
-                    </a:pattFill>
-                  </a:tcPr>
-                </a:tc>
-                <a:tc>
-                  <a:txBody>
-                    <a:bodyPr/>
-                    <a:lstStyle/>
-                    <a:p>
-                      <a:pPr marL="0" algn="l" rtl="0" eaLnBrk="1" hangingPunct="1"/>
-                      <a:endParaRPr lang="en-US" kern="1200" dirty="0">
-                        <a:solidFill>
-                          <a:schemeClr val="tx1"/>
-                        </a:solidFill>
-                        <a:latin typeface="+mn-lt"/>
-                        <a:ea typeface="+mn-ea"/>
-                        <a:cs typeface="+mn-cs"/>
-                      </a:endParaRPr>
-                    </a:p>
-                  </a:txBody>
-                  <a:tcPr>
-                    <a:lnL w="3175" cap="flat" cmpd="sng" algn="ctr">
-                      <a:solidFill>
-                        <a:schemeClr val="accent5">
-                          <a:lumMod val="40000"/>
-                          <a:lumOff val="60000"/>
-                        </a:schemeClr>
-                      </a:solidFill>
-                      <a:prstDash val="solid"/>
-                      <a:round/>
-                      <a:headEnd type="none" w="med" len="med"/>
-                      <a:tailEnd type="none" w="med" len="med"/>
-                    </a:lnL>
-                    <a:lnR w="3175" cap="flat" cmpd="sng" algn="ctr">
-                      <a:solidFill>
-                        <a:schemeClr val="accent5">
-                          <a:lumMod val="40000"/>
-                          <a:lumOff val="60000"/>
-                        </a:schemeClr>
-                      </a:solidFill>
-                      <a:prstDash val="solid"/>
-                      <a:round/>
-                      <a:headEnd type="none" w="med" len="med"/>
-                      <a:tailEnd type="none" w="med" len="med"/>
-                    </a:lnR>
-                    <a:lnT w="3175" cap="flat" cmpd="sng" algn="ctr">
-                      <a:solidFill>
-                        <a:schemeClr val="accent5">
-                          <a:lumMod val="40000"/>
-                          <a:lumOff val="60000"/>
-                        </a:schemeClr>
-                      </a:solidFill>
-                      <a:prstDash val="solid"/>
-                      <a:round/>
-                      <a:headEnd type="none" w="med" len="med"/>
-                      <a:tailEnd type="none" w="med" len="med"/>
-                    </a:lnT>
-                    <a:lnB w="3175" cap="flat" cmpd="sng" algn="ctr">
-                      <a:solidFill>
-                        <a:schemeClr val="accent5">
-                          <a:lumMod val="40000"/>
-                          <a:lumOff val="60000"/>
-                        </a:schemeClr>
-                      </a:solidFill>
-                      <a:prstDash val="solid"/>
-                      <a:round/>
-                      <a:headEnd type="none" w="med" len="med"/>
-                      <a:tailEnd type="none" w="med" len="med"/>
-                    </a:lnB>
-                    <a:pattFill prst="ltDnDiag">
-                      <a:fgClr>
-                        <a:srgbClr val="9BBB59"/>
-                      </a:fgClr>
-                      <a:bgClr>
-                        <a:schemeClr val="bg1"/>
-                      </a:bgClr>
-                    </a:pattFill>
-                  </a:tcPr>
-                </a:tc>
-                <a:tc>
-                  <a:txBody>
-                    <a:bodyPr/>
-                    <a:lstStyle/>
-                    <a:p>
-                      <a:endParaRPr lang="en-US" dirty="0"/>
-                    </a:p>
-                  </a:txBody>
-                  <a:tcPr>
-                    <a:lnL w="3175" cap="flat" cmpd="sng" algn="ctr">
-                      <a:solidFill>
-                        <a:schemeClr val="accent5">
-                          <a:lumMod val="40000"/>
-                          <a:lumOff val="60000"/>
-                        </a:schemeClr>
-                      </a:solidFill>
-                      <a:prstDash val="solid"/>
-                      <a:round/>
-                      <a:headEnd type="none" w="med" len="med"/>
-                      <a:tailEnd type="none" w="med" len="med"/>
-                    </a:lnL>
-                    <a:lnR w="3175" cap="flat" cmpd="sng" algn="ctr">
-                      <a:solidFill>
-                        <a:schemeClr val="accent5">
-                          <a:lumMod val="40000"/>
-                          <a:lumOff val="60000"/>
-                        </a:schemeClr>
-                      </a:solidFill>
-                      <a:prstDash val="solid"/>
-                      <a:round/>
-                      <a:headEnd type="none" w="med" len="med"/>
-                      <a:tailEnd type="none" w="med" len="med"/>
-                    </a:lnR>
-                    <a:lnT w="3175" cap="flat" cmpd="sng" algn="ctr">
-                      <a:solidFill>
-                        <a:schemeClr val="accent5">
-                          <a:lumMod val="40000"/>
-                          <a:lumOff val="60000"/>
-                        </a:schemeClr>
-                      </a:solidFill>
-                      <a:prstDash val="solid"/>
-                      <a:round/>
-                      <a:headEnd type="none" w="med" len="med"/>
-                      <a:tailEnd type="none" w="med" len="med"/>
-                    </a:lnT>
-                    <a:lnB w="3175" cap="flat" cmpd="sng" algn="ctr">
-                      <a:solidFill>
-                        <a:schemeClr val="accent5">
-                          <a:lumMod val="40000"/>
-                          <a:lumOff val="60000"/>
-                        </a:schemeClr>
-                      </a:solidFill>
-                      <a:prstDash val="solid"/>
-                      <a:round/>
-                      <a:headEnd type="none" w="med" len="med"/>
-                      <a:tailEnd type="none" w="med" len="med"/>
-                    </a:lnB>
-                    <a:pattFill prst="ltDnDiag">
-                      <a:fgClr>
-                        <a:srgbClr val="92D050"/>
-                      </a:fgClr>
-                      <a:bgClr>
-                        <a:schemeClr val="bg1"/>
-                      </a:bgClr>
-                    </a:pattFill>
-                  </a:tcPr>
-                </a:tc>
-                <a:tc>
-                  <a:txBody>
-                    <a:bodyPr/>
-                    <a:lstStyle/>
-                    <a:p>
-                      <a:endParaRPr lang="en-US" dirty="0"/>
-                    </a:p>
-                  </a:txBody>
-                  <a:tcPr>
-                    <a:lnL w="3175" cap="flat" cmpd="sng" algn="ctr">
-                      <a:solidFill>
-                        <a:schemeClr val="accent5">
-                          <a:lumMod val="40000"/>
-                          <a:lumOff val="60000"/>
-                        </a:schemeClr>
-                      </a:solidFill>
-                      <a:prstDash val="solid"/>
-                      <a:round/>
-                      <a:headEnd type="none" w="med" len="med"/>
-                      <a:tailEnd type="none" w="med" len="med"/>
-                    </a:lnL>
-                    <a:lnR w="3175" cap="flat" cmpd="sng" algn="ctr">
-                      <a:solidFill>
-                        <a:schemeClr val="accent5">
-                          <a:lumMod val="40000"/>
-                          <a:lumOff val="60000"/>
-                        </a:schemeClr>
-                      </a:solidFill>
-                      <a:prstDash val="solid"/>
-                      <a:round/>
-                      <a:headEnd type="none" w="med" len="med"/>
-                      <a:tailEnd type="none" w="med" len="med"/>
-                    </a:lnR>
-                    <a:lnT w="3175" cap="flat" cmpd="sng" algn="ctr">
-                      <a:solidFill>
-                        <a:schemeClr val="accent5">
-                          <a:lumMod val="40000"/>
-                          <a:lumOff val="60000"/>
-                        </a:schemeClr>
-                      </a:solidFill>
-                      <a:prstDash val="solid"/>
-                      <a:round/>
-                      <a:headEnd type="none" w="med" len="med"/>
-                      <a:tailEnd type="none" w="med" len="med"/>
-                    </a:lnT>
-                    <a:lnB w="3175" cap="flat" cmpd="sng" algn="ctr">
-                      <a:solidFill>
-                        <a:schemeClr val="accent5">
-                          <a:lumMod val="40000"/>
-                          <a:lumOff val="60000"/>
-                        </a:schemeClr>
-                      </a:solidFill>
-                      <a:prstDash val="solid"/>
-                      <a:round/>
-                      <a:headEnd type="none" w="med" len="med"/>
-                      <a:tailEnd type="none" w="med" len="med"/>
-                    </a:lnB>
-                    <a:pattFill prst="ltDnDiag">
-                      <a:fgClr>
-                        <a:srgbClr val="9BBB59"/>
-                      </a:fgClr>
-                      <a:bgClr>
-                        <a:schemeClr val="bg1"/>
-                      </a:bgClr>
-                    </a:pattFill>
-                  </a:tcPr>
-                </a:tc>
-              </a:tr>
-            </a:tbl>
-          </a:graphicData>
-        </a:graphic>
-      </p:graphicFrame>
-      <p:sp>
-        <p:nvSpPr>
-          <p:cNvPr id="10" name="TextBox 9"/>
-          <p:cNvSpPr txBox="1"/>
-          <p:nvPr/>
-        </p:nvSpPr>
-        <p:spPr>
-          <a:xfrm>
-            <a:off x="517849" y="5318982"/>
-            <a:ext cx="2590800" cy="1631216"/>
-          </a:xfrm>
-          <a:prstGeom prst="rect">
-            <a:avLst/>
-          </a:prstGeom>
-          <a:noFill/>
-        </p:spPr>
-        <p:txBody>
-          <a:bodyPr wrap="square" rtlCol="0">
-            <a:spAutoFit/>
-          </a:bodyPr>
-          <a:lstStyle/>
-          <a:p>
-            <a:r>
-              <a:rPr lang="en-US" dirty="0" smtClean="0"/>
-              <a:t>A=1+1=2</a:t>
-            </a:r>
-          </a:p>
-          <a:p>
-            <a:r>
-              <a:rPr lang="en-US" dirty="0" smtClean="0"/>
-              <a:t>B=0</a:t>
-            </a:r>
-          </a:p>
-          <a:p>
-            <a:r>
-              <a:rPr lang="en-US" dirty="0" smtClean="0"/>
-              <a:t>C=2+2+2=6</a:t>
-            </a:r>
-          </a:p>
-          <a:p>
-            <a:r>
-              <a:rPr lang="en-US" dirty="0" smtClean="0"/>
-              <a:t>D=2</a:t>
-            </a:r>
-            <a:endParaRPr lang="en-US" dirty="0"/>
-          </a:p>
-        </p:txBody>
-      </p:sp>
-      <p:sp>
-        <p:nvSpPr>
-          <p:cNvPr id="11" name="Right Arrow 10"/>
-          <p:cNvSpPr/>
-          <p:nvPr/>
-        </p:nvSpPr>
-        <p:spPr>
-          <a:xfrm>
-            <a:off x="3276600" y="5501908"/>
-            <a:ext cx="1066800" cy="533400"/>
-          </a:xfrm>
-          <a:prstGeom prst="rightArrow">
-            <a:avLst/>
-          </a:prstGeom>
-          <a:solidFill>
-            <a:schemeClr val="tx1">
-              <a:lumMod val="50000"/>
-            </a:schemeClr>
-          </a:solidFill>
-          <a:ln>
-            <a:solidFill>
-              <a:schemeClr val="tx2">
-                <a:lumMod val="50000"/>
-              </a:schemeClr>
-            </a:solidFill>
-          </a:ln>
-        </p:spPr>
-        <p:style>
-          <a:lnRef idx="2">
-            <a:schemeClr val="accent1">
-              <a:shade val="50000"/>
-            </a:schemeClr>
-          </a:lnRef>
-          <a:fillRef idx="1">
-            <a:schemeClr val="accent1"/>
-          </a:fillRef>
-          <a:effectRef idx="0">
-            <a:schemeClr val="accent1"/>
-          </a:effectRef>
-          <a:fontRef idx="minor">
-            <a:schemeClr val="lt1"/>
-          </a:fontRef>
-        </p:style>
-        <p:txBody>
-          <a:bodyPr rtlCol="0" anchor="ctr"/>
-          <a:lstStyle/>
-          <a:p>
-            <a:pPr algn="ctr"/>
-            <a:endParaRPr lang="en-US"/>
-          </a:p>
-        </p:txBody>
-      </p:sp>
-      <p:sp>
-        <p:nvSpPr>
-          <p:cNvPr id="13" name="TextBox 12"/>
-          <p:cNvSpPr txBox="1"/>
-          <p:nvPr/>
-        </p:nvSpPr>
-        <p:spPr>
-          <a:xfrm>
-            <a:off x="4481804" y="5318982"/>
-            <a:ext cx="2819400" cy="1246495"/>
-          </a:xfrm>
-          <a:prstGeom prst="rect">
-            <a:avLst/>
-          </a:prstGeom>
-          <a:noFill/>
-        </p:spPr>
-        <p:txBody>
-          <a:bodyPr wrap="square" rtlCol="0">
-            <a:spAutoFit/>
-          </a:bodyPr>
-          <a:lstStyle/>
-          <a:p>
-            <a:r>
-              <a:rPr lang="en-US" dirty="0" smtClean="0"/>
-              <a:t>The option with highest result has the highest priority</a:t>
-            </a:r>
-            <a:endParaRPr lang="en-US" dirty="0"/>
-          </a:p>
-        </p:txBody>
-      </p:sp>
-    </p:spTree>
-    <p:extLst>
-      <p:ext uri="{BB962C8B-B14F-4D97-AF65-F5344CB8AC3E}">
-        <p14:creationId xmlns:p14="http://schemas.microsoft.com/office/powerpoint/2010/main" val="836977574"/>
-      </p:ext>
-    </p:extLst>
-  </p:cSld>
-  <p:clrMapOvr>
-    <a:masterClrMapping/>
-  </p:clrMapOvr>
-  <p:timing>
-    <p:tnLst>
-      <p:par>
-        <p:cTn id="1" dur="indefinite" restart="never" nodeType="tmRoot"/>
-      </p:par>
-    </p:tnLst>
-  </p:timing>
-</p:sld>
-</file>
-
-<file path=ppt/slides/slide28.xml><?xml version="1.0" encoding="utf-8"?>
-<p:sld xmlns:a="http://schemas.openxmlformats.org/drawingml/2006/main" xmlns:r="http://schemas.openxmlformats.org/officeDocument/2006/relationships" xmlns:p="http://schemas.openxmlformats.org/presentationml/2006/main">
-  <p:cSld>
-    <p:spTree>
-      <p:nvGrpSpPr>
-        <p:cNvPr id="1" name=""/>
-        <p:cNvGrpSpPr/>
-        <p:nvPr/>
-      </p:nvGrpSpPr>
-      <p:grpSpPr>
-        <a:xfrm>
-          <a:off x="0" y="0"/>
-          <a:ext cx="0" cy="0"/>
-          <a:chOff x="0" y="0"/>
-          <a:chExt cx="0" cy="0"/>
-        </a:xfrm>
-      </p:grpSpPr>
-      <p:sp>
-        <p:nvSpPr>
-          <p:cNvPr id="2" name="Title 1"/>
-          <p:cNvSpPr>
-            <a:spLocks noGrp="1"/>
-          </p:cNvSpPr>
-          <p:nvPr>
             <p:ph type="ctrTitle"/>
           </p:nvPr>
         </p:nvSpPr>
@@ -14949,7 +12275,7 @@
 </p:sld>
 </file>
 
-<file path=ppt/slides/slide29.xml><?xml version="1.0" encoding="utf-8"?>
+<file path=ppt/slides/slide26.xml><?xml version="1.0" encoding="utf-8"?>
 <p:sld xmlns:a="http://schemas.openxmlformats.org/drawingml/2006/main" xmlns:r="http://schemas.openxmlformats.org/officeDocument/2006/relationships" xmlns:p="http://schemas.openxmlformats.org/presentationml/2006/main">
   <p:cSld>
     <p:spTree>
@@ -15052,7 +12378,7 @@
               <a:pPr>
                 <a:defRPr/>
               </a:pPr>
-              <a:t>29</a:t>
+              <a:t>26</a:t>
             </a:fld>
             <a:endParaRPr lang="en-US" dirty="0"/>
           </a:p>
@@ -15126,6 +12452,638 @@
     <p:extLst>
       <p:ext uri="{BB962C8B-B14F-4D97-AF65-F5344CB8AC3E}">
         <p14:creationId xmlns:p14="http://schemas.microsoft.com/office/powerpoint/2010/main" val="1246715266"/>
+      </p:ext>
+    </p:extLst>
+  </p:cSld>
+  <p:clrMapOvr>
+    <a:masterClrMapping/>
+  </p:clrMapOvr>
+  <p:timing>
+    <p:tnLst>
+      <p:par>
+        <p:cTn id="1" dur="indefinite" restart="never" nodeType="tmRoot"/>
+      </p:par>
+    </p:tnLst>
+  </p:timing>
+</p:sld>
+</file>
+
+<file path=ppt/slides/slide27.xml><?xml version="1.0" encoding="utf-8"?>
+<p:sld xmlns:a="http://schemas.openxmlformats.org/drawingml/2006/main" xmlns:r="http://schemas.openxmlformats.org/officeDocument/2006/relationships" xmlns:p="http://schemas.openxmlformats.org/presentationml/2006/main">
+  <p:cSld>
+    <p:spTree>
+      <p:nvGrpSpPr>
+        <p:cNvPr id="1" name=""/>
+        <p:cNvGrpSpPr/>
+        <p:nvPr/>
+      </p:nvGrpSpPr>
+      <p:grpSpPr>
+        <a:xfrm>
+          <a:off x="0" y="0"/>
+          <a:ext cx="0" cy="0"/>
+          <a:chOff x="0" y="0"/>
+          <a:chExt cx="0" cy="0"/>
+        </a:xfrm>
+      </p:grpSpPr>
+      <p:sp>
+        <p:nvSpPr>
+          <p:cNvPr id="2" name="Title 1"/>
+          <p:cNvSpPr>
+            <a:spLocks noGrp="1"/>
+          </p:cNvSpPr>
+          <p:nvPr>
+            <p:ph type="title"/>
+          </p:nvPr>
+        </p:nvSpPr>
+        <p:spPr/>
+        <p:txBody>
+          <a:bodyPr/>
+          <a:lstStyle/>
+          <a:p>
+            <a:r>
+              <a:rPr lang="en-US" dirty="0" smtClean="0"/>
+              <a:t>Defect Lifecycle Graph</a:t>
+            </a:r>
+            <a:endParaRPr lang="en-US" dirty="0"/>
+          </a:p>
+        </p:txBody>
+      </p:sp>
+      <p:sp>
+        <p:nvSpPr>
+          <p:cNvPr id="5" name="Content Placeholder 4"/>
+          <p:cNvSpPr>
+            <a:spLocks noGrp="1"/>
+          </p:cNvSpPr>
+          <p:nvPr>
+            <p:ph idx="1"/>
+          </p:nvPr>
+        </p:nvSpPr>
+        <p:spPr/>
+        <p:txBody>
+          <a:bodyPr/>
+          <a:lstStyle/>
+          <a:p>
+            <a:r>
+              <a:rPr lang="en-US" dirty="0" smtClean="0"/>
+              <a:t>Simple defect lifecycle graph</a:t>
+            </a:r>
+            <a:endParaRPr lang="en-US" dirty="0"/>
+          </a:p>
+        </p:txBody>
+      </p:sp>
+      <p:sp>
+        <p:nvSpPr>
+          <p:cNvPr id="4" name="Slide Number Placeholder 3"/>
+          <p:cNvSpPr>
+            <a:spLocks noGrp="1"/>
+          </p:cNvSpPr>
+          <p:nvPr>
+            <p:ph type="sldNum" sz="quarter" idx="10"/>
+          </p:nvPr>
+        </p:nvSpPr>
+        <p:spPr/>
+        <p:txBody>
+          <a:bodyPr/>
+          <a:lstStyle/>
+          <a:p>
+            <a:pPr>
+              <a:defRPr/>
+            </a:pPr>
+            <a:fld id="{58452FF4-89E3-4D1B-9927-2DBDC00E58D7}" type="slidenum">
+              <a:rPr lang="en-US" smtClean="0"/>
+              <a:pPr>
+                <a:defRPr/>
+              </a:pPr>
+              <a:t>27</a:t>
+            </a:fld>
+            <a:endParaRPr lang="en-US" dirty="0"/>
+          </a:p>
+        </p:txBody>
+      </p:sp>
+      <p:pic>
+        <p:nvPicPr>
+          <p:cNvPr id="6" name="Picture 2"/>
+          <p:cNvPicPr>
+            <a:picLocks noChangeAspect="1" noChangeArrowheads="1"/>
+          </p:cNvPicPr>
+          <p:nvPr/>
+        </p:nvPicPr>
+        <p:blipFill>
+          <a:blip r:embed="rId3">
+            <a:extLst>
+              <a:ext uri="{28A0092B-C50C-407E-A947-70E740481C1C}">
+                <a14:useLocalDpi xmlns:a14="http://schemas.microsoft.com/office/drawing/2010/main" val="0"/>
+              </a:ext>
+            </a:extLst>
+          </a:blip>
+          <a:srcRect/>
+          <a:stretch>
+            <a:fillRect/>
+          </a:stretch>
+        </p:blipFill>
+        <p:spPr bwMode="auto">
+          <a:xfrm>
+            <a:off x="1195862" y="1828800"/>
+            <a:ext cx="6752277" cy="3805237"/>
+          </a:xfrm>
+          <a:prstGeom prst="rect">
+            <a:avLst/>
+          </a:prstGeom>
+          <a:noFill/>
+          <a:ln>
+            <a:noFill/>
+          </a:ln>
+          <a:effectLst>
+            <a:glow rad="101600">
+              <a:schemeClr val="tx1">
+                <a:alpha val="40000"/>
+              </a:schemeClr>
+            </a:glow>
+            <a:outerShdw dist="35921" dir="2700000" algn="ctr" rotWithShape="0">
+              <a:schemeClr val="bg2"/>
+            </a:outerShdw>
+          </a:effectLst>
+          <a:extLst>
+            <a:ext uri="{909E8E84-426E-40DD-AFC4-6F175D3DCCD1}">
+              <a14:hiddenFill xmlns:a14="http://schemas.microsoft.com/office/drawing/2010/main">
+                <a:solidFill>
+                  <a:schemeClr val="accent1"/>
+                </a:solidFill>
+              </a14:hiddenFill>
+            </a:ext>
+            <a:ext uri="{91240B29-F687-4F45-9708-019B960494DF}">
+              <a14:hiddenLine xmlns:a14="http://schemas.microsoft.com/office/drawing/2010/main" w="9525">
+                <a:solidFill>
+                  <a:schemeClr val="tx1"/>
+                </a:solidFill>
+                <a:miter lim="800000"/>
+                <a:headEnd/>
+                <a:tailEnd/>
+              </a14:hiddenLine>
+            </a:ext>
+          </a:extLst>
+        </p:spPr>
+      </p:pic>
+    </p:spTree>
+    <p:extLst>
+      <p:ext uri="{BB962C8B-B14F-4D97-AF65-F5344CB8AC3E}">
+        <p14:creationId xmlns:p14="http://schemas.microsoft.com/office/powerpoint/2010/main" val="1614607776"/>
+      </p:ext>
+    </p:extLst>
+  </p:cSld>
+  <p:clrMapOvr>
+    <a:masterClrMapping/>
+  </p:clrMapOvr>
+  <p:timing>
+    <p:tnLst>
+      <p:par>
+        <p:cTn id="1" dur="indefinite" restart="never" nodeType="tmRoot"/>
+      </p:par>
+    </p:tnLst>
+  </p:timing>
+</p:sld>
+</file>
+
+<file path=ppt/slides/slide28.xml><?xml version="1.0" encoding="utf-8"?>
+<p:sld xmlns:a="http://schemas.openxmlformats.org/drawingml/2006/main" xmlns:r="http://schemas.openxmlformats.org/officeDocument/2006/relationships" xmlns:p="http://schemas.openxmlformats.org/presentationml/2006/main">
+  <p:cSld>
+    <p:spTree>
+      <p:nvGrpSpPr>
+        <p:cNvPr id="1" name=""/>
+        <p:cNvGrpSpPr/>
+        <p:nvPr/>
+      </p:nvGrpSpPr>
+      <p:grpSpPr>
+        <a:xfrm>
+          <a:off x="0" y="0"/>
+          <a:ext cx="0" cy="0"/>
+          <a:chOff x="0" y="0"/>
+          <a:chExt cx="0" cy="0"/>
+        </a:xfrm>
+      </p:grpSpPr>
+      <p:sp>
+        <p:nvSpPr>
+          <p:cNvPr id="2" name="Title 1"/>
+          <p:cNvSpPr>
+            <a:spLocks noGrp="1"/>
+          </p:cNvSpPr>
+          <p:nvPr>
+            <p:ph type="title"/>
+          </p:nvPr>
+        </p:nvSpPr>
+        <p:spPr/>
+        <p:txBody>
+          <a:bodyPr/>
+          <a:lstStyle/>
+          <a:p>
+            <a:r>
+              <a:rPr lang="en-US" dirty="0" smtClean="0"/>
+              <a:t>Defect Lifecycle States</a:t>
+            </a:r>
+            <a:endParaRPr lang="en-US" dirty="0"/>
+          </a:p>
+        </p:txBody>
+      </p:sp>
+      <p:sp>
+        <p:nvSpPr>
+          <p:cNvPr id="3" name="Content Placeholder 2"/>
+          <p:cNvSpPr>
+            <a:spLocks noGrp="1"/>
+          </p:cNvSpPr>
+          <p:nvPr>
+            <p:ph idx="1"/>
+          </p:nvPr>
+        </p:nvSpPr>
+        <p:spPr/>
+        <p:txBody>
+          <a:bodyPr/>
+          <a:lstStyle/>
+          <a:p>
+            <a:r>
+              <a:rPr lang="en-US" dirty="0" smtClean="0">
+                <a:solidFill>
+                  <a:schemeClr val="accent5">
+                    <a:lumMod val="20000"/>
+                    <a:lumOff val="80000"/>
+                  </a:schemeClr>
+                </a:solidFill>
+              </a:rPr>
+              <a:t>New</a:t>
+            </a:r>
+          </a:p>
+          <a:p>
+            <a:pPr lvl="1"/>
+            <a:r>
+              <a:rPr lang="en-US" dirty="0" smtClean="0"/>
+              <a:t>The </a:t>
+            </a:r>
+            <a:r>
+              <a:rPr lang="en-US" dirty="0"/>
+              <a:t>bug is posted for the first </a:t>
+            </a:r>
+            <a:r>
+              <a:rPr lang="en-US" dirty="0" smtClean="0"/>
+              <a:t>time</a:t>
+            </a:r>
+          </a:p>
+          <a:p>
+            <a:pPr lvl="1"/>
+            <a:r>
+              <a:rPr lang="en-US" dirty="0" smtClean="0"/>
+              <a:t>The </a:t>
+            </a:r>
+            <a:r>
+              <a:rPr lang="en-US" dirty="0"/>
+              <a:t>bug is not yet </a:t>
+            </a:r>
+            <a:r>
+              <a:rPr lang="en-US" dirty="0" smtClean="0"/>
+              <a:t>approved</a:t>
+            </a:r>
+            <a:endParaRPr lang="en-US" dirty="0"/>
+          </a:p>
+          <a:p>
+            <a:r>
+              <a:rPr lang="en-US" dirty="0" smtClean="0">
+                <a:solidFill>
+                  <a:schemeClr val="accent5">
+                    <a:lumMod val="20000"/>
+                    <a:lumOff val="80000"/>
+                  </a:schemeClr>
+                </a:solidFill>
+              </a:rPr>
+              <a:t>Open</a:t>
+            </a:r>
+          </a:p>
+          <a:p>
+            <a:pPr lvl="1"/>
+            <a:r>
+              <a:rPr lang="en-US" dirty="0" smtClean="0"/>
+              <a:t>The test lead </a:t>
+            </a:r>
+            <a:r>
+              <a:rPr lang="en-US" dirty="0"/>
+              <a:t>approves that the bug is </a:t>
+            </a:r>
+            <a:r>
+              <a:rPr lang="en-US" dirty="0" smtClean="0"/>
+              <a:t>genuine </a:t>
+            </a:r>
+          </a:p>
+          <a:p>
+            <a:pPr lvl="1"/>
+            <a:r>
+              <a:rPr lang="en-US" dirty="0"/>
+              <a:t>C</a:t>
+            </a:r>
+            <a:r>
+              <a:rPr lang="en-US" dirty="0" smtClean="0"/>
+              <a:t>hanges </a:t>
+            </a:r>
+            <a:r>
+              <a:rPr lang="en-US" dirty="0"/>
+              <a:t>the state as “OPEN</a:t>
+            </a:r>
+            <a:r>
+              <a:rPr lang="en-US" dirty="0" smtClean="0"/>
+              <a:t>”.</a:t>
+            </a:r>
+          </a:p>
+          <a:p>
+            <a:r>
+              <a:rPr lang="en-US" dirty="0" smtClean="0">
+                <a:solidFill>
+                  <a:schemeClr val="accent5">
+                    <a:lumMod val="20000"/>
+                    <a:lumOff val="80000"/>
+                  </a:schemeClr>
+                </a:solidFill>
+              </a:rPr>
+              <a:t>Assign </a:t>
+            </a:r>
+          </a:p>
+          <a:p>
+            <a:pPr lvl="1"/>
+            <a:r>
+              <a:rPr lang="en-US" dirty="0" smtClean="0"/>
+              <a:t>The bug is assigned to </a:t>
+            </a:r>
+            <a:r>
+              <a:rPr lang="en-US" dirty="0"/>
+              <a:t>corresponding developer or developer </a:t>
+            </a:r>
+            <a:r>
+              <a:rPr lang="en-US" dirty="0" smtClean="0"/>
+              <a:t>team</a:t>
+            </a:r>
+            <a:endParaRPr lang="en-US" dirty="0"/>
+          </a:p>
+        </p:txBody>
+      </p:sp>
+      <p:sp>
+        <p:nvSpPr>
+          <p:cNvPr id="4" name="Slide Number Placeholder 3"/>
+          <p:cNvSpPr>
+            <a:spLocks noGrp="1"/>
+          </p:cNvSpPr>
+          <p:nvPr>
+            <p:ph type="sldNum" sz="quarter" idx="10"/>
+          </p:nvPr>
+        </p:nvSpPr>
+        <p:spPr/>
+        <p:txBody>
+          <a:bodyPr/>
+          <a:lstStyle/>
+          <a:p>
+            <a:pPr>
+              <a:defRPr/>
+            </a:pPr>
+            <a:fld id="{58452FF4-89E3-4D1B-9927-2DBDC00E58D7}" type="slidenum">
+              <a:rPr lang="en-US" smtClean="0"/>
+              <a:pPr>
+                <a:defRPr/>
+              </a:pPr>
+              <a:t>28</a:t>
+            </a:fld>
+            <a:endParaRPr lang="en-US" dirty="0"/>
+          </a:p>
+        </p:txBody>
+      </p:sp>
+    </p:spTree>
+    <p:extLst>
+      <p:ext uri="{BB962C8B-B14F-4D97-AF65-F5344CB8AC3E}">
+        <p14:creationId xmlns:p14="http://schemas.microsoft.com/office/powerpoint/2010/main" val="253086849"/>
+      </p:ext>
+    </p:extLst>
+  </p:cSld>
+  <p:clrMapOvr>
+    <a:masterClrMapping/>
+  </p:clrMapOvr>
+  <p:timing>
+    <p:tnLst>
+      <p:par>
+        <p:cTn id="1" dur="indefinite" restart="never" nodeType="tmRoot"/>
+      </p:par>
+    </p:tnLst>
+  </p:timing>
+</p:sld>
+</file>
+
+<file path=ppt/slides/slide29.xml><?xml version="1.0" encoding="utf-8"?>
+<p:sld xmlns:a="http://schemas.openxmlformats.org/drawingml/2006/main" xmlns:r="http://schemas.openxmlformats.org/officeDocument/2006/relationships" xmlns:p="http://schemas.openxmlformats.org/presentationml/2006/main">
+  <p:cSld>
+    <p:spTree>
+      <p:nvGrpSpPr>
+        <p:cNvPr id="1" name=""/>
+        <p:cNvGrpSpPr/>
+        <p:nvPr/>
+      </p:nvGrpSpPr>
+      <p:grpSpPr>
+        <a:xfrm>
+          <a:off x="0" y="0"/>
+          <a:ext cx="0" cy="0"/>
+          <a:chOff x="0" y="0"/>
+          <a:chExt cx="0" cy="0"/>
+        </a:xfrm>
+      </p:grpSpPr>
+      <p:sp>
+        <p:nvSpPr>
+          <p:cNvPr id="2" name="Title 1"/>
+          <p:cNvSpPr>
+            <a:spLocks noGrp="1"/>
+          </p:cNvSpPr>
+          <p:nvPr>
+            <p:ph type="title"/>
+          </p:nvPr>
+        </p:nvSpPr>
+        <p:spPr/>
+        <p:txBody>
+          <a:bodyPr/>
+          <a:lstStyle/>
+          <a:p>
+            <a:r>
+              <a:rPr lang="en-US" dirty="0"/>
+              <a:t>Defect Lifecycle States </a:t>
+            </a:r>
+            <a:r>
+              <a:rPr lang="en-US" dirty="0" smtClean="0"/>
+              <a:t>(2)</a:t>
+            </a:r>
+            <a:endParaRPr lang="en-US" dirty="0"/>
+          </a:p>
+        </p:txBody>
+      </p:sp>
+      <p:sp>
+        <p:nvSpPr>
+          <p:cNvPr id="3" name="Content Placeholder 2"/>
+          <p:cNvSpPr>
+            <a:spLocks noGrp="1"/>
+          </p:cNvSpPr>
+          <p:nvPr>
+            <p:ph idx="1"/>
+          </p:nvPr>
+        </p:nvSpPr>
+        <p:spPr/>
+        <p:txBody>
+          <a:bodyPr/>
+          <a:lstStyle/>
+          <a:p>
+            <a:r>
+              <a:rPr lang="en-US" dirty="0" smtClean="0">
+                <a:solidFill>
+                  <a:schemeClr val="accent5">
+                    <a:lumMod val="20000"/>
+                    <a:lumOff val="80000"/>
+                  </a:schemeClr>
+                </a:solidFill>
+              </a:rPr>
+              <a:t>Test</a:t>
+            </a:r>
+          </a:p>
+          <a:p>
+            <a:pPr lvl="1"/>
+            <a:r>
+              <a:rPr lang="en-US" dirty="0"/>
+              <a:t>T</a:t>
+            </a:r>
+            <a:r>
+              <a:rPr lang="en-US" dirty="0" smtClean="0"/>
+              <a:t>he </a:t>
+            </a:r>
+            <a:r>
+              <a:rPr lang="en-US" dirty="0"/>
+              <a:t>bug has been fixed and is released to testing </a:t>
+            </a:r>
+            <a:r>
+              <a:rPr lang="en-US" dirty="0" smtClean="0"/>
+              <a:t>team</a:t>
+            </a:r>
+          </a:p>
+          <a:p>
+            <a:r>
+              <a:rPr lang="en-US" dirty="0" smtClean="0">
+                <a:solidFill>
+                  <a:schemeClr val="accent5">
+                    <a:lumMod val="20000"/>
+                    <a:lumOff val="80000"/>
+                  </a:schemeClr>
+                </a:solidFill>
+              </a:rPr>
+              <a:t>Rejected</a:t>
+            </a:r>
+          </a:p>
+          <a:p>
+            <a:pPr lvl="1"/>
+            <a:r>
+              <a:rPr lang="en-US" dirty="0" smtClean="0"/>
+              <a:t>If </a:t>
+            </a:r>
+            <a:r>
+              <a:rPr lang="en-US" dirty="0"/>
+              <a:t>the developer feels that the bug is not genuine, he rejects the </a:t>
+            </a:r>
+            <a:r>
+              <a:rPr lang="en-US" dirty="0" smtClean="0"/>
+              <a:t>bug</a:t>
+            </a:r>
+          </a:p>
+          <a:p>
+            <a:r>
+              <a:rPr lang="en-US" dirty="0" smtClean="0">
+                <a:solidFill>
+                  <a:schemeClr val="accent5">
+                    <a:lumMod val="20000"/>
+                    <a:lumOff val="80000"/>
+                  </a:schemeClr>
+                </a:solidFill>
+              </a:rPr>
+              <a:t>Duplicate</a:t>
+            </a:r>
+          </a:p>
+          <a:p>
+            <a:pPr lvl="1"/>
+            <a:r>
+              <a:rPr lang="en-US" dirty="0"/>
+              <a:t>T</a:t>
+            </a:r>
+            <a:r>
+              <a:rPr lang="en-US" dirty="0" smtClean="0"/>
+              <a:t>he </a:t>
+            </a:r>
+            <a:r>
+              <a:rPr lang="en-US" dirty="0"/>
+              <a:t>bug is </a:t>
+            </a:r>
+            <a:r>
+              <a:rPr lang="en-US" dirty="0" smtClean="0">
+                <a:solidFill>
+                  <a:schemeClr val="accent5">
+                    <a:lumMod val="20000"/>
+                    <a:lumOff val="80000"/>
+                  </a:schemeClr>
+                </a:solidFill>
+              </a:rPr>
+              <a:t>repeated twice </a:t>
+            </a:r>
+            <a:r>
+              <a:rPr lang="en-US" dirty="0"/>
+              <a:t>or the two bugs mention the </a:t>
+            </a:r>
+            <a:r>
+              <a:rPr lang="en-US" dirty="0">
+                <a:solidFill>
+                  <a:schemeClr val="accent5">
+                    <a:lumMod val="20000"/>
+                    <a:lumOff val="80000"/>
+                  </a:schemeClr>
+                </a:solidFill>
+              </a:rPr>
+              <a:t>same concept </a:t>
+            </a:r>
+            <a:r>
+              <a:rPr lang="en-US" dirty="0"/>
+              <a:t>of the </a:t>
+            </a:r>
+            <a:r>
+              <a:rPr lang="en-US" dirty="0" smtClean="0"/>
+              <a:t>bug</a:t>
+            </a:r>
+          </a:p>
+        </p:txBody>
+      </p:sp>
+      <p:sp>
+        <p:nvSpPr>
+          <p:cNvPr id="4" name="Slide Number Placeholder 3"/>
+          <p:cNvSpPr>
+            <a:spLocks noGrp="1"/>
+          </p:cNvSpPr>
+          <p:nvPr>
+            <p:ph type="sldNum" sz="quarter" idx="10"/>
+          </p:nvPr>
+        </p:nvSpPr>
+        <p:spPr/>
+        <p:txBody>
+          <a:bodyPr/>
+          <a:lstStyle/>
+          <a:p>
+            <a:pPr>
+              <a:defRPr/>
+            </a:pPr>
+            <a:fld id="{58452FF4-89E3-4D1B-9927-2DBDC00E58D7}" type="slidenum">
+              <a:rPr lang="en-US" smtClean="0"/>
+              <a:pPr>
+                <a:defRPr/>
+              </a:pPr>
+              <a:t>29</a:t>
+            </a:fld>
+            <a:endParaRPr lang="en-US" dirty="0"/>
+          </a:p>
+        </p:txBody>
+      </p:sp>
+    </p:spTree>
+    <p:extLst>
+      <p:ext uri="{BB962C8B-B14F-4D97-AF65-F5344CB8AC3E}">
+        <p14:creationId xmlns:p14="http://schemas.microsoft.com/office/powerpoint/2010/main" val="3737602684"/>
       </p:ext>
     </p:extLst>
   </p:cSld>
@@ -15459,8 +13417,12 @@
           <a:lstStyle/>
           <a:p>
             <a:r>
-              <a:rPr lang="en-US" dirty="0" smtClean="0"/>
-              <a:t>Defect Lifecycle Graph</a:t>
+              <a:rPr lang="en-US" dirty="0"/>
+              <a:t>Defect Lifecycle States </a:t>
+            </a:r>
+            <a:r>
+              <a:rPr lang="en-US" dirty="0" smtClean="0"/>
+              <a:t>(3)</a:t>
             </a:r>
             <a:endParaRPr lang="en-US" dirty="0"/>
           </a:p>
@@ -15468,7 +13430,7 @@
       </p:sp>
       <p:sp>
         <p:nvSpPr>
-          <p:cNvPr id="5" name="Content Placeholder 4"/>
+          <p:cNvPr id="3" name="Content Placeholder 2"/>
           <p:cNvSpPr>
             <a:spLocks noGrp="1"/>
           </p:cNvSpPr>
@@ -15482,9 +13444,53 @@
           <a:lstStyle/>
           <a:p>
             <a:r>
-              <a:rPr lang="en-US" dirty="0" smtClean="0"/>
-              <a:t>Simple defect lifecycle graph</a:t>
-            </a:r>
+              <a:rPr lang="en-US" dirty="0">
+                <a:solidFill>
+                  <a:schemeClr val="accent5">
+                    <a:lumMod val="20000"/>
+                    <a:lumOff val="80000"/>
+                  </a:schemeClr>
+                </a:solidFill>
+              </a:rPr>
+              <a:t>Deferred</a:t>
+            </a:r>
+          </a:p>
+          <a:p>
+            <a:pPr lvl="1"/>
+            <a:r>
+              <a:rPr lang="en-US" dirty="0"/>
+              <a:t>The bug is expected to be fixed in next releases</a:t>
+            </a:r>
+          </a:p>
+          <a:p>
+            <a:pPr lvl="1"/>
+            <a:r>
+              <a:rPr lang="en-US" dirty="0"/>
+              <a:t>Reasons for changing the bug to this status may have many factors:</a:t>
+            </a:r>
+          </a:p>
+          <a:p>
+            <a:pPr lvl="2"/>
+            <a:r>
+              <a:rPr lang="en-US" dirty="0"/>
+              <a:t>Bug may be low</a:t>
+            </a:r>
+          </a:p>
+          <a:p>
+            <a:pPr lvl="2"/>
+            <a:r>
+              <a:rPr lang="en-US" dirty="0"/>
+              <a:t>Lack of time for the release</a:t>
+            </a:r>
+          </a:p>
+          <a:p>
+            <a:pPr lvl="2"/>
+            <a:r>
+              <a:rPr lang="en-US" dirty="0"/>
+              <a:t>the bug may not have major effect on the software</a:t>
+            </a:r>
+          </a:p>
+          <a:p>
             <a:endParaRPr lang="en-US" dirty="0"/>
           </a:p>
         </p:txBody>
@@ -15518,74 +13524,10 @@
           </a:p>
         </p:txBody>
       </p:sp>
-      <p:pic>
-        <p:nvPicPr>
-          <p:cNvPr id="6" name="Picture 2"/>
-          <p:cNvPicPr>
-            <a:picLocks noChangeAspect="1" noChangeArrowheads="1"/>
-          </p:cNvPicPr>
-          <p:nvPr/>
-        </p:nvPicPr>
-        <p:blipFill>
-          <a:blip r:embed="rId3">
-            <a:extLst>
-              <a:ext uri="{28A0092B-C50C-407E-A947-70E740481C1C}">
-                <a14:useLocalDpi xmlns:a14="http://schemas.microsoft.com/office/drawing/2010/main" val="0"/>
-              </a:ext>
-            </a:extLst>
-          </a:blip>
-          <a:srcRect/>
-          <a:stretch>
-            <a:fillRect/>
-          </a:stretch>
-        </p:blipFill>
-        <p:spPr bwMode="auto">
-          <a:xfrm>
-            <a:off x="1195862" y="1828800"/>
-            <a:ext cx="6752277" cy="3805237"/>
-          </a:xfrm>
-          <a:prstGeom prst="rect">
-            <a:avLst/>
-          </a:prstGeom>
-          <a:noFill/>
-          <a:ln>
-            <a:noFill/>
-          </a:ln>
-          <a:effectLst>
-            <a:glow rad="101600">
-              <a:schemeClr val="tx1">
-                <a:alpha val="40000"/>
-              </a:schemeClr>
-            </a:glow>
-            <a:outerShdw dist="35921" dir="2700000" algn="ctr" rotWithShape="0">
-              <a:schemeClr val="bg2"/>
-            </a:outerShdw>
-          </a:effectLst>
-          <a:extLst>
-            <a:ext uri="{909E8E84-426E-40DD-AFC4-6F175D3DCCD1}">
-              <a14:hiddenFill xmlns:a14="http://schemas.microsoft.com/office/drawing/2010/main">
-                <a:solidFill>
-                  <a:schemeClr val="accent1"/>
-                </a:solidFill>
-              </a14:hiddenFill>
-            </a:ext>
-            <a:ext uri="{91240B29-F687-4F45-9708-019B960494DF}">
-              <a14:hiddenLine xmlns:a14="http://schemas.microsoft.com/office/drawing/2010/main" w="9525">
-                <a:solidFill>
-                  <a:schemeClr val="tx1"/>
-                </a:solidFill>
-                <a:miter lim="800000"/>
-                <a:headEnd/>
-                <a:tailEnd/>
-              </a14:hiddenLine>
-            </a:ext>
-          </a:extLst>
-        </p:spPr>
-      </p:pic>
     </p:spTree>
     <p:extLst>
       <p:ext uri="{BB962C8B-B14F-4D97-AF65-F5344CB8AC3E}">
-        <p14:creationId xmlns:p14="http://schemas.microsoft.com/office/powerpoint/2010/main" val="1614607776"/>
+        <p14:creationId xmlns:p14="http://schemas.microsoft.com/office/powerpoint/2010/main" val="479152197"/>
       </p:ext>
     </p:extLst>
   </p:cSld>
@@ -15635,8 +13577,12 @@
           <a:lstStyle/>
           <a:p>
             <a:r>
-              <a:rPr lang="en-US" dirty="0" smtClean="0"/>
-              <a:t>Defect Lifecycle States</a:t>
+              <a:rPr lang="en-US" dirty="0"/>
+              <a:t>Defect Lifecycle States </a:t>
+            </a:r>
+            <a:r>
+              <a:rPr lang="en-US" dirty="0" smtClean="0"/>
+              <a:t>(4)</a:t>
             </a:r>
             <a:endParaRPr lang="en-US" dirty="0"/>
           </a:p>
@@ -15666,113 +13612,37 @@
                   </a:schemeClr>
                 </a:solidFill>
               </a:rPr>
-              <a:t>New</a:t>
+              <a:t>Verified</a:t>
             </a:r>
           </a:p>
           <a:p>
             <a:pPr lvl="1"/>
             <a:r>
               <a:rPr lang="en-US" dirty="0" smtClean="0"/>
-              <a:t>The </a:t>
+              <a:t>Once </a:t>
             </a:r>
             <a:r>
               <a:rPr lang="en-US" dirty="0"/>
-              <a:t>bug is posted for the first </a:t>
-            </a:r>
-            <a:r>
-              <a:rPr lang="en-US" dirty="0" smtClean="0"/>
-              <a:t>time</a:t>
+              <a:t>the bug is fixed and the status is changed to “TEST”, the tester tests the </a:t>
+            </a:r>
+            <a:r>
+              <a:rPr lang="en-US" dirty="0" smtClean="0"/>
+              <a:t>bug</a:t>
             </a:r>
           </a:p>
           <a:p>
             <a:pPr lvl="1"/>
             <a:r>
               <a:rPr lang="en-US" dirty="0" smtClean="0"/>
-              <a:t>The </a:t>
+              <a:t>If </a:t>
             </a:r>
             <a:r>
               <a:rPr lang="en-US" dirty="0"/>
-              <a:t>bug is not yet </a:t>
-            </a:r>
-            <a:r>
-              <a:rPr lang="en-US" dirty="0" smtClean="0"/>
-              <a:t>approved</a:t>
-            </a:r>
-            <a:endParaRPr lang="en-US" dirty="0"/>
-          </a:p>
-          <a:p>
-            <a:r>
-              <a:rPr lang="en-US" dirty="0" smtClean="0">
-                <a:solidFill>
-                  <a:schemeClr val="accent5">
-                    <a:lumMod val="20000"/>
-                    <a:lumOff val="80000"/>
-                  </a:schemeClr>
-                </a:solidFill>
-              </a:rPr>
-              <a:t>Open</a:t>
-            </a:r>
-          </a:p>
-          <a:p>
-            <a:pPr lvl="1"/>
-            <a:r>
-              <a:rPr lang="en-US" dirty="0" smtClean="0"/>
-              <a:t>The test lead </a:t>
-            </a:r>
-            <a:r>
-              <a:rPr lang="en-US" dirty="0"/>
-              <a:t>approves that the bug is </a:t>
-            </a:r>
-            <a:r>
-              <a:rPr lang="en-US" dirty="0" smtClean="0"/>
-              <a:t>genuine </a:t>
-            </a:r>
-          </a:p>
-          <a:p>
-            <a:pPr lvl="1"/>
-            <a:r>
-              <a:rPr lang="en-US" dirty="0"/>
-              <a:t>C</a:t>
-            </a:r>
-            <a:r>
-              <a:rPr lang="en-US" dirty="0" smtClean="0"/>
-              <a:t>hanges </a:t>
-            </a:r>
-            <a:r>
-              <a:rPr lang="en-US" dirty="0"/>
-              <a:t>the state as “OPEN</a:t>
-            </a:r>
-            <a:r>
-              <a:rPr lang="en-US" dirty="0" smtClean="0"/>
-              <a:t>”.</a:t>
-            </a:r>
-          </a:p>
-          <a:p>
-            <a:r>
-              <a:rPr lang="en-US" dirty="0" smtClean="0">
-                <a:solidFill>
-                  <a:schemeClr val="accent5">
-                    <a:lumMod val="20000"/>
-                    <a:lumOff val="80000"/>
-                  </a:schemeClr>
-                </a:solidFill>
-              </a:rPr>
-              <a:t>Assign </a:t>
-            </a:r>
-          </a:p>
-          <a:p>
-            <a:pPr lvl="1"/>
-            <a:r>
-              <a:rPr lang="en-US" dirty="0" smtClean="0"/>
-              <a:t>The bug is assigned to </a:t>
-            </a:r>
-            <a:r>
-              <a:rPr lang="en-US" dirty="0"/>
-              <a:t>corresponding developer or developer </a:t>
-            </a:r>
-            <a:r>
-              <a:rPr lang="en-US" dirty="0" smtClean="0"/>
-              <a:t>team</a:t>
+              <a:t>the bug is not present in the software, he approves that the bug is </a:t>
+            </a:r>
+            <a:r>
+              <a:rPr lang="en-US" dirty="0" smtClean="0"/>
+              <a:t>fixed</a:t>
             </a:r>
             <a:endParaRPr lang="en-US" dirty="0"/>
           </a:p>
@@ -15802,550 +13672,6 @@
                 <a:defRPr/>
               </a:pPr>
               <a:t>31</a:t>
-            </a:fld>
-            <a:endParaRPr lang="en-US" dirty="0"/>
-          </a:p>
-        </p:txBody>
-      </p:sp>
-    </p:spTree>
-    <p:extLst>
-      <p:ext uri="{BB962C8B-B14F-4D97-AF65-F5344CB8AC3E}">
-        <p14:creationId xmlns:p14="http://schemas.microsoft.com/office/powerpoint/2010/main" val="253086849"/>
-      </p:ext>
-    </p:extLst>
-  </p:cSld>
-  <p:clrMapOvr>
-    <a:masterClrMapping/>
-  </p:clrMapOvr>
-  <p:timing>
-    <p:tnLst>
-      <p:par>
-        <p:cTn id="1" dur="indefinite" restart="never" nodeType="tmRoot"/>
-      </p:par>
-    </p:tnLst>
-  </p:timing>
-</p:sld>
-</file>
-
-<file path=ppt/slides/slide32.xml><?xml version="1.0" encoding="utf-8"?>
-<p:sld xmlns:a="http://schemas.openxmlformats.org/drawingml/2006/main" xmlns:r="http://schemas.openxmlformats.org/officeDocument/2006/relationships" xmlns:p="http://schemas.openxmlformats.org/presentationml/2006/main">
-  <p:cSld>
-    <p:spTree>
-      <p:nvGrpSpPr>
-        <p:cNvPr id="1" name=""/>
-        <p:cNvGrpSpPr/>
-        <p:nvPr/>
-      </p:nvGrpSpPr>
-      <p:grpSpPr>
-        <a:xfrm>
-          <a:off x="0" y="0"/>
-          <a:ext cx="0" cy="0"/>
-          <a:chOff x="0" y="0"/>
-          <a:chExt cx="0" cy="0"/>
-        </a:xfrm>
-      </p:grpSpPr>
-      <p:sp>
-        <p:nvSpPr>
-          <p:cNvPr id="2" name="Title 1"/>
-          <p:cNvSpPr>
-            <a:spLocks noGrp="1"/>
-          </p:cNvSpPr>
-          <p:nvPr>
-            <p:ph type="title"/>
-          </p:nvPr>
-        </p:nvSpPr>
-        <p:spPr/>
-        <p:txBody>
-          <a:bodyPr/>
-          <a:lstStyle/>
-          <a:p>
-            <a:r>
-              <a:rPr lang="en-US" dirty="0"/>
-              <a:t>Defect Lifecycle States </a:t>
-            </a:r>
-            <a:r>
-              <a:rPr lang="en-US" dirty="0" smtClean="0"/>
-              <a:t>(2)</a:t>
-            </a:r>
-            <a:endParaRPr lang="en-US" dirty="0"/>
-          </a:p>
-        </p:txBody>
-      </p:sp>
-      <p:sp>
-        <p:nvSpPr>
-          <p:cNvPr id="3" name="Content Placeholder 2"/>
-          <p:cNvSpPr>
-            <a:spLocks noGrp="1"/>
-          </p:cNvSpPr>
-          <p:nvPr>
-            <p:ph idx="1"/>
-          </p:nvPr>
-        </p:nvSpPr>
-        <p:spPr/>
-        <p:txBody>
-          <a:bodyPr/>
-          <a:lstStyle/>
-          <a:p>
-            <a:r>
-              <a:rPr lang="en-US" dirty="0" smtClean="0">
-                <a:solidFill>
-                  <a:schemeClr val="accent5">
-                    <a:lumMod val="20000"/>
-                    <a:lumOff val="80000"/>
-                  </a:schemeClr>
-                </a:solidFill>
-              </a:rPr>
-              <a:t>Test</a:t>
-            </a:r>
-          </a:p>
-          <a:p>
-            <a:pPr lvl="1"/>
-            <a:r>
-              <a:rPr lang="en-US" dirty="0"/>
-              <a:t>T</a:t>
-            </a:r>
-            <a:r>
-              <a:rPr lang="en-US" dirty="0" smtClean="0"/>
-              <a:t>he </a:t>
-            </a:r>
-            <a:r>
-              <a:rPr lang="en-US" dirty="0"/>
-              <a:t>bug has been fixed and is released to testing </a:t>
-            </a:r>
-            <a:r>
-              <a:rPr lang="en-US" dirty="0" smtClean="0"/>
-              <a:t>team</a:t>
-            </a:r>
-          </a:p>
-          <a:p>
-            <a:r>
-              <a:rPr lang="en-US" dirty="0" smtClean="0">
-                <a:solidFill>
-                  <a:schemeClr val="accent5">
-                    <a:lumMod val="20000"/>
-                    <a:lumOff val="80000"/>
-                  </a:schemeClr>
-                </a:solidFill>
-              </a:rPr>
-              <a:t>Rejected</a:t>
-            </a:r>
-          </a:p>
-          <a:p>
-            <a:pPr lvl="1"/>
-            <a:r>
-              <a:rPr lang="en-US" dirty="0" smtClean="0"/>
-              <a:t>If </a:t>
-            </a:r>
-            <a:r>
-              <a:rPr lang="en-US" dirty="0"/>
-              <a:t>the developer feels that the bug is not genuine, he rejects the </a:t>
-            </a:r>
-            <a:r>
-              <a:rPr lang="en-US" dirty="0" smtClean="0"/>
-              <a:t>bug</a:t>
-            </a:r>
-          </a:p>
-          <a:p>
-            <a:r>
-              <a:rPr lang="en-US" dirty="0" smtClean="0">
-                <a:solidFill>
-                  <a:schemeClr val="accent5">
-                    <a:lumMod val="20000"/>
-                    <a:lumOff val="80000"/>
-                  </a:schemeClr>
-                </a:solidFill>
-              </a:rPr>
-              <a:t>Duplicate</a:t>
-            </a:r>
-          </a:p>
-          <a:p>
-            <a:pPr lvl="1"/>
-            <a:r>
-              <a:rPr lang="en-US" dirty="0"/>
-              <a:t>T</a:t>
-            </a:r>
-            <a:r>
-              <a:rPr lang="en-US" dirty="0" smtClean="0"/>
-              <a:t>he </a:t>
-            </a:r>
-            <a:r>
-              <a:rPr lang="en-US" dirty="0"/>
-              <a:t>bug is </a:t>
-            </a:r>
-            <a:r>
-              <a:rPr lang="en-US" dirty="0" smtClean="0">
-                <a:solidFill>
-                  <a:schemeClr val="accent5">
-                    <a:lumMod val="20000"/>
-                    <a:lumOff val="80000"/>
-                  </a:schemeClr>
-                </a:solidFill>
-              </a:rPr>
-              <a:t>repeated twice </a:t>
-            </a:r>
-            <a:r>
-              <a:rPr lang="en-US" dirty="0"/>
-              <a:t>or the two bugs mention the </a:t>
-            </a:r>
-            <a:r>
-              <a:rPr lang="en-US" dirty="0">
-                <a:solidFill>
-                  <a:schemeClr val="accent5">
-                    <a:lumMod val="20000"/>
-                    <a:lumOff val="80000"/>
-                  </a:schemeClr>
-                </a:solidFill>
-              </a:rPr>
-              <a:t>same concept </a:t>
-            </a:r>
-            <a:r>
-              <a:rPr lang="en-US" dirty="0"/>
-              <a:t>of the </a:t>
-            </a:r>
-            <a:r>
-              <a:rPr lang="en-US" dirty="0" smtClean="0"/>
-              <a:t>bug</a:t>
-            </a:r>
-          </a:p>
-        </p:txBody>
-      </p:sp>
-      <p:sp>
-        <p:nvSpPr>
-          <p:cNvPr id="4" name="Slide Number Placeholder 3"/>
-          <p:cNvSpPr>
-            <a:spLocks noGrp="1"/>
-          </p:cNvSpPr>
-          <p:nvPr>
-            <p:ph type="sldNum" sz="quarter" idx="10"/>
-          </p:nvPr>
-        </p:nvSpPr>
-        <p:spPr/>
-        <p:txBody>
-          <a:bodyPr/>
-          <a:lstStyle/>
-          <a:p>
-            <a:pPr>
-              <a:defRPr/>
-            </a:pPr>
-            <a:fld id="{58452FF4-89E3-4D1B-9927-2DBDC00E58D7}" type="slidenum">
-              <a:rPr lang="en-US" smtClean="0"/>
-              <a:pPr>
-                <a:defRPr/>
-              </a:pPr>
-              <a:t>32</a:t>
-            </a:fld>
-            <a:endParaRPr lang="en-US" dirty="0"/>
-          </a:p>
-        </p:txBody>
-      </p:sp>
-    </p:spTree>
-    <p:extLst>
-      <p:ext uri="{BB962C8B-B14F-4D97-AF65-F5344CB8AC3E}">
-        <p14:creationId xmlns:p14="http://schemas.microsoft.com/office/powerpoint/2010/main" val="3737602684"/>
-      </p:ext>
-    </p:extLst>
-  </p:cSld>
-  <p:clrMapOvr>
-    <a:masterClrMapping/>
-  </p:clrMapOvr>
-  <p:timing>
-    <p:tnLst>
-      <p:par>
-        <p:cTn id="1" dur="indefinite" restart="never" nodeType="tmRoot"/>
-      </p:par>
-    </p:tnLst>
-  </p:timing>
-</p:sld>
-</file>
-
-<file path=ppt/slides/slide33.xml><?xml version="1.0" encoding="utf-8"?>
-<p:sld xmlns:a="http://schemas.openxmlformats.org/drawingml/2006/main" xmlns:r="http://schemas.openxmlformats.org/officeDocument/2006/relationships" xmlns:p="http://schemas.openxmlformats.org/presentationml/2006/main">
-  <p:cSld>
-    <p:spTree>
-      <p:nvGrpSpPr>
-        <p:cNvPr id="1" name=""/>
-        <p:cNvGrpSpPr/>
-        <p:nvPr/>
-      </p:nvGrpSpPr>
-      <p:grpSpPr>
-        <a:xfrm>
-          <a:off x="0" y="0"/>
-          <a:ext cx="0" cy="0"/>
-          <a:chOff x="0" y="0"/>
-          <a:chExt cx="0" cy="0"/>
-        </a:xfrm>
-      </p:grpSpPr>
-      <p:sp>
-        <p:nvSpPr>
-          <p:cNvPr id="2" name="Title 1"/>
-          <p:cNvSpPr>
-            <a:spLocks noGrp="1"/>
-          </p:cNvSpPr>
-          <p:nvPr>
-            <p:ph type="title"/>
-          </p:nvPr>
-        </p:nvSpPr>
-        <p:spPr/>
-        <p:txBody>
-          <a:bodyPr/>
-          <a:lstStyle/>
-          <a:p>
-            <a:r>
-              <a:rPr lang="en-US" dirty="0"/>
-              <a:t>Defect Lifecycle States </a:t>
-            </a:r>
-            <a:r>
-              <a:rPr lang="en-US" dirty="0" smtClean="0"/>
-              <a:t>(3)</a:t>
-            </a:r>
-            <a:endParaRPr lang="en-US" dirty="0"/>
-          </a:p>
-        </p:txBody>
-      </p:sp>
-      <p:sp>
-        <p:nvSpPr>
-          <p:cNvPr id="3" name="Content Placeholder 2"/>
-          <p:cNvSpPr>
-            <a:spLocks noGrp="1"/>
-          </p:cNvSpPr>
-          <p:nvPr>
-            <p:ph idx="1"/>
-          </p:nvPr>
-        </p:nvSpPr>
-        <p:spPr/>
-        <p:txBody>
-          <a:bodyPr/>
-          <a:lstStyle/>
-          <a:p>
-            <a:r>
-              <a:rPr lang="en-US" dirty="0">
-                <a:solidFill>
-                  <a:schemeClr val="accent5">
-                    <a:lumMod val="20000"/>
-                    <a:lumOff val="80000"/>
-                  </a:schemeClr>
-                </a:solidFill>
-              </a:rPr>
-              <a:t>Deferred</a:t>
-            </a:r>
-          </a:p>
-          <a:p>
-            <a:pPr lvl="1"/>
-            <a:r>
-              <a:rPr lang="en-US" dirty="0"/>
-              <a:t>The bug is expected to be fixed in next releases</a:t>
-            </a:r>
-          </a:p>
-          <a:p>
-            <a:pPr lvl="1"/>
-            <a:r>
-              <a:rPr lang="en-US" dirty="0"/>
-              <a:t>Reasons for changing the bug to this status may have many factors:</a:t>
-            </a:r>
-          </a:p>
-          <a:p>
-            <a:pPr lvl="2"/>
-            <a:r>
-              <a:rPr lang="en-US" dirty="0"/>
-              <a:t>Bug may be low</a:t>
-            </a:r>
-          </a:p>
-          <a:p>
-            <a:pPr lvl="2"/>
-            <a:r>
-              <a:rPr lang="en-US" dirty="0"/>
-              <a:t>Lack of time for the release</a:t>
-            </a:r>
-          </a:p>
-          <a:p>
-            <a:pPr lvl="2"/>
-            <a:r>
-              <a:rPr lang="en-US" dirty="0"/>
-              <a:t>the bug may not have major effect on the software</a:t>
-            </a:r>
-          </a:p>
-          <a:p>
-            <a:endParaRPr lang="en-US" dirty="0"/>
-          </a:p>
-        </p:txBody>
-      </p:sp>
-      <p:sp>
-        <p:nvSpPr>
-          <p:cNvPr id="4" name="Slide Number Placeholder 3"/>
-          <p:cNvSpPr>
-            <a:spLocks noGrp="1"/>
-          </p:cNvSpPr>
-          <p:nvPr>
-            <p:ph type="sldNum" sz="quarter" idx="10"/>
-          </p:nvPr>
-        </p:nvSpPr>
-        <p:spPr/>
-        <p:txBody>
-          <a:bodyPr/>
-          <a:lstStyle/>
-          <a:p>
-            <a:pPr>
-              <a:defRPr/>
-            </a:pPr>
-            <a:fld id="{58452FF4-89E3-4D1B-9927-2DBDC00E58D7}" type="slidenum">
-              <a:rPr lang="en-US" smtClean="0"/>
-              <a:pPr>
-                <a:defRPr/>
-              </a:pPr>
-              <a:t>33</a:t>
-            </a:fld>
-            <a:endParaRPr lang="en-US" dirty="0"/>
-          </a:p>
-        </p:txBody>
-      </p:sp>
-    </p:spTree>
-    <p:extLst>
-      <p:ext uri="{BB962C8B-B14F-4D97-AF65-F5344CB8AC3E}">
-        <p14:creationId xmlns:p14="http://schemas.microsoft.com/office/powerpoint/2010/main" val="479152197"/>
-      </p:ext>
-    </p:extLst>
-  </p:cSld>
-  <p:clrMapOvr>
-    <a:masterClrMapping/>
-  </p:clrMapOvr>
-  <p:timing>
-    <p:tnLst>
-      <p:par>
-        <p:cTn id="1" dur="indefinite" restart="never" nodeType="tmRoot"/>
-      </p:par>
-    </p:tnLst>
-  </p:timing>
-</p:sld>
-</file>
-
-<file path=ppt/slides/slide34.xml><?xml version="1.0" encoding="utf-8"?>
-<p:sld xmlns:a="http://schemas.openxmlformats.org/drawingml/2006/main" xmlns:r="http://schemas.openxmlformats.org/officeDocument/2006/relationships" xmlns:p="http://schemas.openxmlformats.org/presentationml/2006/main">
-  <p:cSld>
-    <p:spTree>
-      <p:nvGrpSpPr>
-        <p:cNvPr id="1" name=""/>
-        <p:cNvGrpSpPr/>
-        <p:nvPr/>
-      </p:nvGrpSpPr>
-      <p:grpSpPr>
-        <a:xfrm>
-          <a:off x="0" y="0"/>
-          <a:ext cx="0" cy="0"/>
-          <a:chOff x="0" y="0"/>
-          <a:chExt cx="0" cy="0"/>
-        </a:xfrm>
-      </p:grpSpPr>
-      <p:sp>
-        <p:nvSpPr>
-          <p:cNvPr id="2" name="Title 1"/>
-          <p:cNvSpPr>
-            <a:spLocks noGrp="1"/>
-          </p:cNvSpPr>
-          <p:nvPr>
-            <p:ph type="title"/>
-          </p:nvPr>
-        </p:nvSpPr>
-        <p:spPr/>
-        <p:txBody>
-          <a:bodyPr/>
-          <a:lstStyle/>
-          <a:p>
-            <a:r>
-              <a:rPr lang="en-US" dirty="0"/>
-              <a:t>Defect Lifecycle States </a:t>
-            </a:r>
-            <a:r>
-              <a:rPr lang="en-US" dirty="0" smtClean="0"/>
-              <a:t>(4)</a:t>
-            </a:r>
-            <a:endParaRPr lang="en-US" dirty="0"/>
-          </a:p>
-        </p:txBody>
-      </p:sp>
-      <p:sp>
-        <p:nvSpPr>
-          <p:cNvPr id="3" name="Content Placeholder 2"/>
-          <p:cNvSpPr>
-            <a:spLocks noGrp="1"/>
-          </p:cNvSpPr>
-          <p:nvPr>
-            <p:ph idx="1"/>
-          </p:nvPr>
-        </p:nvSpPr>
-        <p:spPr/>
-        <p:txBody>
-          <a:bodyPr/>
-          <a:lstStyle/>
-          <a:p>
-            <a:r>
-              <a:rPr lang="en-US" dirty="0" smtClean="0">
-                <a:solidFill>
-                  <a:schemeClr val="accent5">
-                    <a:lumMod val="20000"/>
-                    <a:lumOff val="80000"/>
-                  </a:schemeClr>
-                </a:solidFill>
-              </a:rPr>
-              <a:t>Verified</a:t>
-            </a:r>
-          </a:p>
-          <a:p>
-            <a:pPr lvl="1"/>
-            <a:r>
-              <a:rPr lang="en-US" dirty="0" smtClean="0"/>
-              <a:t>Once </a:t>
-            </a:r>
-            <a:r>
-              <a:rPr lang="en-US" dirty="0"/>
-              <a:t>the bug is fixed and the status is changed to “TEST”, the tester tests the </a:t>
-            </a:r>
-            <a:r>
-              <a:rPr lang="en-US" dirty="0" smtClean="0"/>
-              <a:t>bug</a:t>
-            </a:r>
-          </a:p>
-          <a:p>
-            <a:pPr lvl="1"/>
-            <a:r>
-              <a:rPr lang="en-US" dirty="0" smtClean="0"/>
-              <a:t>If </a:t>
-            </a:r>
-            <a:r>
-              <a:rPr lang="en-US" dirty="0"/>
-              <a:t>the bug is not present in the software, he approves that the bug is </a:t>
-            </a:r>
-            <a:r>
-              <a:rPr lang="en-US" dirty="0" smtClean="0"/>
-              <a:t>fixed</a:t>
-            </a:r>
-            <a:endParaRPr lang="en-US" dirty="0"/>
-          </a:p>
-        </p:txBody>
-      </p:sp>
-      <p:sp>
-        <p:nvSpPr>
-          <p:cNvPr id="4" name="Slide Number Placeholder 3"/>
-          <p:cNvSpPr>
-            <a:spLocks noGrp="1"/>
-          </p:cNvSpPr>
-          <p:nvPr>
-            <p:ph type="sldNum" sz="quarter" idx="10"/>
-          </p:nvPr>
-        </p:nvSpPr>
-        <p:spPr/>
-        <p:txBody>
-          <a:bodyPr/>
-          <a:lstStyle/>
-          <a:p>
-            <a:pPr>
-              <a:defRPr/>
-            </a:pPr>
-            <a:fld id="{58452FF4-89E3-4D1B-9927-2DBDC00E58D7}" type="slidenum">
-              <a:rPr lang="en-US" smtClean="0"/>
-              <a:pPr>
-                <a:defRPr/>
-              </a:pPr>
-              <a:t>34</a:t>
             </a:fld>
             <a:endParaRPr lang="en-US" dirty="0"/>
           </a:p>
@@ -16419,7 +13745,7 @@
 </p:sld>
 </file>
 
-<file path=ppt/slides/slide35.xml><?xml version="1.0" encoding="utf-8"?>
+<file path=ppt/slides/slide32.xml><?xml version="1.0" encoding="utf-8"?>
 <p:sld xmlns:a="http://schemas.openxmlformats.org/drawingml/2006/main" xmlns:r="http://schemas.openxmlformats.org/officeDocument/2006/relationships" xmlns:p="http://schemas.openxmlformats.org/presentationml/2006/main">
   <p:cSld>
     <p:spTree>
@@ -16582,7 +13908,7 @@
               <a:pPr>
                 <a:defRPr/>
               </a:pPr>
-              <a:t>35</a:t>
+              <a:t>32</a:t>
             </a:fld>
             <a:endParaRPr lang="en-US" dirty="0"/>
           </a:p>
@@ -16656,7 +13982,7 @@
 </p:sld>
 </file>
 
-<file path=ppt/slides/slide36.xml><?xml version="1.0" encoding="utf-8"?>
+<file path=ppt/slides/slide33.xml><?xml version="1.0" encoding="utf-8"?>
 <p:sld xmlns:a="http://schemas.openxmlformats.org/drawingml/2006/main" xmlns:r="http://schemas.openxmlformats.org/officeDocument/2006/relationships" xmlns:p="http://schemas.openxmlformats.org/presentationml/2006/main">
   <p:cSld>
     <p:spTree>
@@ -16770,7 +14096,7 @@
 </p:sld>
 </file>
 
-<file path=ppt/slides/slide37.xml><?xml version="1.0" encoding="utf-8"?>
+<file path=ppt/slides/slide34.xml><?xml version="1.0" encoding="utf-8"?>
 <p:sld xmlns:a="http://schemas.openxmlformats.org/drawingml/2006/main" xmlns:r="http://schemas.openxmlformats.org/officeDocument/2006/relationships" xmlns:p="http://schemas.openxmlformats.org/presentationml/2006/main">
   <p:cSld>
     <p:spTree>
@@ -16887,7 +14213,7 @@
               <a:pPr>
                 <a:defRPr/>
               </a:pPr>
-              <a:t>37</a:t>
+              <a:t>34</a:t>
             </a:fld>
             <a:endParaRPr lang="en-US" dirty="0"/>
           </a:p>
@@ -16977,7 +14303,7 @@
 </p:sld>
 </file>
 
-<file path=ppt/slides/slide38.xml><?xml version="1.0" encoding="utf-8"?>
+<file path=ppt/slides/slide35.xml><?xml version="1.0" encoding="utf-8"?>
 <p:sld xmlns:a="http://schemas.openxmlformats.org/drawingml/2006/main" xmlns:r="http://schemas.openxmlformats.org/officeDocument/2006/relationships" xmlns:p="http://schemas.openxmlformats.org/presentationml/2006/main">
   <p:cSld>
     <p:spTree>
@@ -17115,7 +14441,7 @@
               <a:pPr>
                 <a:defRPr/>
               </a:pPr>
-              <a:t>38</a:t>
+              <a:t>35</a:t>
             </a:fld>
             <a:endParaRPr lang="en-US" dirty="0"/>
           </a:p>
@@ -17207,7 +14533,7 @@
 </p:sld>
 </file>
 
-<file path=ppt/slides/slide39.xml><?xml version="1.0" encoding="utf-8"?>
+<file path=ppt/slides/slide36.xml><?xml version="1.0" encoding="utf-8"?>
 <p:sld xmlns:a="http://schemas.openxmlformats.org/drawingml/2006/main" xmlns:r="http://schemas.openxmlformats.org/officeDocument/2006/relationships" xmlns:p="http://schemas.openxmlformats.org/presentationml/2006/main">
   <p:cSld>
     <p:spTree>
@@ -17374,7 +14700,7 @@
               <a:pPr>
                 <a:defRPr/>
               </a:pPr>
-              <a:t>39</a:t>
+              <a:t>36</a:t>
             </a:fld>
             <a:endParaRPr lang="en-US" dirty="0"/>
           </a:p>
@@ -17464,7 +14790,7 @@
 </p:sld>
 </file>
 
-<file path=ppt/slides/slide4.xml><?xml version="1.0" encoding="utf-8"?>
+<file path=ppt/slides/slide37.xml><?xml version="1.0" encoding="utf-8"?>
 <p:sld xmlns:a="http://schemas.openxmlformats.org/drawingml/2006/main" xmlns:r="http://schemas.openxmlformats.org/officeDocument/2006/relationships" xmlns:p="http://schemas.openxmlformats.org/presentationml/2006/main">
   <p:cSld>
     <p:spTree>
@@ -17488,243 +14814,6 @@
             <a:spLocks noGrp="1"/>
           </p:cNvSpPr>
           <p:nvPr>
-            <p:ph type="ctrTitle"/>
-          </p:nvPr>
-        </p:nvSpPr>
-        <p:spPr>
-          <a:xfrm>
-            <a:off x="609600" y="1905000"/>
-            <a:ext cx="7924800" cy="685800"/>
-          </a:xfrm>
-        </p:spPr>
-        <p:txBody>
-          <a:bodyPr/>
-          <a:lstStyle/>
-          <a:p>
-            <a:r>
-              <a:rPr lang="en-US" dirty="0">
-                <a:effectLst>
-                  <a:outerShdw blurRad="38100" dist="38100" dir="2700000" algn="tl">
-                    <a:srgbClr val="000000">
-                      <a:alpha val="43137"/>
-                    </a:srgbClr>
-                  </a:outerShdw>
-                </a:effectLst>
-              </a:rPr>
-              <a:t>Incident </a:t>
-            </a:r>
-            <a:r>
-              <a:rPr lang="en-US" dirty="0" smtClean="0">
-                <a:effectLst>
-                  <a:outerShdw blurRad="38100" dist="38100" dir="2700000" algn="tl">
-                    <a:srgbClr val="000000">
-                      <a:alpha val="43137"/>
-                    </a:srgbClr>
-                  </a:outerShdw>
-                </a:effectLst>
-              </a:rPr>
-              <a:t>Management</a:t>
-            </a:r>
-            <a:endParaRPr lang="en-US" dirty="0">
-              <a:effectLst>
-                <a:outerShdw blurRad="38100" dist="38100" dir="2700000" algn="tl">
-                  <a:srgbClr val="000000">
-                    <a:alpha val="43137"/>
-                  </a:srgbClr>
-                </a:outerShdw>
-              </a:effectLst>
-            </a:endParaRPr>
-          </a:p>
-        </p:txBody>
-      </p:sp>
-      <p:sp>
-        <p:nvSpPr>
-          <p:cNvPr id="3" name="Subtitle 2"/>
-          <p:cNvSpPr>
-            <a:spLocks noGrp="1"/>
-          </p:cNvSpPr>
-          <p:nvPr>
-            <p:ph type="subTitle" idx="1"/>
-          </p:nvPr>
-        </p:nvSpPr>
-        <p:spPr>
-          <a:xfrm>
-            <a:off x="609600" y="2667000"/>
-            <a:ext cx="7924800" cy="569120"/>
-          </a:xfrm>
-        </p:spPr>
-        <p:txBody>
-          <a:bodyPr/>
-          <a:lstStyle/>
-          <a:p>
-            <a:r>
-              <a:rPr lang="en-US" dirty="0"/>
-              <a:t>Main </a:t>
-            </a:r>
-            <a:r>
-              <a:rPr lang="en-US" dirty="0" smtClean="0"/>
-              <a:t>Concepts</a:t>
-            </a:r>
-            <a:endParaRPr lang="en-US" dirty="0"/>
-          </a:p>
-        </p:txBody>
-      </p:sp>
-      <p:pic>
-        <p:nvPicPr>
-          <p:cNvPr id="33794" name="Picture 2"/>
-          <p:cNvPicPr>
-            <a:picLocks noChangeAspect="1" noChangeArrowheads="1"/>
-          </p:cNvPicPr>
-          <p:nvPr/>
-        </p:nvPicPr>
-        <p:blipFill>
-          <a:blip r:embed="rId2" cstate="print">
-            <a:extLst>
-              <a:ext uri="{28A0092B-C50C-407E-A947-70E740481C1C}">
-                <a14:useLocalDpi xmlns:a14="http://schemas.microsoft.com/office/drawing/2010/main" val="0"/>
-              </a:ext>
-            </a:extLst>
-          </a:blip>
-          <a:srcRect/>
-          <a:stretch>
-            <a:fillRect/>
-          </a:stretch>
-        </p:blipFill>
-        <p:spPr bwMode="auto">
-          <a:xfrm>
-            <a:off x="7543800" y="381000"/>
-            <a:ext cx="1098423" cy="1181100"/>
-          </a:xfrm>
-          <a:prstGeom prst="rect">
-            <a:avLst/>
-          </a:prstGeom>
-          <a:noFill/>
-          <a:ln>
-            <a:noFill/>
-          </a:ln>
-          <a:effectLst>
-            <a:glow rad="101600">
-              <a:schemeClr val="tx1">
-                <a:alpha val="40000"/>
-              </a:schemeClr>
-            </a:glow>
-            <a:outerShdw dist="35921" dir="2700000" algn="ctr" rotWithShape="0">
-              <a:schemeClr val="bg2"/>
-            </a:outerShdw>
-          </a:effectLst>
-          <a:extLst>
-            <a:ext uri="{909E8E84-426E-40DD-AFC4-6F175D3DCCD1}">
-              <a14:hiddenFill xmlns:a14="http://schemas.microsoft.com/office/drawing/2010/main">
-                <a:solidFill>
-                  <a:schemeClr val="accent1"/>
-                </a:solidFill>
-              </a14:hiddenFill>
-            </a:ext>
-            <a:ext uri="{91240B29-F687-4F45-9708-019B960494DF}">
-              <a14:hiddenLine xmlns:a14="http://schemas.microsoft.com/office/drawing/2010/main" w="9525">
-                <a:solidFill>
-                  <a:schemeClr val="tx1"/>
-                </a:solidFill>
-                <a:miter lim="800000"/>
-                <a:headEnd/>
-                <a:tailEnd/>
-              </a14:hiddenLine>
-            </a:ext>
-          </a:extLst>
-        </p:spPr>
-      </p:pic>
-      <p:pic>
-        <p:nvPicPr>
-          <p:cNvPr id="33796" name="Picture 4" descr="http://www.ohatoday.com/HealthyWorkplace/PublishingImages/Education-03102011-IMS-Incident-Management-Systems-Image.jpg"/>
-          <p:cNvPicPr>
-            <a:picLocks noChangeAspect="1" noChangeArrowheads="1"/>
-          </p:cNvPicPr>
-          <p:nvPr/>
-        </p:nvPicPr>
-        <p:blipFill>
-          <a:blip r:embed="rId3">
-            <a:extLst>
-              <a:ext uri="{28A0092B-C50C-407E-A947-70E740481C1C}">
-                <a14:useLocalDpi xmlns:a14="http://schemas.microsoft.com/office/drawing/2010/main" val="0"/>
-              </a:ext>
-            </a:extLst>
-          </a:blip>
-          <a:srcRect/>
-          <a:stretch>
-            <a:fillRect/>
-          </a:stretch>
-        </p:blipFill>
-        <p:spPr bwMode="auto">
-          <a:xfrm>
-            <a:off x="2095500" y="3581400"/>
-            <a:ext cx="4953000" cy="2743201"/>
-          </a:xfrm>
-          <a:prstGeom prst="roundRect">
-            <a:avLst/>
-          </a:prstGeom>
-          <a:noFill/>
-          <a:effectLst>
-            <a:glow rad="101600">
-              <a:schemeClr val="tx1">
-                <a:alpha val="40000"/>
-              </a:schemeClr>
-            </a:glow>
-          </a:effectLst>
-          <a:extLst>
-            <a:ext uri="{909E8E84-426E-40DD-AFC4-6F175D3DCCD1}">
-              <a14:hiddenFill xmlns:a14="http://schemas.microsoft.com/office/drawing/2010/main">
-                <a:solidFill>
-                  <a:srgbClr val="FFFFFF"/>
-                </a:solidFill>
-              </a14:hiddenFill>
-            </a:ext>
-          </a:extLst>
-        </p:spPr>
-      </p:pic>
-    </p:spTree>
-    <p:extLst>
-      <p:ext uri="{BB962C8B-B14F-4D97-AF65-F5344CB8AC3E}">
-        <p14:creationId xmlns:p14="http://schemas.microsoft.com/office/powerpoint/2010/main" val="2088152781"/>
-      </p:ext>
-    </p:extLst>
-  </p:cSld>
-  <p:clrMapOvr>
-    <a:masterClrMapping/>
-  </p:clrMapOvr>
-  <p:timing>
-    <p:tnLst>
-      <p:par>
-        <p:cTn id="1" dur="indefinite" restart="never" nodeType="tmRoot"/>
-      </p:par>
-    </p:tnLst>
-  </p:timing>
-</p:sld>
-</file>
-
-<file path=ppt/slides/slide40.xml><?xml version="1.0" encoding="utf-8"?>
-<p:sld xmlns:a="http://schemas.openxmlformats.org/drawingml/2006/main" xmlns:r="http://schemas.openxmlformats.org/officeDocument/2006/relationships" xmlns:p="http://schemas.openxmlformats.org/presentationml/2006/main">
-  <p:cSld>
-    <p:spTree>
-      <p:nvGrpSpPr>
-        <p:cNvPr id="1" name=""/>
-        <p:cNvGrpSpPr/>
-        <p:nvPr/>
-      </p:nvGrpSpPr>
-      <p:grpSpPr>
-        <a:xfrm>
-          <a:off x="0" y="0"/>
-          <a:ext cx="0" cy="0"/>
-          <a:chOff x="0" y="0"/>
-          <a:chExt cx="0" cy="0"/>
-        </a:xfrm>
-      </p:grpSpPr>
-      <p:sp>
-        <p:nvSpPr>
-          <p:cNvPr id="2" name="Title 1"/>
-          <p:cNvSpPr>
-            <a:spLocks noGrp="1"/>
-          </p:cNvSpPr>
-          <p:nvPr>
             <p:ph type="title"/>
           </p:nvPr>
         </p:nvSpPr>
@@ -17850,7 +14939,7 @@
               <a:pPr>
                 <a:defRPr/>
               </a:pPr>
-              <a:t>40</a:t>
+              <a:t>37</a:t>
             </a:fld>
             <a:endParaRPr lang="en-US" dirty="0"/>
           </a:p>
@@ -17940,7 +15029,7 @@
 </p:sld>
 </file>
 
-<file path=ppt/slides/slide41.xml><?xml version="1.0" encoding="utf-8"?>
+<file path=ppt/slides/slide38.xml><?xml version="1.0" encoding="utf-8"?>
 <p:sld xmlns:a="http://schemas.openxmlformats.org/drawingml/2006/main" xmlns:r="http://schemas.openxmlformats.org/officeDocument/2006/relationships" xmlns:p="http://schemas.openxmlformats.org/presentationml/2006/main">
   <p:cSld>
     <p:spTree>
@@ -18115,7 +15204,7 @@
               <a:pPr>
                 <a:defRPr/>
               </a:pPr>
-              <a:t>41</a:t>
+              <a:t>38</a:t>
             </a:fld>
             <a:endParaRPr lang="en-US" dirty="0"/>
           </a:p>
@@ -18182,7 +15271,7 @@
 </p:sld>
 </file>
 
-<file path=ppt/slides/slide42.xml><?xml version="1.0" encoding="utf-8"?>
+<file path=ppt/slides/slide39.xml><?xml version="1.0" encoding="utf-8"?>
 <p:sld xmlns:a="http://schemas.openxmlformats.org/drawingml/2006/main" xmlns:r="http://schemas.openxmlformats.org/officeDocument/2006/relationships" xmlns:p="http://schemas.openxmlformats.org/presentationml/2006/main">
   <p:cSld>
     <p:spTree>
@@ -18298,7 +15387,7 @@
               <a:pPr>
                 <a:defRPr/>
               </a:pPr>
-              <a:t>42</a:t>
+              <a:t>39</a:t>
             </a:fld>
             <a:endParaRPr lang="en-US" dirty="0"/>
           </a:p>
@@ -18963,7 +16052,244 @@
 </p:sld>
 </file>
 
-<file path=ppt/slides/slide43.xml><?xml version="1.0" encoding="utf-8"?>
+<file path=ppt/slides/slide4.xml><?xml version="1.0" encoding="utf-8"?>
+<p:sld xmlns:a="http://schemas.openxmlformats.org/drawingml/2006/main" xmlns:r="http://schemas.openxmlformats.org/officeDocument/2006/relationships" xmlns:p="http://schemas.openxmlformats.org/presentationml/2006/main">
+  <p:cSld>
+    <p:spTree>
+      <p:nvGrpSpPr>
+        <p:cNvPr id="1" name=""/>
+        <p:cNvGrpSpPr/>
+        <p:nvPr/>
+      </p:nvGrpSpPr>
+      <p:grpSpPr>
+        <a:xfrm>
+          <a:off x="0" y="0"/>
+          <a:ext cx="0" cy="0"/>
+          <a:chOff x="0" y="0"/>
+          <a:chExt cx="0" cy="0"/>
+        </a:xfrm>
+      </p:grpSpPr>
+      <p:sp>
+        <p:nvSpPr>
+          <p:cNvPr id="2" name="Title 1"/>
+          <p:cNvSpPr>
+            <a:spLocks noGrp="1"/>
+          </p:cNvSpPr>
+          <p:nvPr>
+            <p:ph type="ctrTitle"/>
+          </p:nvPr>
+        </p:nvSpPr>
+        <p:spPr>
+          <a:xfrm>
+            <a:off x="609600" y="1905000"/>
+            <a:ext cx="7924800" cy="685800"/>
+          </a:xfrm>
+        </p:spPr>
+        <p:txBody>
+          <a:bodyPr/>
+          <a:lstStyle/>
+          <a:p>
+            <a:r>
+              <a:rPr lang="en-US" dirty="0">
+                <a:effectLst>
+                  <a:outerShdw blurRad="38100" dist="38100" dir="2700000" algn="tl">
+                    <a:srgbClr val="000000">
+                      <a:alpha val="43137"/>
+                    </a:srgbClr>
+                  </a:outerShdw>
+                </a:effectLst>
+              </a:rPr>
+              <a:t>Incident </a:t>
+            </a:r>
+            <a:r>
+              <a:rPr lang="en-US" dirty="0" smtClean="0">
+                <a:effectLst>
+                  <a:outerShdw blurRad="38100" dist="38100" dir="2700000" algn="tl">
+                    <a:srgbClr val="000000">
+                      <a:alpha val="43137"/>
+                    </a:srgbClr>
+                  </a:outerShdw>
+                </a:effectLst>
+              </a:rPr>
+              <a:t>Management</a:t>
+            </a:r>
+            <a:endParaRPr lang="en-US" dirty="0">
+              <a:effectLst>
+                <a:outerShdw blurRad="38100" dist="38100" dir="2700000" algn="tl">
+                  <a:srgbClr val="000000">
+                    <a:alpha val="43137"/>
+                  </a:srgbClr>
+                </a:outerShdw>
+              </a:effectLst>
+            </a:endParaRPr>
+          </a:p>
+        </p:txBody>
+      </p:sp>
+      <p:sp>
+        <p:nvSpPr>
+          <p:cNvPr id="3" name="Subtitle 2"/>
+          <p:cNvSpPr>
+            <a:spLocks noGrp="1"/>
+          </p:cNvSpPr>
+          <p:nvPr>
+            <p:ph type="subTitle" idx="1"/>
+          </p:nvPr>
+        </p:nvSpPr>
+        <p:spPr>
+          <a:xfrm>
+            <a:off x="609600" y="2667000"/>
+            <a:ext cx="7924800" cy="569120"/>
+          </a:xfrm>
+        </p:spPr>
+        <p:txBody>
+          <a:bodyPr/>
+          <a:lstStyle/>
+          <a:p>
+            <a:r>
+              <a:rPr lang="en-US" dirty="0"/>
+              <a:t>Main </a:t>
+            </a:r>
+            <a:r>
+              <a:rPr lang="en-US" dirty="0" smtClean="0"/>
+              <a:t>Concepts</a:t>
+            </a:r>
+            <a:endParaRPr lang="en-US" dirty="0"/>
+          </a:p>
+        </p:txBody>
+      </p:sp>
+      <p:pic>
+        <p:nvPicPr>
+          <p:cNvPr id="33794" name="Picture 2"/>
+          <p:cNvPicPr>
+            <a:picLocks noChangeAspect="1" noChangeArrowheads="1"/>
+          </p:cNvPicPr>
+          <p:nvPr/>
+        </p:nvPicPr>
+        <p:blipFill>
+          <a:blip r:embed="rId2" cstate="print">
+            <a:extLst>
+              <a:ext uri="{28A0092B-C50C-407E-A947-70E740481C1C}">
+                <a14:useLocalDpi xmlns:a14="http://schemas.microsoft.com/office/drawing/2010/main" val="0"/>
+              </a:ext>
+            </a:extLst>
+          </a:blip>
+          <a:srcRect/>
+          <a:stretch>
+            <a:fillRect/>
+          </a:stretch>
+        </p:blipFill>
+        <p:spPr bwMode="auto">
+          <a:xfrm>
+            <a:off x="7543800" y="381000"/>
+            <a:ext cx="1098423" cy="1181100"/>
+          </a:xfrm>
+          <a:prstGeom prst="rect">
+            <a:avLst/>
+          </a:prstGeom>
+          <a:noFill/>
+          <a:ln>
+            <a:noFill/>
+          </a:ln>
+          <a:effectLst>
+            <a:glow rad="101600">
+              <a:schemeClr val="tx1">
+                <a:alpha val="40000"/>
+              </a:schemeClr>
+            </a:glow>
+            <a:outerShdw dist="35921" dir="2700000" algn="ctr" rotWithShape="0">
+              <a:schemeClr val="bg2"/>
+            </a:outerShdw>
+          </a:effectLst>
+          <a:extLst>
+            <a:ext uri="{909E8E84-426E-40DD-AFC4-6F175D3DCCD1}">
+              <a14:hiddenFill xmlns:a14="http://schemas.microsoft.com/office/drawing/2010/main">
+                <a:solidFill>
+                  <a:schemeClr val="accent1"/>
+                </a:solidFill>
+              </a14:hiddenFill>
+            </a:ext>
+            <a:ext uri="{91240B29-F687-4F45-9708-019B960494DF}">
+              <a14:hiddenLine xmlns:a14="http://schemas.microsoft.com/office/drawing/2010/main" w="9525">
+                <a:solidFill>
+                  <a:schemeClr val="tx1"/>
+                </a:solidFill>
+                <a:miter lim="800000"/>
+                <a:headEnd/>
+                <a:tailEnd/>
+              </a14:hiddenLine>
+            </a:ext>
+          </a:extLst>
+        </p:spPr>
+      </p:pic>
+      <p:pic>
+        <p:nvPicPr>
+          <p:cNvPr id="33796" name="Picture 4" descr="http://www.ohatoday.com/HealthyWorkplace/PublishingImages/Education-03102011-IMS-Incident-Management-Systems-Image.jpg"/>
+          <p:cNvPicPr>
+            <a:picLocks noChangeAspect="1" noChangeArrowheads="1"/>
+          </p:cNvPicPr>
+          <p:nvPr/>
+        </p:nvPicPr>
+        <p:blipFill>
+          <a:blip r:embed="rId3">
+            <a:extLst>
+              <a:ext uri="{28A0092B-C50C-407E-A947-70E740481C1C}">
+                <a14:useLocalDpi xmlns:a14="http://schemas.microsoft.com/office/drawing/2010/main" val="0"/>
+              </a:ext>
+            </a:extLst>
+          </a:blip>
+          <a:srcRect/>
+          <a:stretch>
+            <a:fillRect/>
+          </a:stretch>
+        </p:blipFill>
+        <p:spPr bwMode="auto">
+          <a:xfrm>
+            <a:off x="2095500" y="3581400"/>
+            <a:ext cx="4953000" cy="2743201"/>
+          </a:xfrm>
+          <a:prstGeom prst="roundRect">
+            <a:avLst/>
+          </a:prstGeom>
+          <a:noFill/>
+          <a:effectLst>
+            <a:glow rad="101600">
+              <a:schemeClr val="tx1">
+                <a:alpha val="40000"/>
+              </a:schemeClr>
+            </a:glow>
+          </a:effectLst>
+          <a:extLst>
+            <a:ext uri="{909E8E84-426E-40DD-AFC4-6F175D3DCCD1}">
+              <a14:hiddenFill xmlns:a14="http://schemas.microsoft.com/office/drawing/2010/main">
+                <a:solidFill>
+                  <a:srgbClr val="FFFFFF"/>
+                </a:solidFill>
+              </a14:hiddenFill>
+            </a:ext>
+          </a:extLst>
+        </p:spPr>
+      </p:pic>
+    </p:spTree>
+    <p:extLst>
+      <p:ext uri="{BB962C8B-B14F-4D97-AF65-F5344CB8AC3E}">
+        <p14:creationId xmlns:p14="http://schemas.microsoft.com/office/powerpoint/2010/main" val="2088152781"/>
+      </p:ext>
+    </p:extLst>
+  </p:cSld>
+  <p:clrMapOvr>
+    <a:masterClrMapping/>
+  </p:clrMapOvr>
+  <p:timing>
+    <p:tnLst>
+      <p:par>
+        <p:cTn id="1" dur="indefinite" restart="never" nodeType="tmRoot"/>
+      </p:par>
+    </p:tnLst>
+  </p:timing>
+</p:sld>
+</file>
+
+<file path=ppt/slides/slide40.xml><?xml version="1.0" encoding="utf-8"?>
 <p:sld xmlns:a="http://schemas.openxmlformats.org/drawingml/2006/main" xmlns:r="http://schemas.openxmlformats.org/officeDocument/2006/relationships" xmlns:p="http://schemas.openxmlformats.org/presentationml/2006/main">
   <p:cSld>
     <p:spTree>
@@ -19092,7 +16418,7 @@
 </p:sld>
 </file>
 
-<file path=ppt/slides/slide44.xml><?xml version="1.0" encoding="utf-8"?>
+<file path=ppt/slides/slide41.xml><?xml version="1.0" encoding="utf-8"?>
 <p:sld xmlns:a="http://schemas.openxmlformats.org/drawingml/2006/main" xmlns:r="http://schemas.openxmlformats.org/officeDocument/2006/relationships" xmlns:p="http://schemas.openxmlformats.org/presentationml/2006/main">
   <p:cSld>
     <p:spTree>
@@ -19291,7 +16617,7 @@
               <a:pPr>
                 <a:defRPr/>
               </a:pPr>
-              <a:t>44</a:t>
+              <a:t>41</a:t>
             </a:fld>
             <a:endParaRPr lang="en-US" dirty="0"/>
           </a:p>
@@ -19317,7 +16643,7 @@
 </p:sld>
 </file>
 
-<file path=ppt/slides/slide45.xml><?xml version="1.0" encoding="utf-8"?>
+<file path=ppt/slides/slide42.xml><?xml version="1.0" encoding="utf-8"?>
 <p:sld xmlns:a="http://schemas.openxmlformats.org/drawingml/2006/main" xmlns:r="http://schemas.openxmlformats.org/officeDocument/2006/relationships" xmlns:p="http://schemas.openxmlformats.org/presentationml/2006/main">
   <p:cSld>
     <p:spTree>
@@ -19460,7 +16786,7 @@
               <a:pPr>
                 <a:defRPr/>
               </a:pPr>
-              <a:t>45</a:t>
+              <a:t>42</a:t>
             </a:fld>
             <a:endParaRPr lang="en-US" dirty="0"/>
           </a:p>
@@ -19486,7 +16812,7 @@
 </p:sld>
 </file>
 
-<file path=ppt/slides/slide46.xml><?xml version="1.0" encoding="utf-8"?>
+<file path=ppt/slides/slide43.xml><?xml version="1.0" encoding="utf-8"?>
 <p:sld xmlns:a="http://schemas.openxmlformats.org/drawingml/2006/main" xmlns:r="http://schemas.openxmlformats.org/officeDocument/2006/relationships" xmlns:p="http://schemas.openxmlformats.org/presentationml/2006/main">
   <p:cSld>
     <p:spTree>
@@ -19642,7 +16968,7 @@
               <a:pPr>
                 <a:defRPr/>
               </a:pPr>
-              <a:t>46</a:t>
+              <a:t>43</a:t>
             </a:fld>
             <a:endParaRPr lang="en-US" dirty="0"/>
           </a:p>
@@ -19668,7 +16994,7 @@
 </p:sld>
 </file>
 
-<file path=ppt/slides/slide47.xml><?xml version="1.0" encoding="utf-8"?>
+<file path=ppt/slides/slide44.xml><?xml version="1.0" encoding="utf-8"?>
 <p:sld xmlns:a="http://schemas.openxmlformats.org/drawingml/2006/main" xmlns:r="http://schemas.openxmlformats.org/officeDocument/2006/relationships" xmlns:p="http://schemas.openxmlformats.org/presentationml/2006/main">
   <p:cSld>
     <p:spTree>
@@ -19892,6 +17218,650 @@
 </p:sld>
 </file>
 
+<file path=ppt/slides/slide45.xml><?xml version="1.0" encoding="utf-8"?>
+<p:sld xmlns:a="http://schemas.openxmlformats.org/drawingml/2006/main" xmlns:r="http://schemas.openxmlformats.org/officeDocument/2006/relationships" xmlns:p="http://schemas.openxmlformats.org/presentationml/2006/main">
+  <p:cSld>
+    <p:spTree>
+      <p:nvGrpSpPr>
+        <p:cNvPr id="1" name=""/>
+        <p:cNvGrpSpPr/>
+        <p:nvPr/>
+      </p:nvGrpSpPr>
+      <p:grpSpPr>
+        <a:xfrm>
+          <a:off x="0" y="0"/>
+          <a:ext cx="0" cy="0"/>
+          <a:chOff x="0" y="0"/>
+          <a:chExt cx="0" cy="0"/>
+        </a:xfrm>
+      </p:grpSpPr>
+      <p:sp>
+        <p:nvSpPr>
+          <p:cNvPr id="2" name="Title 1"/>
+          <p:cNvSpPr>
+            <a:spLocks noGrp="1"/>
+          </p:cNvSpPr>
+          <p:nvPr>
+            <p:ph type="title"/>
+          </p:nvPr>
+        </p:nvSpPr>
+        <p:spPr/>
+        <p:txBody>
+          <a:bodyPr/>
+          <a:lstStyle/>
+          <a:p>
+            <a:r>
+              <a:rPr lang="en-US" dirty="0" smtClean="0"/>
+              <a:t>Telerik TeamPulse</a:t>
+            </a:r>
+            <a:endParaRPr lang="en-US" dirty="0"/>
+          </a:p>
+        </p:txBody>
+      </p:sp>
+      <p:sp>
+        <p:nvSpPr>
+          <p:cNvPr id="3" name="Content Placeholder 2"/>
+          <p:cNvSpPr>
+            <a:spLocks noGrp="1"/>
+          </p:cNvSpPr>
+          <p:nvPr>
+            <p:ph idx="1"/>
+          </p:nvPr>
+        </p:nvSpPr>
+        <p:spPr/>
+        <p:txBody>
+          <a:bodyPr/>
+          <a:lstStyle/>
+          <a:p>
+            <a:r>
+              <a:rPr lang="en-US" dirty="0"/>
+              <a:t>TeamPulse is </a:t>
+            </a:r>
+            <a:r>
+              <a:rPr lang="en-US" dirty="0" smtClean="0"/>
+              <a:t>an agile </a:t>
+            </a:r>
+            <a:r>
+              <a:rPr lang="en-US" dirty="0"/>
+              <a:t>project management </a:t>
+            </a:r>
+            <a:r>
+              <a:rPr lang="en-US" dirty="0" smtClean="0"/>
+              <a:t>solution</a:t>
+            </a:r>
+            <a:endParaRPr lang="en-US" dirty="0"/>
+          </a:p>
+          <a:p>
+            <a:pPr lvl="1"/>
+            <a:r>
+              <a:rPr lang="en-US" dirty="0"/>
+              <a:t>Requirements Management</a:t>
+            </a:r>
+          </a:p>
+          <a:p>
+            <a:pPr lvl="1"/>
+            <a:r>
+              <a:rPr lang="en-US" dirty="0"/>
+              <a:t>Bug Management</a:t>
+            </a:r>
+          </a:p>
+          <a:p>
+            <a:pPr lvl="1"/>
+            <a:r>
+              <a:rPr lang="en-US" dirty="0"/>
+              <a:t>Planning and Scheduling</a:t>
+            </a:r>
+          </a:p>
+          <a:p>
+            <a:pPr lvl="1"/>
+            <a:r>
+              <a:rPr lang="en-US" dirty="0" smtClean="0"/>
+              <a:t>Time Tracking</a:t>
+            </a:r>
+            <a:endParaRPr lang="en-US" dirty="0"/>
+          </a:p>
+          <a:p>
+            <a:pPr lvl="1"/>
+            <a:r>
+              <a:rPr lang="en-US" dirty="0"/>
+              <a:t>Ideas and Feedback Management</a:t>
+            </a:r>
+          </a:p>
+          <a:p>
+            <a:pPr lvl="1"/>
+            <a:r>
+              <a:rPr lang="en-US" dirty="0" smtClean="0"/>
+              <a:t>Filtering</a:t>
+            </a:r>
+            <a:endParaRPr lang="en-US" dirty="0"/>
+          </a:p>
+          <a:p>
+            <a:pPr lvl="1"/>
+            <a:r>
+              <a:rPr lang="en-US" dirty="0" smtClean="0"/>
+              <a:t>Reporting</a:t>
+            </a:r>
+            <a:endParaRPr lang="en-US" dirty="0"/>
+          </a:p>
+          <a:p>
+            <a:endParaRPr lang="en-US" dirty="0"/>
+          </a:p>
+        </p:txBody>
+      </p:sp>
+      <p:sp>
+        <p:nvSpPr>
+          <p:cNvPr id="4" name="Slide Number Placeholder 3"/>
+          <p:cNvSpPr>
+            <a:spLocks noGrp="1"/>
+          </p:cNvSpPr>
+          <p:nvPr>
+            <p:ph type="sldNum" sz="quarter" idx="10"/>
+          </p:nvPr>
+        </p:nvSpPr>
+        <p:spPr/>
+        <p:txBody>
+          <a:bodyPr/>
+          <a:lstStyle/>
+          <a:p>
+            <a:pPr>
+              <a:defRPr/>
+            </a:pPr>
+            <a:fld id="{58452FF4-89E3-4D1B-9927-2DBDC00E58D7}" type="slidenum">
+              <a:rPr lang="en-US" smtClean="0"/>
+              <a:pPr>
+                <a:defRPr/>
+              </a:pPr>
+              <a:t>45</a:t>
+            </a:fld>
+            <a:endParaRPr lang="en-US" dirty="0"/>
+          </a:p>
+        </p:txBody>
+      </p:sp>
+    </p:spTree>
+    <p:extLst>
+      <p:ext uri="{BB962C8B-B14F-4D97-AF65-F5344CB8AC3E}">
+        <p14:creationId xmlns:p14="http://schemas.microsoft.com/office/powerpoint/2010/main" val="2001098953"/>
+      </p:ext>
+    </p:extLst>
+  </p:cSld>
+  <p:clrMapOvr>
+    <a:masterClrMapping/>
+  </p:clrMapOvr>
+  <p:timing>
+    <p:tnLst>
+      <p:par>
+        <p:cTn id="1" dur="indefinite" restart="never" nodeType="tmRoot"/>
+      </p:par>
+    </p:tnLst>
+  </p:timing>
+</p:sld>
+</file>
+
+<file path=ppt/slides/slide46.xml><?xml version="1.0" encoding="utf-8"?>
+<p:sld xmlns:a="http://schemas.openxmlformats.org/drawingml/2006/main" xmlns:r="http://schemas.openxmlformats.org/officeDocument/2006/relationships" xmlns:p="http://schemas.openxmlformats.org/presentationml/2006/main">
+  <p:cSld>
+    <p:spTree>
+      <p:nvGrpSpPr>
+        <p:cNvPr id="1" name=""/>
+        <p:cNvGrpSpPr/>
+        <p:nvPr/>
+      </p:nvGrpSpPr>
+      <p:grpSpPr>
+        <a:xfrm>
+          <a:off x="0" y="0"/>
+          <a:ext cx="0" cy="0"/>
+          <a:chOff x="0" y="0"/>
+          <a:chExt cx="0" cy="0"/>
+        </a:xfrm>
+      </p:grpSpPr>
+      <p:sp>
+        <p:nvSpPr>
+          <p:cNvPr id="2" name="Title 1"/>
+          <p:cNvSpPr>
+            <a:spLocks noGrp="1"/>
+          </p:cNvSpPr>
+          <p:nvPr>
+            <p:ph type="title"/>
+          </p:nvPr>
+        </p:nvSpPr>
+        <p:spPr/>
+        <p:txBody>
+          <a:bodyPr/>
+          <a:lstStyle/>
+          <a:p>
+            <a:r>
+              <a:rPr lang="en-US" dirty="0" smtClean="0"/>
+              <a:t>TeamPulse Demo</a:t>
+            </a:r>
+            <a:endParaRPr lang="en-US" dirty="0"/>
+          </a:p>
+        </p:txBody>
+      </p:sp>
+      <p:sp>
+        <p:nvSpPr>
+          <p:cNvPr id="3" name="Content Placeholder 2"/>
+          <p:cNvSpPr>
+            <a:spLocks noGrp="1"/>
+          </p:cNvSpPr>
+          <p:nvPr>
+            <p:ph idx="1"/>
+          </p:nvPr>
+        </p:nvSpPr>
+        <p:spPr/>
+        <p:txBody>
+          <a:bodyPr/>
+          <a:lstStyle/>
+          <a:p>
+            <a:pPr>
+              <a:lnSpc>
+                <a:spcPct val="100000"/>
+              </a:lnSpc>
+            </a:pPr>
+            <a:r>
+              <a:rPr lang="en-US" dirty="0"/>
+              <a:t>Login</a:t>
+            </a:r>
+          </a:p>
+          <a:p>
+            <a:pPr>
+              <a:lnSpc>
+                <a:spcPct val="100000"/>
+              </a:lnSpc>
+            </a:pPr>
+            <a:r>
+              <a:rPr lang="en-US" dirty="0" smtClean="0"/>
+              <a:t>Setup </a:t>
+            </a:r>
+            <a:r>
+              <a:rPr lang="en-US" dirty="0"/>
+              <a:t>a new Project</a:t>
+            </a:r>
+          </a:p>
+          <a:p>
+            <a:pPr>
+              <a:lnSpc>
+                <a:spcPct val="100000"/>
+              </a:lnSpc>
+            </a:pPr>
+            <a:r>
+              <a:rPr lang="en-US" dirty="0"/>
+              <a:t>Enter a new </a:t>
+            </a:r>
+            <a:r>
+              <a:rPr lang="en-US" dirty="0" smtClean="0"/>
+              <a:t>work item (Story/Task, Bug, Issue, Risk, Feedback)</a:t>
+            </a:r>
+            <a:endParaRPr lang="en-US" dirty="0"/>
+          </a:p>
+          <a:p>
+            <a:pPr>
+              <a:lnSpc>
+                <a:spcPct val="100000"/>
+              </a:lnSpc>
+            </a:pPr>
+            <a:r>
+              <a:rPr lang="en-US" dirty="0" smtClean="0"/>
+              <a:t>Manage work items</a:t>
+            </a:r>
+            <a:endParaRPr lang="en-US" dirty="0"/>
+          </a:p>
+          <a:p>
+            <a:pPr>
+              <a:lnSpc>
+                <a:spcPct val="100000"/>
+              </a:lnSpc>
+            </a:pPr>
+            <a:r>
+              <a:rPr lang="en-US" dirty="0"/>
+              <a:t>Resolve and Close</a:t>
+            </a:r>
+          </a:p>
+          <a:p>
+            <a:pPr>
+              <a:lnSpc>
+                <a:spcPct val="100000"/>
+              </a:lnSpc>
+            </a:pPr>
+            <a:r>
+              <a:rPr lang="en-US" dirty="0"/>
+              <a:t>Search, Reports, </a:t>
+            </a:r>
+            <a:r>
+              <a:rPr lang="en-US" dirty="0" smtClean="0"/>
+              <a:t>Email notifications, </a:t>
+            </a:r>
+            <a:r>
+              <a:rPr lang="en-US" dirty="0"/>
+              <a:t>etc.</a:t>
+            </a:r>
+          </a:p>
+          <a:p>
+            <a:endParaRPr lang="en-US" dirty="0"/>
+          </a:p>
+        </p:txBody>
+      </p:sp>
+      <p:sp>
+        <p:nvSpPr>
+          <p:cNvPr id="4" name="Slide Number Placeholder 3"/>
+          <p:cNvSpPr>
+            <a:spLocks noGrp="1"/>
+          </p:cNvSpPr>
+          <p:nvPr>
+            <p:ph type="sldNum" sz="quarter" idx="10"/>
+          </p:nvPr>
+        </p:nvSpPr>
+        <p:spPr/>
+        <p:txBody>
+          <a:bodyPr/>
+          <a:lstStyle/>
+          <a:p>
+            <a:pPr>
+              <a:defRPr/>
+            </a:pPr>
+            <a:fld id="{58452FF4-89E3-4D1B-9927-2DBDC00E58D7}" type="slidenum">
+              <a:rPr lang="en-US" smtClean="0"/>
+              <a:pPr>
+                <a:defRPr/>
+              </a:pPr>
+              <a:t>46</a:t>
+            </a:fld>
+            <a:endParaRPr lang="en-US" dirty="0"/>
+          </a:p>
+        </p:txBody>
+      </p:sp>
+    </p:spTree>
+    <p:extLst>
+      <p:ext uri="{BB962C8B-B14F-4D97-AF65-F5344CB8AC3E}">
+        <p14:creationId xmlns:p14="http://schemas.microsoft.com/office/powerpoint/2010/main" val="2797439668"/>
+      </p:ext>
+    </p:extLst>
+  </p:cSld>
+  <p:clrMapOvr>
+    <a:masterClrMapping/>
+  </p:clrMapOvr>
+  <p:timing>
+    <p:tnLst>
+      <p:par>
+        <p:cTn id="1" dur="indefinite" restart="never" nodeType="tmRoot"/>
+      </p:par>
+    </p:tnLst>
+  </p:timing>
+</p:sld>
+</file>
+
+<file path=ppt/slides/slide47.xml><?xml version="1.0" encoding="utf-8"?>
+<p:sld xmlns:a="http://schemas.openxmlformats.org/drawingml/2006/main" xmlns:r="http://schemas.openxmlformats.org/officeDocument/2006/relationships" xmlns:p="http://schemas.openxmlformats.org/presentationml/2006/main">
+  <p:cSld>
+    <p:spTree>
+      <p:nvGrpSpPr>
+        <p:cNvPr id="1" name=""/>
+        <p:cNvGrpSpPr/>
+        <p:nvPr/>
+      </p:nvGrpSpPr>
+      <p:grpSpPr>
+        <a:xfrm>
+          <a:off x="0" y="0"/>
+          <a:ext cx="0" cy="0"/>
+          <a:chOff x="0" y="0"/>
+          <a:chExt cx="0" cy="0"/>
+        </a:xfrm>
+      </p:grpSpPr>
+      <p:sp>
+        <p:nvSpPr>
+          <p:cNvPr id="2" name="Title 1"/>
+          <p:cNvSpPr>
+            <a:spLocks noGrp="1"/>
+          </p:cNvSpPr>
+          <p:nvPr>
+            <p:ph type="title"/>
+          </p:nvPr>
+        </p:nvSpPr>
+        <p:spPr/>
+        <p:txBody>
+          <a:bodyPr/>
+          <a:lstStyle/>
+          <a:p>
+            <a:r>
+              <a:rPr lang="en-US" dirty="0" smtClean="0"/>
+              <a:t>JIRA</a:t>
+            </a:r>
+            <a:endParaRPr lang="en-US" dirty="0"/>
+          </a:p>
+        </p:txBody>
+      </p:sp>
+      <p:sp>
+        <p:nvSpPr>
+          <p:cNvPr id="3" name="Content Placeholder 2"/>
+          <p:cNvSpPr>
+            <a:spLocks noGrp="1"/>
+          </p:cNvSpPr>
+          <p:nvPr>
+            <p:ph idx="1"/>
+          </p:nvPr>
+        </p:nvSpPr>
+        <p:spPr/>
+        <p:txBody>
+          <a:bodyPr/>
+          <a:lstStyle/>
+          <a:p>
+            <a:r>
+              <a:rPr lang="en-US" dirty="0" smtClean="0"/>
+              <a:t>What is JIRA?</a:t>
+            </a:r>
+          </a:p>
+          <a:p>
+            <a:pPr lvl="1"/>
+            <a:r>
+              <a:rPr lang="en-US" dirty="0" smtClean="0"/>
+              <a:t>A </a:t>
+            </a:r>
+            <a:r>
+              <a:rPr lang="en-US" dirty="0"/>
+              <a:t>proprietary issue tracking product, </a:t>
+            </a:r>
+            <a:endParaRPr lang="en-US" dirty="0" smtClean="0"/>
+          </a:p>
+          <a:p>
+            <a:pPr lvl="1"/>
+            <a:r>
+              <a:rPr lang="en-US" dirty="0"/>
+              <a:t>D</a:t>
+            </a:r>
+            <a:r>
+              <a:rPr lang="en-US" dirty="0" smtClean="0"/>
+              <a:t>eveloped </a:t>
+            </a:r>
+            <a:r>
+              <a:rPr lang="en-US" dirty="0"/>
+              <a:t>by </a:t>
+            </a:r>
+            <a:r>
+              <a:rPr lang="en-US" dirty="0" smtClean="0"/>
+              <a:t>Atlassian</a:t>
+            </a:r>
+          </a:p>
+          <a:p>
+            <a:pPr lvl="1"/>
+            <a:r>
+              <a:rPr lang="en-US" dirty="0"/>
+              <a:t>U</a:t>
+            </a:r>
+            <a:r>
+              <a:rPr lang="en-US" dirty="0" smtClean="0"/>
+              <a:t>sed </a:t>
+            </a:r>
+            <a:r>
+              <a:rPr lang="en-US" dirty="0"/>
+              <a:t>for </a:t>
+            </a:r>
+            <a:endParaRPr lang="en-US" dirty="0" smtClean="0"/>
+          </a:p>
+          <a:p>
+            <a:pPr lvl="2"/>
+            <a:r>
+              <a:rPr lang="en-US" dirty="0"/>
+              <a:t>B</a:t>
+            </a:r>
+            <a:r>
+              <a:rPr lang="en-US" dirty="0" smtClean="0"/>
+              <a:t>ug tracking</a:t>
+            </a:r>
+          </a:p>
+          <a:p>
+            <a:pPr lvl="2"/>
+            <a:r>
+              <a:rPr lang="en-US" dirty="0"/>
+              <a:t>I</a:t>
+            </a:r>
+            <a:r>
+              <a:rPr lang="en-US" dirty="0" smtClean="0"/>
+              <a:t>ssue tracking</a:t>
+            </a:r>
+          </a:p>
+          <a:p>
+            <a:pPr lvl="2"/>
+            <a:r>
+              <a:rPr lang="en-US" dirty="0"/>
+              <a:t>P</a:t>
+            </a:r>
+            <a:r>
+              <a:rPr lang="en-US" dirty="0" smtClean="0"/>
+              <a:t>roject management</a:t>
+            </a:r>
+          </a:p>
+          <a:p>
+            <a:pPr lvl="1"/>
+            <a:r>
+              <a:rPr lang="en-US" dirty="0">
+                <a:hlinkClick r:id="rId2"/>
+              </a:rPr>
+              <a:t>http://www.atlassian.com/software/jira/</a:t>
+            </a:r>
+            <a:endParaRPr lang="en-US" dirty="0"/>
+          </a:p>
+        </p:txBody>
+      </p:sp>
+      <p:sp>
+        <p:nvSpPr>
+          <p:cNvPr id="4" name="Slide Number Placeholder 3"/>
+          <p:cNvSpPr>
+            <a:spLocks noGrp="1"/>
+          </p:cNvSpPr>
+          <p:nvPr>
+            <p:ph type="sldNum" sz="quarter" idx="10"/>
+          </p:nvPr>
+        </p:nvSpPr>
+        <p:spPr/>
+        <p:txBody>
+          <a:bodyPr/>
+          <a:lstStyle/>
+          <a:p>
+            <a:pPr>
+              <a:defRPr/>
+            </a:pPr>
+            <a:fld id="{58452FF4-89E3-4D1B-9927-2DBDC00E58D7}" type="slidenum">
+              <a:rPr lang="en-US" smtClean="0"/>
+              <a:pPr>
+                <a:defRPr/>
+              </a:pPr>
+              <a:t>47</a:t>
+            </a:fld>
+            <a:endParaRPr lang="en-US" dirty="0"/>
+          </a:p>
+        </p:txBody>
+      </p:sp>
+      <p:pic>
+        <p:nvPicPr>
+          <p:cNvPr id="1029" name="Picture 5"/>
+          <p:cNvPicPr>
+            <a:picLocks noChangeAspect="1" noChangeArrowheads="1"/>
+          </p:cNvPicPr>
+          <p:nvPr/>
+        </p:nvPicPr>
+        <p:blipFill>
+          <a:blip r:embed="rId3">
+            <a:extLst>
+              <a:ext uri="{28A0092B-C50C-407E-A947-70E740481C1C}">
+                <a14:useLocalDpi xmlns:a14="http://schemas.microsoft.com/office/drawing/2010/main" val="0"/>
+              </a:ext>
+            </a:extLst>
+          </a:blip>
+          <a:srcRect/>
+          <a:stretch>
+            <a:fillRect/>
+          </a:stretch>
+        </p:blipFill>
+        <p:spPr bwMode="auto">
+          <a:xfrm>
+            <a:off x="5410200" y="3200400"/>
+            <a:ext cx="3247401" cy="1445812"/>
+          </a:xfrm>
+          <a:prstGeom prst="rect">
+            <a:avLst/>
+          </a:prstGeom>
+          <a:noFill/>
+          <a:ln>
+            <a:noFill/>
+          </a:ln>
+          <a:effectLst>
+            <a:glow rad="101600">
+              <a:schemeClr val="tx1">
+                <a:alpha val="40000"/>
+              </a:schemeClr>
+            </a:glow>
+            <a:outerShdw dist="35921" dir="2700000" algn="ctr" rotWithShape="0">
+              <a:schemeClr val="bg2"/>
+            </a:outerShdw>
+          </a:effectLst>
+          <a:extLst>
+            <a:ext uri="{909E8E84-426E-40DD-AFC4-6F175D3DCCD1}">
+              <a14:hiddenFill xmlns:a14="http://schemas.microsoft.com/office/drawing/2010/main">
+                <a:solidFill>
+                  <a:schemeClr val="accent1"/>
+                </a:solidFill>
+              </a14:hiddenFill>
+            </a:ext>
+            <a:ext uri="{91240B29-F687-4F45-9708-019B960494DF}">
+              <a14:hiddenLine xmlns:a14="http://schemas.microsoft.com/office/drawing/2010/main" w="9525">
+                <a:solidFill>
+                  <a:schemeClr val="tx1"/>
+                </a:solidFill>
+                <a:miter lim="800000"/>
+                <a:headEnd/>
+                <a:tailEnd/>
+              </a14:hiddenLine>
+            </a:ext>
+          </a:extLst>
+        </p:spPr>
+      </p:pic>
+    </p:spTree>
+    <p:extLst>
+      <p:ext uri="{BB962C8B-B14F-4D97-AF65-F5344CB8AC3E}">
+        <p14:creationId xmlns:p14="http://schemas.microsoft.com/office/powerpoint/2010/main" val="3396315754"/>
+      </p:ext>
+    </p:extLst>
+  </p:cSld>
+  <p:clrMapOvr>
+    <a:masterClrMapping/>
+  </p:clrMapOvr>
+  <mc:AlternateContent xmlns:mc="http://schemas.openxmlformats.org/markup-compatibility/2006" xmlns:p14="http://schemas.microsoft.com/office/powerpoint/2010/main">
+    <mc:Choice Requires="p14">
+      <p:transition spd="slow" p14:dur="2000"/>
+    </mc:Choice>
+    <mc:Fallback xmlns="">
+      <p:transition spd="slow"/>
+    </mc:Fallback>
+  </mc:AlternateContent>
+  <p:timing>
+    <p:tnLst>
+      <p:par>
+        <p:cTn id="1" dur="indefinite" restart="never" nodeType="tmRoot"/>
+      </p:par>
+    </p:tnLst>
+  </p:timing>
+</p:sld>
+</file>
+
 <file path=ppt/slides/slide48.xml><?xml version="1.0" encoding="utf-8"?>
 <p:sld xmlns:a="http://schemas.openxmlformats.org/drawingml/2006/main" xmlns:r="http://schemas.openxmlformats.org/officeDocument/2006/relationships" xmlns:p="http://schemas.openxmlformats.org/presentationml/2006/main">
   <p:cSld>
@@ -19919,14 +17889,19 @@
             <p:ph type="title"/>
           </p:nvPr>
         </p:nvSpPr>
-        <p:spPr/>
+        <p:spPr>
+          <a:xfrm>
+            <a:off x="2895600" y="685800"/>
+            <a:ext cx="3352800" cy="914400"/>
+          </a:xfrm>
+        </p:spPr>
         <p:txBody>
           <a:bodyPr/>
           <a:lstStyle/>
           <a:p>
             <a:r>
               <a:rPr lang="en-US" dirty="0" smtClean="0"/>
-              <a:t>Telerik TeamPulse</a:t>
+              <a:t>JIRA - Demo</a:t>
             </a:r>
             <a:endParaRPr lang="en-US" dirty="0"/>
           </a:p>
@@ -19942,83 +17917,110 @@
             <p:ph idx="1"/>
           </p:nvPr>
         </p:nvSpPr>
-        <p:spPr/>
+        <p:spPr>
+          <a:xfrm>
+            <a:off x="228600" y="1524000"/>
+            <a:ext cx="4724400" cy="4648200"/>
+          </a:xfrm>
+        </p:spPr>
         <p:txBody>
           <a:bodyPr/>
           <a:lstStyle/>
           <a:p>
-            <a:r>
-              <a:rPr lang="en-US" dirty="0"/>
-              <a:t>TeamPulse is </a:t>
-            </a:r>
-            <a:r>
-              <a:rPr lang="en-US" dirty="0" smtClean="0"/>
-              <a:t>an agile </a:t>
-            </a:r>
-            <a:r>
-              <a:rPr lang="en-US" dirty="0"/>
-              <a:t>project management </a:t>
-            </a:r>
-            <a:r>
-              <a:rPr lang="en-US" dirty="0" smtClean="0"/>
-              <a:t>solution</a:t>
-            </a:r>
-            <a:endParaRPr lang="en-US" dirty="0"/>
-          </a:p>
-          <a:p>
-            <a:pPr lvl="1"/>
-            <a:r>
-              <a:rPr lang="en-US" dirty="0"/>
-              <a:t>Requirements Management</a:t>
-            </a:r>
-          </a:p>
-          <a:p>
-            <a:pPr lvl="1"/>
-            <a:r>
-              <a:rPr lang="en-US" dirty="0"/>
-              <a:t>Bug Management</a:t>
-            </a:r>
-          </a:p>
-          <a:p>
-            <a:pPr lvl="1"/>
-            <a:r>
-              <a:rPr lang="en-US" dirty="0"/>
-              <a:t>Planning and Scheduling</a:t>
-            </a:r>
-          </a:p>
-          <a:p>
-            <a:pPr lvl="1"/>
-            <a:r>
-              <a:rPr lang="en-US" dirty="0" smtClean="0"/>
-              <a:t>Time Tracking</a:t>
-            </a:r>
-            <a:endParaRPr lang="en-US" dirty="0"/>
-          </a:p>
-          <a:p>
-            <a:pPr lvl="1"/>
-            <a:r>
-              <a:rPr lang="en-US" dirty="0"/>
-              <a:t>Ideas and Feedback Management</a:t>
-            </a:r>
-          </a:p>
-          <a:p>
-            <a:pPr lvl="1"/>
-            <a:r>
-              <a:rPr lang="en-US" dirty="0" smtClean="0"/>
-              <a:t>Filtering</a:t>
-            </a:r>
-            <a:endParaRPr lang="en-US" dirty="0"/>
-          </a:p>
-          <a:p>
-            <a:pPr lvl="1"/>
-            <a:r>
-              <a:rPr lang="en-US" dirty="0" smtClean="0"/>
-              <a:t>Reporting</a:t>
-            </a:r>
-            <a:endParaRPr lang="en-US" dirty="0"/>
-          </a:p>
-          <a:p>
-            <a:endParaRPr lang="en-US" dirty="0"/>
+            <a:pPr>
+              <a:lnSpc>
+                <a:spcPct val="100000"/>
+              </a:lnSpc>
+            </a:pPr>
+            <a:r>
+              <a:rPr lang="en-US" sz="2800" dirty="0"/>
+              <a:t>Login</a:t>
+            </a:r>
+          </a:p>
+          <a:p>
+            <a:pPr>
+              <a:lnSpc>
+                <a:spcPct val="100000"/>
+              </a:lnSpc>
+            </a:pPr>
+            <a:r>
+              <a:rPr lang="en-US" sz="2800" dirty="0"/>
+              <a:t>Manage Dashboard</a:t>
+            </a:r>
+          </a:p>
+          <a:p>
+            <a:pPr>
+              <a:lnSpc>
+                <a:spcPct val="100000"/>
+              </a:lnSpc>
+            </a:pPr>
+            <a:r>
+              <a:rPr lang="en-US" sz="2800" dirty="0"/>
+              <a:t>Enter a new Project</a:t>
+            </a:r>
+          </a:p>
+          <a:p>
+            <a:pPr>
+              <a:lnSpc>
+                <a:spcPct val="100000"/>
+              </a:lnSpc>
+            </a:pPr>
+            <a:r>
+              <a:rPr lang="en-US" sz="2800" dirty="0"/>
+              <a:t>Enter a new Component</a:t>
+            </a:r>
+          </a:p>
+          <a:p>
+            <a:pPr>
+              <a:lnSpc>
+                <a:spcPct val="100000"/>
+              </a:lnSpc>
+            </a:pPr>
+            <a:r>
+              <a:rPr lang="en-US" sz="2800" dirty="0"/>
+              <a:t>Enter a Defect</a:t>
+            </a:r>
+          </a:p>
+          <a:p>
+            <a:pPr>
+              <a:lnSpc>
+                <a:spcPct val="100000"/>
+              </a:lnSpc>
+            </a:pPr>
+            <a:r>
+              <a:rPr lang="en-US" sz="2800" dirty="0"/>
+              <a:t>Manage Defect</a:t>
+            </a:r>
+          </a:p>
+          <a:p>
+            <a:pPr>
+              <a:lnSpc>
+                <a:spcPct val="100000"/>
+              </a:lnSpc>
+            </a:pPr>
+            <a:r>
+              <a:rPr lang="en-US" sz="2800" dirty="0"/>
+              <a:t>Resolve and Close</a:t>
+            </a:r>
+          </a:p>
+          <a:p>
+            <a:pPr>
+              <a:lnSpc>
+                <a:spcPct val="100000"/>
+              </a:lnSpc>
+            </a:pPr>
+            <a:r>
+              <a:rPr lang="en-US" sz="2800" dirty="0"/>
+              <a:t>Search, Reports, Email, </a:t>
+            </a:r>
+            <a:r>
+              <a:rPr lang="en-US" sz="2800" dirty="0" smtClean="0"/>
+              <a:t>etc</a:t>
+            </a:r>
+            <a:r>
+              <a:rPr lang="en-US" sz="2800" dirty="0"/>
+              <a:t>.</a:t>
+            </a:r>
           </a:p>
         </p:txBody>
       </p:sp>
@@ -20051,16 +18053,88 @@
           </a:p>
         </p:txBody>
       </p:sp>
+      <p:pic>
+        <p:nvPicPr>
+          <p:cNvPr id="30722" name="Picture 2"/>
+          <p:cNvPicPr>
+            <a:picLocks noChangeAspect="1" noChangeArrowheads="1"/>
+          </p:cNvPicPr>
+          <p:nvPr/>
+        </p:nvPicPr>
+        <p:blipFill>
+          <a:blip r:embed="rId2" cstate="print">
+            <a:extLst>
+              <a:ext uri="{28A0092B-C50C-407E-A947-70E740481C1C}">
+                <a14:useLocalDpi xmlns:a14="http://schemas.microsoft.com/office/drawing/2010/main" val="0"/>
+              </a:ext>
+            </a:extLst>
+          </a:blip>
+          <a:srcRect/>
+          <a:stretch>
+            <a:fillRect/>
+          </a:stretch>
+        </p:blipFill>
+        <p:spPr bwMode="auto">
+          <a:xfrm>
+            <a:off x="5105400" y="2590800"/>
+            <a:ext cx="3510884" cy="2819400"/>
+          </a:xfrm>
+          <a:prstGeom prst="rect">
+            <a:avLst/>
+          </a:prstGeom>
+          <a:noFill/>
+          <a:ln>
+            <a:noFill/>
+          </a:ln>
+          <a:effectLst>
+            <a:glow rad="101600">
+              <a:schemeClr val="tx1">
+                <a:alpha val="40000"/>
+              </a:schemeClr>
+            </a:glow>
+            <a:outerShdw dist="35921" dir="2700000" algn="ctr" rotWithShape="0">
+              <a:schemeClr val="bg2"/>
+            </a:outerShdw>
+          </a:effectLst>
+          <a:extLst>
+            <a:ext uri="{909E8E84-426E-40DD-AFC4-6F175D3DCCD1}">
+              <a14:hiddenFill xmlns:a14="http://schemas.microsoft.com/office/drawing/2010/main">
+                <a:solidFill>
+                  <a:schemeClr val="accent1"/>
+                </a:solidFill>
+              </a14:hiddenFill>
+            </a:ext>
+            <a:ext uri="{91240B29-F687-4F45-9708-019B960494DF}">
+              <a14:hiddenLine xmlns:a14="http://schemas.microsoft.com/office/drawing/2010/main" w="9525">
+                <a:solidFill>
+                  <a:schemeClr val="tx1"/>
+                </a:solidFill>
+                <a:miter lim="800000"/>
+                <a:headEnd/>
+                <a:tailEnd/>
+              </a14:hiddenLine>
+            </a:ext>
+          </a:extLst>
+        </p:spPr>
+      </p:pic>
     </p:spTree>
     <p:extLst>
       <p:ext uri="{BB962C8B-B14F-4D97-AF65-F5344CB8AC3E}">
-        <p14:creationId xmlns:p14="http://schemas.microsoft.com/office/powerpoint/2010/main" val="2001098953"/>
+        <p14:creationId xmlns:p14="http://schemas.microsoft.com/office/powerpoint/2010/main" val="4236040625"/>
       </p:ext>
     </p:extLst>
   </p:cSld>
   <p:clrMapOvr>
     <a:masterClrMapping/>
   </p:clrMapOvr>
+  <mc:AlternateContent xmlns:mc="http://schemas.openxmlformats.org/markup-compatibility/2006" xmlns:p14="http://schemas.microsoft.com/office/powerpoint/2010/main">
+    <mc:Choice Requires="p14">
+      <p:transition spd="slow" p14:dur="2000"/>
+    </mc:Choice>
+    <mc:Fallback xmlns="">
+      <p:transition spd="slow"/>
+    </mc:Fallback>
+  </mc:AlternateContent>
   <p:timing>
     <p:tnLst>
       <p:par>
@@ -20104,8 +18178,12 @@
           <a:lstStyle/>
           <a:p>
             <a:r>
-              <a:rPr lang="en-US" dirty="0" smtClean="0"/>
-              <a:t>TeamPulse Demo</a:t>
+              <a:rPr lang="en-US" dirty="0"/>
+              <a:t>B</a:t>
+            </a:r>
+            <a:r>
+              <a:rPr lang="en-US" dirty="0" smtClean="0"/>
+              <a:t>ugzilla</a:t>
             </a:r>
             <a:endParaRPr lang="en-US" dirty="0"/>
           </a:p>
@@ -20126,90 +18204,41 @@
           <a:bodyPr/>
           <a:lstStyle/>
           <a:p>
-            <a:pPr>
-              <a:lnSpc>
-                <a:spcPct val="100000"/>
-              </a:lnSpc>
-            </a:pPr>
+            <a:r>
+              <a:rPr lang="en-US" dirty="0" smtClean="0"/>
+              <a:t>What is Bugzilla?</a:t>
+            </a:r>
+          </a:p>
+          <a:p>
+            <a:pPr lvl="1"/>
+            <a:r>
+              <a:rPr lang="en-US" dirty="0" smtClean="0"/>
+              <a:t>Web-based bugtracker</a:t>
+            </a:r>
+          </a:p>
+          <a:p>
+            <a:pPr lvl="1"/>
+            <a:r>
+              <a:rPr lang="en-US" dirty="0" smtClean="0"/>
+              <a:t>Originally </a:t>
+            </a:r>
             <a:r>
               <a:rPr lang="en-US" dirty="0"/>
-              <a:t>Login</a:t>
-            </a:r>
-          </a:p>
-          <a:p>
-            <a:pPr>
-              <a:lnSpc>
-                <a:spcPct val="100000"/>
-              </a:lnSpc>
-            </a:pPr>
-            <a:r>
-              <a:rPr lang="en-US" dirty="0" smtClean="0"/>
-              <a:t>Setup </a:t>
-            </a:r>
-            <a:r>
-              <a:rPr lang="en-US" dirty="0"/>
-              <a:t>a new Project</a:t>
-            </a:r>
-          </a:p>
-          <a:p>
-            <a:pPr>
-              <a:lnSpc>
-                <a:spcPct val="100000"/>
-              </a:lnSpc>
-            </a:pPr>
-            <a:r>
-              <a:rPr lang="en-US" dirty="0"/>
-              <a:t>Enter a new </a:t>
-            </a:r>
-            <a:r>
-              <a:rPr lang="en-US" dirty="0" smtClean="0"/>
-              <a:t>work item (Story/Task, Bug, Issue, Risk, Feedback)</a:t>
-            </a:r>
-            <a:endParaRPr lang="en-US" dirty="0"/>
-          </a:p>
-          <a:p>
-            <a:pPr>
-              <a:lnSpc>
-                <a:spcPct val="100000"/>
-              </a:lnSpc>
-            </a:pPr>
-            <a:r>
-              <a:rPr lang="en-US" dirty="0" smtClean="0"/>
-              <a:t>Manage work items</a:t>
-            </a:r>
-            <a:endParaRPr lang="en-US" dirty="0"/>
-          </a:p>
-          <a:p>
-            <a:pPr>
-              <a:lnSpc>
-                <a:spcPct val="100000"/>
-              </a:lnSpc>
-            </a:pPr>
-            <a:r>
-              <a:rPr lang="en-US" dirty="0"/>
-              <a:t>Resolve and Close</a:t>
-            </a:r>
-          </a:p>
-          <a:p>
-            <a:pPr>
-              <a:lnSpc>
-                <a:spcPct val="100000"/>
-              </a:lnSpc>
-            </a:pPr>
-            <a:r>
-              <a:rPr lang="en-US" dirty="0"/>
-              <a:t>Search, Reports, </a:t>
-            </a:r>
-            <a:r>
-              <a:rPr lang="en-US" dirty="0" smtClean="0"/>
-              <a:t>Email notifications, </a:t>
-            </a:r>
-            <a:r>
-              <a:rPr lang="en-US" dirty="0"/>
-              <a:t>etc.</a:t>
-            </a:r>
-          </a:p>
-          <a:p>
+              <a:t>developed and used by the Mozilla </a:t>
+            </a:r>
+            <a:r>
+              <a:rPr lang="en-US" dirty="0" smtClean="0"/>
+              <a:t>project</a:t>
+            </a:r>
+          </a:p>
+          <a:p>
+            <a:pPr lvl="1"/>
+            <a:r>
+              <a:rPr lang="en-US" dirty="0">
+                <a:hlinkClick r:id="rId2"/>
+              </a:rPr>
+              <a:t>http://www.bugzilla.org/</a:t>
+            </a:r>
             <a:endParaRPr lang="en-US" dirty="0"/>
           </a:p>
         </p:txBody>
@@ -20243,16 +18272,88 @@
           </a:p>
         </p:txBody>
       </p:sp>
+      <p:pic>
+        <p:nvPicPr>
+          <p:cNvPr id="32770" name="Picture 2"/>
+          <p:cNvPicPr>
+            <a:picLocks noChangeAspect="1" noChangeArrowheads="1"/>
+          </p:cNvPicPr>
+          <p:nvPr/>
+        </p:nvPicPr>
+        <p:blipFill>
+          <a:blip r:embed="rId3">
+            <a:extLst>
+              <a:ext uri="{28A0092B-C50C-407E-A947-70E740481C1C}">
+                <a14:useLocalDpi xmlns:a14="http://schemas.microsoft.com/office/drawing/2010/main" val="0"/>
+              </a:ext>
+            </a:extLst>
+          </a:blip>
+          <a:srcRect/>
+          <a:stretch>
+            <a:fillRect/>
+          </a:stretch>
+        </p:blipFill>
+        <p:spPr bwMode="auto">
+          <a:xfrm>
+            <a:off x="3402249" y="4267200"/>
+            <a:ext cx="2339502" cy="2228850"/>
+          </a:xfrm>
+          <a:prstGeom prst="rect">
+            <a:avLst/>
+          </a:prstGeom>
+          <a:noFill/>
+          <a:ln>
+            <a:noFill/>
+          </a:ln>
+          <a:effectLst>
+            <a:glow rad="101600">
+              <a:schemeClr val="tx1">
+                <a:alpha val="40000"/>
+              </a:schemeClr>
+            </a:glow>
+            <a:outerShdw dist="35921" dir="2700000" algn="ctr" rotWithShape="0">
+              <a:schemeClr val="bg2"/>
+            </a:outerShdw>
+          </a:effectLst>
+          <a:extLst>
+            <a:ext uri="{909E8E84-426E-40DD-AFC4-6F175D3DCCD1}">
+              <a14:hiddenFill xmlns:a14="http://schemas.microsoft.com/office/drawing/2010/main">
+                <a:solidFill>
+                  <a:schemeClr val="accent1"/>
+                </a:solidFill>
+              </a14:hiddenFill>
+            </a:ext>
+            <a:ext uri="{91240B29-F687-4F45-9708-019B960494DF}">
+              <a14:hiddenLine xmlns:a14="http://schemas.microsoft.com/office/drawing/2010/main" w="9525">
+                <a:solidFill>
+                  <a:schemeClr val="tx1"/>
+                </a:solidFill>
+                <a:miter lim="800000"/>
+                <a:headEnd/>
+                <a:tailEnd/>
+              </a14:hiddenLine>
+            </a:ext>
+          </a:extLst>
+        </p:spPr>
+      </p:pic>
     </p:spTree>
     <p:extLst>
       <p:ext uri="{BB962C8B-B14F-4D97-AF65-F5344CB8AC3E}">
-        <p14:creationId xmlns:p14="http://schemas.microsoft.com/office/powerpoint/2010/main" val="2797439668"/>
+        <p14:creationId xmlns:p14="http://schemas.microsoft.com/office/powerpoint/2010/main" val="1291341876"/>
       </p:ext>
     </p:extLst>
   </p:cSld>
   <p:clrMapOvr>
     <a:masterClrMapping/>
   </p:clrMapOvr>
+  <mc:AlternateContent xmlns:mc="http://schemas.openxmlformats.org/markup-compatibility/2006" xmlns:p14="http://schemas.microsoft.com/office/powerpoint/2010/main">
+    <mc:Choice Requires="p14">
+      <p:transition spd="slow" p14:dur="2000"/>
+    </mc:Choice>
+    <mc:Fallback xmlns="">
+      <p:transition spd="slow"/>
+    </mc:Fallback>
+  </mc:AlternateContent>
   <p:timing>
     <p:tnLst>
       <p:par>
@@ -20544,781 +18645,6 @@
             <a:spLocks noGrp="1"/>
           </p:cNvSpPr>
           <p:nvPr>
-            <p:ph type="title"/>
-          </p:nvPr>
-        </p:nvSpPr>
-        <p:spPr/>
-        <p:txBody>
-          <a:bodyPr/>
-          <a:lstStyle/>
-          <a:p>
-            <a:r>
-              <a:rPr lang="en-US" dirty="0" smtClean="0"/>
-              <a:t>JIRA</a:t>
-            </a:r>
-            <a:endParaRPr lang="en-US" dirty="0"/>
-          </a:p>
-        </p:txBody>
-      </p:sp>
-      <p:sp>
-        <p:nvSpPr>
-          <p:cNvPr id="3" name="Content Placeholder 2"/>
-          <p:cNvSpPr>
-            <a:spLocks noGrp="1"/>
-          </p:cNvSpPr>
-          <p:nvPr>
-            <p:ph idx="1"/>
-          </p:nvPr>
-        </p:nvSpPr>
-        <p:spPr/>
-        <p:txBody>
-          <a:bodyPr/>
-          <a:lstStyle/>
-          <a:p>
-            <a:r>
-              <a:rPr lang="en-US" dirty="0" smtClean="0"/>
-              <a:t>What is JIRA?</a:t>
-            </a:r>
-          </a:p>
-          <a:p>
-            <a:pPr lvl="1"/>
-            <a:r>
-              <a:rPr lang="en-US" dirty="0" smtClean="0"/>
-              <a:t>A </a:t>
-            </a:r>
-            <a:r>
-              <a:rPr lang="en-US" dirty="0"/>
-              <a:t>proprietary issue tracking product, </a:t>
-            </a:r>
-            <a:endParaRPr lang="en-US" dirty="0" smtClean="0"/>
-          </a:p>
-          <a:p>
-            <a:pPr lvl="1"/>
-            <a:r>
-              <a:rPr lang="en-US" dirty="0"/>
-              <a:t>D</a:t>
-            </a:r>
-            <a:r>
-              <a:rPr lang="en-US" dirty="0" smtClean="0"/>
-              <a:t>eveloped </a:t>
-            </a:r>
-            <a:r>
-              <a:rPr lang="en-US" dirty="0"/>
-              <a:t>by </a:t>
-            </a:r>
-            <a:r>
-              <a:rPr lang="en-US" dirty="0" smtClean="0"/>
-              <a:t>Atlassian</a:t>
-            </a:r>
-          </a:p>
-          <a:p>
-            <a:pPr lvl="1"/>
-            <a:r>
-              <a:rPr lang="en-US" dirty="0"/>
-              <a:t>U</a:t>
-            </a:r>
-            <a:r>
-              <a:rPr lang="en-US" dirty="0" smtClean="0"/>
-              <a:t>sed </a:t>
-            </a:r>
-            <a:r>
-              <a:rPr lang="en-US" dirty="0"/>
-              <a:t>for </a:t>
-            </a:r>
-            <a:endParaRPr lang="en-US" dirty="0" smtClean="0"/>
-          </a:p>
-          <a:p>
-            <a:pPr lvl="2"/>
-            <a:r>
-              <a:rPr lang="en-US" dirty="0"/>
-              <a:t>B</a:t>
-            </a:r>
-            <a:r>
-              <a:rPr lang="en-US" dirty="0" smtClean="0"/>
-              <a:t>ug tracking</a:t>
-            </a:r>
-          </a:p>
-          <a:p>
-            <a:pPr lvl="2"/>
-            <a:r>
-              <a:rPr lang="en-US" dirty="0"/>
-              <a:t>I</a:t>
-            </a:r>
-            <a:r>
-              <a:rPr lang="en-US" dirty="0" smtClean="0"/>
-              <a:t>ssue tracking</a:t>
-            </a:r>
-          </a:p>
-          <a:p>
-            <a:pPr lvl="2"/>
-            <a:r>
-              <a:rPr lang="en-US" dirty="0"/>
-              <a:t>P</a:t>
-            </a:r>
-            <a:r>
-              <a:rPr lang="en-US" dirty="0" smtClean="0"/>
-              <a:t>roject management</a:t>
-            </a:r>
-          </a:p>
-          <a:p>
-            <a:pPr lvl="1"/>
-            <a:r>
-              <a:rPr lang="en-US" dirty="0">
-                <a:hlinkClick r:id="rId2"/>
-              </a:rPr>
-              <a:t>http://www.atlassian.com/software/jira/</a:t>
-            </a:r>
-            <a:endParaRPr lang="en-US" dirty="0"/>
-          </a:p>
-        </p:txBody>
-      </p:sp>
-      <p:sp>
-        <p:nvSpPr>
-          <p:cNvPr id="4" name="Slide Number Placeholder 3"/>
-          <p:cNvSpPr>
-            <a:spLocks noGrp="1"/>
-          </p:cNvSpPr>
-          <p:nvPr>
-            <p:ph type="sldNum" sz="quarter" idx="10"/>
-          </p:nvPr>
-        </p:nvSpPr>
-        <p:spPr/>
-        <p:txBody>
-          <a:bodyPr/>
-          <a:lstStyle/>
-          <a:p>
-            <a:pPr>
-              <a:defRPr/>
-            </a:pPr>
-            <a:fld id="{58452FF4-89E3-4D1B-9927-2DBDC00E58D7}" type="slidenum">
-              <a:rPr lang="en-US" smtClean="0"/>
-              <a:pPr>
-                <a:defRPr/>
-              </a:pPr>
-              <a:t>50</a:t>
-            </a:fld>
-            <a:endParaRPr lang="en-US" dirty="0"/>
-          </a:p>
-        </p:txBody>
-      </p:sp>
-      <p:pic>
-        <p:nvPicPr>
-          <p:cNvPr id="1029" name="Picture 5"/>
-          <p:cNvPicPr>
-            <a:picLocks noChangeAspect="1" noChangeArrowheads="1"/>
-          </p:cNvPicPr>
-          <p:nvPr/>
-        </p:nvPicPr>
-        <p:blipFill>
-          <a:blip r:embed="rId3">
-            <a:extLst>
-              <a:ext uri="{28A0092B-C50C-407E-A947-70E740481C1C}">
-                <a14:useLocalDpi xmlns:a14="http://schemas.microsoft.com/office/drawing/2010/main" val="0"/>
-              </a:ext>
-            </a:extLst>
-          </a:blip>
-          <a:srcRect/>
-          <a:stretch>
-            <a:fillRect/>
-          </a:stretch>
-        </p:blipFill>
-        <p:spPr bwMode="auto">
-          <a:xfrm>
-            <a:off x="5410200" y="3200400"/>
-            <a:ext cx="3247401" cy="1445812"/>
-          </a:xfrm>
-          <a:prstGeom prst="rect">
-            <a:avLst/>
-          </a:prstGeom>
-          <a:noFill/>
-          <a:ln>
-            <a:noFill/>
-          </a:ln>
-          <a:effectLst>
-            <a:glow rad="101600">
-              <a:schemeClr val="tx1">
-                <a:alpha val="40000"/>
-              </a:schemeClr>
-            </a:glow>
-            <a:outerShdw dist="35921" dir="2700000" algn="ctr" rotWithShape="0">
-              <a:schemeClr val="bg2"/>
-            </a:outerShdw>
-          </a:effectLst>
-          <a:extLst>
-            <a:ext uri="{909E8E84-426E-40DD-AFC4-6F175D3DCCD1}">
-              <a14:hiddenFill xmlns:a14="http://schemas.microsoft.com/office/drawing/2010/main">
-                <a:solidFill>
-                  <a:schemeClr val="accent1"/>
-                </a:solidFill>
-              </a14:hiddenFill>
-            </a:ext>
-            <a:ext uri="{91240B29-F687-4F45-9708-019B960494DF}">
-              <a14:hiddenLine xmlns:a14="http://schemas.microsoft.com/office/drawing/2010/main" w="9525">
-                <a:solidFill>
-                  <a:schemeClr val="tx1"/>
-                </a:solidFill>
-                <a:miter lim="800000"/>
-                <a:headEnd/>
-                <a:tailEnd/>
-              </a14:hiddenLine>
-            </a:ext>
-          </a:extLst>
-        </p:spPr>
-      </p:pic>
-    </p:spTree>
-    <p:extLst>
-      <p:ext uri="{BB962C8B-B14F-4D97-AF65-F5344CB8AC3E}">
-        <p14:creationId xmlns:p14="http://schemas.microsoft.com/office/powerpoint/2010/main" val="3396315754"/>
-      </p:ext>
-    </p:extLst>
-  </p:cSld>
-  <p:clrMapOvr>
-    <a:masterClrMapping/>
-  </p:clrMapOvr>
-  <mc:AlternateContent xmlns:mc="http://schemas.openxmlformats.org/markup-compatibility/2006" xmlns:p14="http://schemas.microsoft.com/office/powerpoint/2010/main">
-    <mc:Choice Requires="p14">
-      <p:transition spd="slow" p14:dur="2000"/>
-    </mc:Choice>
-    <mc:Fallback xmlns="">
-      <p:transition spd="slow"/>
-    </mc:Fallback>
-  </mc:AlternateContent>
-  <p:timing>
-    <p:tnLst>
-      <p:par>
-        <p:cTn id="1" dur="indefinite" restart="never" nodeType="tmRoot"/>
-      </p:par>
-    </p:tnLst>
-  </p:timing>
-</p:sld>
-</file>
-
-<file path=ppt/slides/slide51.xml><?xml version="1.0" encoding="utf-8"?>
-<p:sld xmlns:a="http://schemas.openxmlformats.org/drawingml/2006/main" xmlns:r="http://schemas.openxmlformats.org/officeDocument/2006/relationships" xmlns:p="http://schemas.openxmlformats.org/presentationml/2006/main">
-  <p:cSld>
-    <p:spTree>
-      <p:nvGrpSpPr>
-        <p:cNvPr id="1" name=""/>
-        <p:cNvGrpSpPr/>
-        <p:nvPr/>
-      </p:nvGrpSpPr>
-      <p:grpSpPr>
-        <a:xfrm>
-          <a:off x="0" y="0"/>
-          <a:ext cx="0" cy="0"/>
-          <a:chOff x="0" y="0"/>
-          <a:chExt cx="0" cy="0"/>
-        </a:xfrm>
-      </p:grpSpPr>
-      <p:sp>
-        <p:nvSpPr>
-          <p:cNvPr id="2" name="Title 1"/>
-          <p:cNvSpPr>
-            <a:spLocks noGrp="1"/>
-          </p:cNvSpPr>
-          <p:nvPr>
-            <p:ph type="title"/>
-          </p:nvPr>
-        </p:nvSpPr>
-        <p:spPr>
-          <a:xfrm>
-            <a:off x="2895600" y="685800"/>
-            <a:ext cx="3352800" cy="914400"/>
-          </a:xfrm>
-        </p:spPr>
-        <p:txBody>
-          <a:bodyPr/>
-          <a:lstStyle/>
-          <a:p>
-            <a:r>
-              <a:rPr lang="en-US" dirty="0" smtClean="0"/>
-              <a:t>JIRA - Demo</a:t>
-            </a:r>
-            <a:endParaRPr lang="en-US" dirty="0"/>
-          </a:p>
-        </p:txBody>
-      </p:sp>
-      <p:sp>
-        <p:nvSpPr>
-          <p:cNvPr id="3" name="Content Placeholder 2"/>
-          <p:cNvSpPr>
-            <a:spLocks noGrp="1"/>
-          </p:cNvSpPr>
-          <p:nvPr>
-            <p:ph idx="1"/>
-          </p:nvPr>
-        </p:nvSpPr>
-        <p:spPr>
-          <a:xfrm>
-            <a:off x="228600" y="1524000"/>
-            <a:ext cx="4724400" cy="4648200"/>
-          </a:xfrm>
-        </p:spPr>
-        <p:txBody>
-          <a:bodyPr/>
-          <a:lstStyle/>
-          <a:p>
-            <a:pPr>
-              <a:lnSpc>
-                <a:spcPct val="100000"/>
-              </a:lnSpc>
-            </a:pPr>
-            <a:r>
-              <a:rPr lang="en-US" sz="2800" dirty="0"/>
-              <a:t>Login</a:t>
-            </a:r>
-          </a:p>
-          <a:p>
-            <a:pPr>
-              <a:lnSpc>
-                <a:spcPct val="100000"/>
-              </a:lnSpc>
-            </a:pPr>
-            <a:r>
-              <a:rPr lang="en-US" sz="2800" dirty="0"/>
-              <a:t>Manage Dashboard</a:t>
-            </a:r>
-          </a:p>
-          <a:p>
-            <a:pPr>
-              <a:lnSpc>
-                <a:spcPct val="100000"/>
-              </a:lnSpc>
-            </a:pPr>
-            <a:r>
-              <a:rPr lang="en-US" sz="2800" dirty="0"/>
-              <a:t>Enter a new Project</a:t>
-            </a:r>
-          </a:p>
-          <a:p>
-            <a:pPr>
-              <a:lnSpc>
-                <a:spcPct val="100000"/>
-              </a:lnSpc>
-            </a:pPr>
-            <a:r>
-              <a:rPr lang="en-US" sz="2800" dirty="0"/>
-              <a:t>Enter a new Component</a:t>
-            </a:r>
-          </a:p>
-          <a:p>
-            <a:pPr>
-              <a:lnSpc>
-                <a:spcPct val="100000"/>
-              </a:lnSpc>
-            </a:pPr>
-            <a:r>
-              <a:rPr lang="en-US" sz="2800" dirty="0"/>
-              <a:t>Enter a Defect</a:t>
-            </a:r>
-          </a:p>
-          <a:p>
-            <a:pPr>
-              <a:lnSpc>
-                <a:spcPct val="100000"/>
-              </a:lnSpc>
-            </a:pPr>
-            <a:r>
-              <a:rPr lang="en-US" sz="2800" dirty="0"/>
-              <a:t>Manage Defect</a:t>
-            </a:r>
-          </a:p>
-          <a:p>
-            <a:pPr>
-              <a:lnSpc>
-                <a:spcPct val="100000"/>
-              </a:lnSpc>
-            </a:pPr>
-            <a:r>
-              <a:rPr lang="en-US" sz="2800" dirty="0"/>
-              <a:t>Resolve and Close</a:t>
-            </a:r>
-          </a:p>
-          <a:p>
-            <a:pPr>
-              <a:lnSpc>
-                <a:spcPct val="100000"/>
-              </a:lnSpc>
-            </a:pPr>
-            <a:r>
-              <a:rPr lang="en-US" sz="2800" dirty="0"/>
-              <a:t>Search, Reports, Email, </a:t>
-            </a:r>
-            <a:r>
-              <a:rPr lang="en-US" sz="2800" dirty="0" smtClean="0"/>
-              <a:t>etc</a:t>
-            </a:r>
-            <a:r>
-              <a:rPr lang="en-US" sz="2800" dirty="0"/>
-              <a:t>.</a:t>
-            </a:r>
-          </a:p>
-        </p:txBody>
-      </p:sp>
-      <p:sp>
-        <p:nvSpPr>
-          <p:cNvPr id="4" name="Slide Number Placeholder 3"/>
-          <p:cNvSpPr>
-            <a:spLocks noGrp="1"/>
-          </p:cNvSpPr>
-          <p:nvPr>
-            <p:ph type="sldNum" sz="quarter" idx="10"/>
-          </p:nvPr>
-        </p:nvSpPr>
-        <p:spPr/>
-        <p:txBody>
-          <a:bodyPr/>
-          <a:lstStyle/>
-          <a:p>
-            <a:pPr>
-              <a:defRPr/>
-            </a:pPr>
-            <a:fld id="{58452FF4-89E3-4D1B-9927-2DBDC00E58D7}" type="slidenum">
-              <a:rPr lang="en-US" smtClean="0"/>
-              <a:pPr>
-                <a:defRPr/>
-              </a:pPr>
-              <a:t>51</a:t>
-            </a:fld>
-            <a:endParaRPr lang="en-US" dirty="0"/>
-          </a:p>
-        </p:txBody>
-      </p:sp>
-      <p:pic>
-        <p:nvPicPr>
-          <p:cNvPr id="30722" name="Picture 2"/>
-          <p:cNvPicPr>
-            <a:picLocks noChangeAspect="1" noChangeArrowheads="1"/>
-          </p:cNvPicPr>
-          <p:nvPr/>
-        </p:nvPicPr>
-        <p:blipFill>
-          <a:blip r:embed="rId2" cstate="print">
-            <a:extLst>
-              <a:ext uri="{28A0092B-C50C-407E-A947-70E740481C1C}">
-                <a14:useLocalDpi xmlns:a14="http://schemas.microsoft.com/office/drawing/2010/main" val="0"/>
-              </a:ext>
-            </a:extLst>
-          </a:blip>
-          <a:srcRect/>
-          <a:stretch>
-            <a:fillRect/>
-          </a:stretch>
-        </p:blipFill>
-        <p:spPr bwMode="auto">
-          <a:xfrm>
-            <a:off x="5105400" y="2590800"/>
-            <a:ext cx="3510884" cy="2819400"/>
-          </a:xfrm>
-          <a:prstGeom prst="rect">
-            <a:avLst/>
-          </a:prstGeom>
-          <a:noFill/>
-          <a:ln>
-            <a:noFill/>
-          </a:ln>
-          <a:effectLst>
-            <a:glow rad="101600">
-              <a:schemeClr val="tx1">
-                <a:alpha val="40000"/>
-              </a:schemeClr>
-            </a:glow>
-            <a:outerShdw dist="35921" dir="2700000" algn="ctr" rotWithShape="0">
-              <a:schemeClr val="bg2"/>
-            </a:outerShdw>
-          </a:effectLst>
-          <a:extLst>
-            <a:ext uri="{909E8E84-426E-40DD-AFC4-6F175D3DCCD1}">
-              <a14:hiddenFill xmlns:a14="http://schemas.microsoft.com/office/drawing/2010/main">
-                <a:solidFill>
-                  <a:schemeClr val="accent1"/>
-                </a:solidFill>
-              </a14:hiddenFill>
-            </a:ext>
-            <a:ext uri="{91240B29-F687-4F45-9708-019B960494DF}">
-              <a14:hiddenLine xmlns:a14="http://schemas.microsoft.com/office/drawing/2010/main" w="9525">
-                <a:solidFill>
-                  <a:schemeClr val="tx1"/>
-                </a:solidFill>
-                <a:miter lim="800000"/>
-                <a:headEnd/>
-                <a:tailEnd/>
-              </a14:hiddenLine>
-            </a:ext>
-          </a:extLst>
-        </p:spPr>
-      </p:pic>
-    </p:spTree>
-    <p:extLst>
-      <p:ext uri="{BB962C8B-B14F-4D97-AF65-F5344CB8AC3E}">
-        <p14:creationId xmlns:p14="http://schemas.microsoft.com/office/powerpoint/2010/main" val="4236040625"/>
-      </p:ext>
-    </p:extLst>
-  </p:cSld>
-  <p:clrMapOvr>
-    <a:masterClrMapping/>
-  </p:clrMapOvr>
-  <mc:AlternateContent xmlns:mc="http://schemas.openxmlformats.org/markup-compatibility/2006" xmlns:p14="http://schemas.microsoft.com/office/powerpoint/2010/main">
-    <mc:Choice Requires="p14">
-      <p:transition spd="slow" p14:dur="2000"/>
-    </mc:Choice>
-    <mc:Fallback xmlns="">
-      <p:transition spd="slow"/>
-    </mc:Fallback>
-  </mc:AlternateContent>
-  <p:timing>
-    <p:tnLst>
-      <p:par>
-        <p:cTn id="1" dur="indefinite" restart="never" nodeType="tmRoot"/>
-      </p:par>
-    </p:tnLst>
-  </p:timing>
-</p:sld>
-</file>
-
-<file path=ppt/slides/slide52.xml><?xml version="1.0" encoding="utf-8"?>
-<p:sld xmlns:a="http://schemas.openxmlformats.org/drawingml/2006/main" xmlns:r="http://schemas.openxmlformats.org/officeDocument/2006/relationships" xmlns:p="http://schemas.openxmlformats.org/presentationml/2006/main">
-  <p:cSld>
-    <p:spTree>
-      <p:nvGrpSpPr>
-        <p:cNvPr id="1" name=""/>
-        <p:cNvGrpSpPr/>
-        <p:nvPr/>
-      </p:nvGrpSpPr>
-      <p:grpSpPr>
-        <a:xfrm>
-          <a:off x="0" y="0"/>
-          <a:ext cx="0" cy="0"/>
-          <a:chOff x="0" y="0"/>
-          <a:chExt cx="0" cy="0"/>
-        </a:xfrm>
-      </p:grpSpPr>
-      <p:sp>
-        <p:nvSpPr>
-          <p:cNvPr id="2" name="Title 1"/>
-          <p:cNvSpPr>
-            <a:spLocks noGrp="1"/>
-          </p:cNvSpPr>
-          <p:nvPr>
-            <p:ph type="title"/>
-          </p:nvPr>
-        </p:nvSpPr>
-        <p:spPr/>
-        <p:txBody>
-          <a:bodyPr/>
-          <a:lstStyle/>
-          <a:p>
-            <a:r>
-              <a:rPr lang="en-US" dirty="0"/>
-              <a:t>B</a:t>
-            </a:r>
-            <a:r>
-              <a:rPr lang="en-US" dirty="0" smtClean="0"/>
-              <a:t>ugzilla</a:t>
-            </a:r>
-            <a:endParaRPr lang="en-US" dirty="0"/>
-          </a:p>
-        </p:txBody>
-      </p:sp>
-      <p:sp>
-        <p:nvSpPr>
-          <p:cNvPr id="3" name="Content Placeholder 2"/>
-          <p:cNvSpPr>
-            <a:spLocks noGrp="1"/>
-          </p:cNvSpPr>
-          <p:nvPr>
-            <p:ph idx="1"/>
-          </p:nvPr>
-        </p:nvSpPr>
-        <p:spPr/>
-        <p:txBody>
-          <a:bodyPr/>
-          <a:lstStyle/>
-          <a:p>
-            <a:r>
-              <a:rPr lang="en-US" dirty="0" smtClean="0"/>
-              <a:t>What is Bugzilla?</a:t>
-            </a:r>
-          </a:p>
-          <a:p>
-            <a:pPr lvl="1"/>
-            <a:r>
-              <a:rPr lang="en-US" dirty="0" smtClean="0"/>
-              <a:t>Web-based bugtracker</a:t>
-            </a:r>
-          </a:p>
-          <a:p>
-            <a:pPr lvl="1"/>
-            <a:r>
-              <a:rPr lang="en-US" dirty="0" smtClean="0"/>
-              <a:t>Originally </a:t>
-            </a:r>
-            <a:r>
-              <a:rPr lang="en-US" dirty="0"/>
-              <a:t>developed and used by the Mozilla </a:t>
-            </a:r>
-            <a:r>
-              <a:rPr lang="en-US" dirty="0" smtClean="0"/>
-              <a:t>project</a:t>
-            </a:r>
-          </a:p>
-          <a:p>
-            <a:pPr lvl="1"/>
-            <a:r>
-              <a:rPr lang="en-US" dirty="0">
-                <a:hlinkClick r:id="rId2"/>
-              </a:rPr>
-              <a:t>http://www.bugzilla.org/</a:t>
-            </a:r>
-            <a:endParaRPr lang="en-US" dirty="0"/>
-          </a:p>
-        </p:txBody>
-      </p:sp>
-      <p:sp>
-        <p:nvSpPr>
-          <p:cNvPr id="4" name="Slide Number Placeholder 3"/>
-          <p:cNvSpPr>
-            <a:spLocks noGrp="1"/>
-          </p:cNvSpPr>
-          <p:nvPr>
-            <p:ph type="sldNum" sz="quarter" idx="10"/>
-          </p:nvPr>
-        </p:nvSpPr>
-        <p:spPr/>
-        <p:txBody>
-          <a:bodyPr/>
-          <a:lstStyle/>
-          <a:p>
-            <a:pPr>
-              <a:defRPr/>
-            </a:pPr>
-            <a:fld id="{58452FF4-89E3-4D1B-9927-2DBDC00E58D7}" type="slidenum">
-              <a:rPr lang="en-US" smtClean="0"/>
-              <a:pPr>
-                <a:defRPr/>
-              </a:pPr>
-              <a:t>52</a:t>
-            </a:fld>
-            <a:endParaRPr lang="en-US" dirty="0"/>
-          </a:p>
-        </p:txBody>
-      </p:sp>
-      <p:pic>
-        <p:nvPicPr>
-          <p:cNvPr id="32770" name="Picture 2"/>
-          <p:cNvPicPr>
-            <a:picLocks noChangeAspect="1" noChangeArrowheads="1"/>
-          </p:cNvPicPr>
-          <p:nvPr/>
-        </p:nvPicPr>
-        <p:blipFill>
-          <a:blip r:embed="rId3">
-            <a:extLst>
-              <a:ext uri="{28A0092B-C50C-407E-A947-70E740481C1C}">
-                <a14:useLocalDpi xmlns:a14="http://schemas.microsoft.com/office/drawing/2010/main" val="0"/>
-              </a:ext>
-            </a:extLst>
-          </a:blip>
-          <a:srcRect/>
-          <a:stretch>
-            <a:fillRect/>
-          </a:stretch>
-        </p:blipFill>
-        <p:spPr bwMode="auto">
-          <a:xfrm>
-            <a:off x="3402249" y="4267200"/>
-            <a:ext cx="2339502" cy="2228850"/>
-          </a:xfrm>
-          <a:prstGeom prst="rect">
-            <a:avLst/>
-          </a:prstGeom>
-          <a:noFill/>
-          <a:ln>
-            <a:noFill/>
-          </a:ln>
-          <a:effectLst>
-            <a:glow rad="101600">
-              <a:schemeClr val="tx1">
-                <a:alpha val="40000"/>
-              </a:schemeClr>
-            </a:glow>
-            <a:outerShdw dist="35921" dir="2700000" algn="ctr" rotWithShape="0">
-              <a:schemeClr val="bg2"/>
-            </a:outerShdw>
-          </a:effectLst>
-          <a:extLst>
-            <a:ext uri="{909E8E84-426E-40DD-AFC4-6F175D3DCCD1}">
-              <a14:hiddenFill xmlns:a14="http://schemas.microsoft.com/office/drawing/2010/main">
-                <a:solidFill>
-                  <a:schemeClr val="accent1"/>
-                </a:solidFill>
-              </a14:hiddenFill>
-            </a:ext>
-            <a:ext uri="{91240B29-F687-4F45-9708-019B960494DF}">
-              <a14:hiddenLine xmlns:a14="http://schemas.microsoft.com/office/drawing/2010/main" w="9525">
-                <a:solidFill>
-                  <a:schemeClr val="tx1"/>
-                </a:solidFill>
-                <a:miter lim="800000"/>
-                <a:headEnd/>
-                <a:tailEnd/>
-              </a14:hiddenLine>
-            </a:ext>
-          </a:extLst>
-        </p:spPr>
-      </p:pic>
-    </p:spTree>
-    <p:extLst>
-      <p:ext uri="{BB962C8B-B14F-4D97-AF65-F5344CB8AC3E}">
-        <p14:creationId xmlns:p14="http://schemas.microsoft.com/office/powerpoint/2010/main" val="1291341876"/>
-      </p:ext>
-    </p:extLst>
-  </p:cSld>
-  <p:clrMapOvr>
-    <a:masterClrMapping/>
-  </p:clrMapOvr>
-  <mc:AlternateContent xmlns:mc="http://schemas.openxmlformats.org/markup-compatibility/2006" xmlns:p14="http://schemas.microsoft.com/office/powerpoint/2010/main">
-    <mc:Choice Requires="p14">
-      <p:transition spd="slow" p14:dur="2000"/>
-    </mc:Choice>
-    <mc:Fallback xmlns="">
-      <p:transition spd="slow"/>
-    </mc:Fallback>
-  </mc:AlternateContent>
-  <p:timing>
-    <p:tnLst>
-      <p:par>
-        <p:cTn id="1" dur="indefinite" restart="never" nodeType="tmRoot"/>
-      </p:par>
-    </p:tnLst>
-  </p:timing>
-</p:sld>
-</file>
-
-<file path=ppt/slides/slide53.xml><?xml version="1.0" encoding="utf-8"?>
-<p:sld xmlns:a="http://schemas.openxmlformats.org/drawingml/2006/main" xmlns:r="http://schemas.openxmlformats.org/officeDocument/2006/relationships" xmlns:p="http://schemas.openxmlformats.org/presentationml/2006/main">
-  <p:cSld>
-    <p:spTree>
-      <p:nvGrpSpPr>
-        <p:cNvPr id="1" name=""/>
-        <p:cNvGrpSpPr/>
-        <p:nvPr/>
-      </p:nvGrpSpPr>
-      <p:grpSpPr>
-        <a:xfrm>
-          <a:off x="0" y="0"/>
-          <a:ext cx="0" cy="0"/>
-          <a:chOff x="0" y="0"/>
-          <a:chExt cx="0" cy="0"/>
-        </a:xfrm>
-      </p:grpSpPr>
-      <p:sp>
-        <p:nvSpPr>
-          <p:cNvPr id="2" name="Title 1"/>
-          <p:cNvSpPr>
-            <a:spLocks noGrp="1"/>
-          </p:cNvSpPr>
-          <p:nvPr>
             <p:ph type="ctrTitle"/>
           </p:nvPr>
         </p:nvSpPr>
@@ -21444,7 +18770,7 @@
 </p:sld>
 </file>
 
-<file path=ppt/slides/slide54.xml><?xml version="1.0" encoding="utf-8"?>
+<file path=ppt/slides/slide51.xml><?xml version="1.0" encoding="utf-8"?>
 <p:sld xmlns:a="http://schemas.openxmlformats.org/drawingml/2006/main" xmlns:r="http://schemas.openxmlformats.org/officeDocument/2006/relationships" xmlns:p="http://schemas.openxmlformats.org/presentationml/2006/main">
   <p:cSld>
     <p:spTree>
@@ -21712,7 +19038,7 @@
 </p:sld>
 </file>
 
-<file path=ppt/slides/slide55.xml><?xml version="1.0" encoding="utf-8"?>
+<file path=ppt/slides/slide52.xml><?xml version="1.0" encoding="utf-8"?>
 <p:sld xmlns:a="http://schemas.openxmlformats.org/drawingml/2006/main" xmlns:r="http://schemas.openxmlformats.org/officeDocument/2006/relationships" xmlns:p="http://schemas.openxmlformats.org/presentationml/2006/main">
   <p:cSld>
     <p:spTree>
@@ -21877,7 +19203,7 @@
 </p:sld>
 </file>
 
-<file path=ppt/slides/slide56.xml><?xml version="1.0" encoding="utf-8"?>
+<file path=ppt/slides/slide53.xml><?xml version="1.0" encoding="utf-8"?>
 <p:sld xmlns:a="http://schemas.openxmlformats.org/drawingml/2006/main" xmlns:r="http://schemas.openxmlformats.org/officeDocument/2006/relationships" xmlns:p="http://schemas.openxmlformats.org/presentationml/2006/main">
   <p:cSld>
     <p:spTree>
@@ -21984,7 +19310,7 @@
               <a:pPr>
                 <a:defRPr/>
               </a:pPr>
-              <a:t>56</a:t>
+              <a:t>53</a:t>
             </a:fld>
             <a:endParaRPr lang="en-US" dirty="0"/>
           </a:p>
@@ -22099,7 +19425,7 @@
 </p:sld>
 </file>
 
-<file path=ppt/slides/slide57.xml><?xml version="1.0" encoding="utf-8"?>
+<file path=ppt/slides/slide54.xml><?xml version="1.0" encoding="utf-8"?>
 <p:sld xmlns:a="http://schemas.openxmlformats.org/drawingml/2006/main" xmlns:r="http://schemas.openxmlformats.org/officeDocument/2006/relationships" xmlns:p="http://schemas.openxmlformats.org/presentationml/2006/main">
   <p:cSld>
     <p:spTree>
@@ -22194,7 +19520,7 @@
               <a:pPr>
                 <a:defRPr/>
               </a:pPr>
-              <a:t>57</a:t>
+              <a:t>54</a:t>
             </a:fld>
             <a:endParaRPr lang="en-US" dirty="0"/>
           </a:p>
@@ -22220,7 +19546,7 @@
 </p:sld>
 </file>
 
-<file path=ppt/slides/slide58.xml><?xml version="1.0" encoding="utf-8"?>
+<file path=ppt/slides/slide55.xml><?xml version="1.0" encoding="utf-8"?>
 <p:sld xmlns:a="http://schemas.openxmlformats.org/drawingml/2006/main" xmlns:r="http://schemas.openxmlformats.org/officeDocument/2006/relationships" xmlns:p="http://schemas.openxmlformats.org/presentationml/2006/main">
   <p:cSld>
     <p:spTree>
@@ -22996,7 +20322,7 @@
 </p:sld>
 </file>
 
-<file path=ppt/slides/slide59.xml><?xml version="1.0" encoding="utf-8"?>
+<file path=ppt/slides/slide56.xml><?xml version="1.0" encoding="utf-8"?>
 <p:sld xmlns:a="http://schemas.openxmlformats.org/drawingml/2006/main" xmlns:r="http://schemas.openxmlformats.org/officeDocument/2006/relationships" xmlns:p="http://schemas.openxmlformats.org/presentationml/2006/main">
   <p:cSld>
     <p:spTree>
